--- a/ppts/555-ch06.pptx
+++ b/ppts/555-ch06.pptx
@@ -188,7 +188,7 @@
   </p:defaultTextStyle>
   <p:extLst>
     <p:ext uri="{EFAFB233-063F-42B5-8137-9DF3F51BA10A}">
-      <p15:sldGuideLst xmlns:p15="http://schemas.microsoft.com/office/powerpoint/2012/main" xmlns="">
+      <p15:sldGuideLst xmlns:p15="http://schemas.microsoft.com/office/powerpoint/2012/main">
         <p15:guide id="1" orient="horz" pos="2160">
           <p15:clr>
             <a:srgbClr val="A4A3A4"/>
@@ -202,7 +202,7 @@
       </p15:sldGuideLst>
     </p:ext>
     <p:ext uri="{2D200454-40CA-4A62-9FC3-DE9A4176ACB9}">
-      <p15:notesGuideLst xmlns:p15="http://schemas.microsoft.com/office/powerpoint/2012/main" xmlns="">
+      <p15:notesGuideLst xmlns:p15="http://schemas.microsoft.com/office/powerpoint/2012/main">
         <p15:guide id="1" orient="horz" pos="2880">
           <p15:clr>
             <a:srgbClr val="A4A3A4"/>
@@ -617,7 +617,7 @@
           </a:ln>
           <a:extLst>
             <a:ext uri="{909E8E84-426E-40dd-AFC4-6F175D3DCCD1}">
-              <a14:hiddenFill xmlns:a14="http://schemas.microsoft.com/office/drawing/2010/main">
+              <a14:hiddenFill xmlns:a14="http://schemas.microsoft.com/office/drawing/2010/main" xmlns="">
                 <a:solidFill>
                   <a:srgbClr val="FFFFFF"/>
                 </a:solidFill>
@@ -663,35 +663,35 @@
           <a:p>
             <a:pPr lvl="0"/>
             <a:r>
-              <a:rPr lang="en-US" noProof="0" smtClean="0"/>
+              <a:rPr lang="en-US" noProof="0"/>
               <a:t>Click to edit Master text styles</a:t>
             </a:r>
           </a:p>
           <a:p>
             <a:pPr lvl="1"/>
             <a:r>
-              <a:rPr lang="en-US" noProof="0" smtClean="0"/>
+              <a:rPr lang="en-US" noProof="0"/>
               <a:t>Second level</a:t>
             </a:r>
           </a:p>
           <a:p>
             <a:pPr lvl="2"/>
             <a:r>
-              <a:rPr lang="en-US" noProof="0" smtClean="0"/>
+              <a:rPr lang="en-US" noProof="0"/>
               <a:t>Third level</a:t>
             </a:r>
           </a:p>
           <a:p>
             <a:pPr lvl="3"/>
             <a:r>
-              <a:rPr lang="en-US" noProof="0" smtClean="0"/>
+              <a:rPr lang="en-US" noProof="0"/>
               <a:t>Fourth level</a:t>
             </a:r>
           </a:p>
           <a:p>
             <a:pPr lvl="4"/>
             <a:r>
-              <a:rPr lang="en-US" noProof="0" smtClean="0"/>
+              <a:rPr lang="en-US" noProof="0"/>
               <a:t>Fifth level</a:t>
             </a:r>
           </a:p>
@@ -983,14 +983,14 @@
           <a:ln/>
           <a:extLst>
             <a:ext uri="{909E8E84-426E-40dd-AFC4-6F175D3DCCD1}">
-              <a14:hiddenFill xmlns:a14="http://schemas.microsoft.com/office/drawing/2010/main">
+              <a14:hiddenFill xmlns:a14="http://schemas.microsoft.com/office/drawing/2010/main" xmlns="">
                 <a:solidFill>
                   <a:srgbClr val="FFFFFF"/>
                 </a:solidFill>
               </a14:hiddenFill>
             </a:ext>
             <a:ext uri="{91240B29-F687-4f45-9708-019B960494DF}">
-              <a14:hiddenLine xmlns:a14="http://schemas.microsoft.com/office/drawing/2010/main" w="9525">
+              <a14:hiddenLine xmlns:a14="http://schemas.microsoft.com/office/drawing/2010/main" xmlns="" w="9525">
                 <a:solidFill>
                   <a:srgbClr val="000000"/>
                 </a:solidFill>
@@ -1009,7 +1009,7 @@
               <a:defRPr/>
             </a:pPr>
             <a:r>
-              <a:rPr lang="en-US" altLang="en-US" dirty="0" smtClean="0"/>
+              <a:rPr lang="en-US" altLang="en-US" dirty="0"/>
               <a:t>Defining Digital Certificates</a:t>
             </a:r>
           </a:p>
@@ -1019,7 +1019,7 @@
               <a:buChar char="•"/>
               <a:defRPr/>
             </a:pPr>
-            <a:endParaRPr lang="en-US" altLang="en-US" dirty="0" smtClean="0"/>
+            <a:endParaRPr lang="en-US" altLang="en-US" dirty="0"/>
           </a:p>
           <a:p>
             <a:pPr marL="171450" indent="-171450">
@@ -1028,7 +1028,7 @@
               <a:defRPr/>
             </a:pPr>
             <a:r>
-              <a:rPr lang="en-US" altLang="en-US" dirty="0" smtClean="0"/>
+              <a:rPr lang="en-US" altLang="en-US" dirty="0"/>
               <a:t>Digital signature</a:t>
             </a:r>
           </a:p>
@@ -1039,7 +1039,7 @@
               <a:defRPr/>
             </a:pPr>
             <a:r>
-              <a:rPr lang="en-US" altLang="en-US" dirty="0" smtClean="0"/>
+              <a:rPr lang="en-US" altLang="en-US" dirty="0"/>
               <a:t>Used to prove a document originated from a valid sender</a:t>
             </a:r>
           </a:p>
@@ -1050,7 +1050,7 @@
               <a:defRPr/>
             </a:pPr>
             <a:r>
-              <a:rPr lang="en-US" altLang="en-US" dirty="0" smtClean="0"/>
+              <a:rPr lang="en-US" altLang="en-US" dirty="0"/>
               <a:t>Weakness of using digital signatures</a:t>
             </a:r>
           </a:p>
@@ -1061,7 +1061,7 @@
               <a:defRPr/>
             </a:pPr>
             <a:r>
-              <a:rPr lang="en-US" altLang="en-US" dirty="0" smtClean="0"/>
+              <a:rPr lang="en-US" altLang="en-US" dirty="0"/>
               <a:t>They only show that the private key of the sender was used to encrypt the digital signature</a:t>
             </a:r>
           </a:p>
@@ -1072,7 +1072,7 @@
               <a:defRPr/>
             </a:pPr>
             <a:r>
-              <a:rPr lang="en-US" altLang="en-US" dirty="0" smtClean="0"/>
+              <a:rPr lang="en-US" altLang="en-US" dirty="0"/>
               <a:t>Imposter could post a public key under a sender’s name</a:t>
             </a:r>
           </a:p>
@@ -1082,13 +1082,13 @@
               <a:buChar char="•"/>
               <a:defRPr/>
             </a:pPr>
-            <a:endParaRPr lang="en-US" altLang="en-US" dirty="0" smtClean="0"/>
+            <a:endParaRPr lang="en-US" altLang="en-US" dirty="0"/>
           </a:p>
           <a:p>
             <a:pPr>
               <a:defRPr/>
             </a:pPr>
-            <a:endParaRPr lang="en-US" altLang="en-US" dirty="0" smtClean="0"/>
+            <a:endParaRPr lang="en-US" altLang="en-US" dirty="0"/>
           </a:p>
         </p:txBody>
       </p:sp>
@@ -1150,14 +1150,14 @@
           <a:ln/>
           <a:extLst>
             <a:ext uri="{909E8E84-426E-40dd-AFC4-6F175D3DCCD1}">
-              <a14:hiddenFill xmlns:a14="http://schemas.microsoft.com/office/drawing/2010/main">
+              <a14:hiddenFill xmlns:a14="http://schemas.microsoft.com/office/drawing/2010/main" xmlns="">
                 <a:solidFill>
                   <a:srgbClr val="FFFFFF"/>
                 </a:solidFill>
               </a14:hiddenFill>
             </a:ext>
             <a:ext uri="{91240B29-F687-4f45-9708-019B960494DF}">
-              <a14:hiddenLine xmlns:a14="http://schemas.microsoft.com/office/drawing/2010/main" w="9525">
+              <a14:hiddenLine xmlns:a14="http://schemas.microsoft.com/office/drawing/2010/main" xmlns="" w="9525">
                 <a:solidFill>
                   <a:srgbClr val="000000"/>
                 </a:solidFill>
@@ -1176,7 +1176,7 @@
               <a:defRPr/>
             </a:pPr>
             <a:r>
-              <a:rPr lang="en-US" altLang="en-US" dirty="0" smtClean="0"/>
+              <a:rPr lang="en-US" altLang="en-US" dirty="0"/>
               <a:t>Managing Digital Certificates</a:t>
             </a:r>
           </a:p>
@@ -1186,7 +1186,7 @@
               <a:buChar char="•"/>
               <a:defRPr/>
             </a:pPr>
-            <a:endParaRPr lang="en-US" altLang="en-US" dirty="0" smtClean="0"/>
+            <a:endParaRPr lang="en-US" altLang="en-US" dirty="0"/>
           </a:p>
           <a:p>
             <a:pPr marL="171450" indent="-171450">
@@ -1195,7 +1195,7 @@
               <a:defRPr/>
             </a:pPr>
             <a:r>
-              <a:rPr lang="en-US" altLang="en-US" dirty="0" smtClean="0"/>
+              <a:rPr lang="en-US" altLang="en-US" dirty="0"/>
               <a:t>Means for a digital certificate requestor to identify themselves to an RA</a:t>
             </a:r>
           </a:p>
@@ -1206,7 +1206,7 @@
               <a:defRPr/>
             </a:pPr>
             <a:r>
-              <a:rPr lang="en-US" altLang="en-US" dirty="0" smtClean="0"/>
+              <a:rPr lang="en-US" altLang="en-US" dirty="0"/>
               <a:t>E-mail</a:t>
             </a:r>
           </a:p>
@@ -1217,7 +1217,7 @@
               <a:defRPr/>
             </a:pPr>
             <a:r>
-              <a:rPr lang="en-US" altLang="en-US" dirty="0" smtClean="0"/>
+              <a:rPr lang="en-US" altLang="en-US" dirty="0"/>
               <a:t>Insufficient for activities that must be very secure</a:t>
             </a:r>
           </a:p>
@@ -1228,7 +1228,7 @@
               <a:defRPr/>
             </a:pPr>
             <a:r>
-              <a:rPr lang="en-US" altLang="en-US" dirty="0" smtClean="0"/>
+              <a:rPr lang="en-US" altLang="en-US" dirty="0"/>
               <a:t>Documents</a:t>
             </a:r>
           </a:p>
@@ -1239,7 +1239,7 @@
               <a:defRPr/>
             </a:pPr>
             <a:r>
-              <a:rPr lang="en-US" altLang="en-US" dirty="0" smtClean="0"/>
+              <a:rPr lang="en-US" altLang="en-US" dirty="0"/>
               <a:t>Birth certificate, employee badge</a:t>
             </a:r>
           </a:p>
@@ -1250,7 +1250,7 @@
               <a:defRPr/>
             </a:pPr>
             <a:r>
-              <a:rPr lang="en-US" altLang="en-US" dirty="0" smtClean="0"/>
+              <a:rPr lang="en-US" altLang="en-US" dirty="0"/>
               <a:t>In person</a:t>
             </a:r>
           </a:p>
@@ -1261,7 +1261,7 @@
               <a:defRPr/>
             </a:pPr>
             <a:r>
-              <a:rPr lang="en-US" altLang="en-US" dirty="0" smtClean="0"/>
+              <a:rPr lang="en-US" altLang="en-US" dirty="0"/>
               <a:t>Providing government-issued passport or driver’s license</a:t>
             </a:r>
           </a:p>
@@ -1269,7 +1269,7 @@
             <a:pPr>
               <a:defRPr/>
             </a:pPr>
-            <a:endParaRPr lang="en-US" altLang="en-US" dirty="0" smtClean="0"/>
+            <a:endParaRPr lang="en-US" altLang="en-US" dirty="0"/>
           </a:p>
         </p:txBody>
       </p:sp>
@@ -1331,14 +1331,14 @@
           <a:ln/>
           <a:extLst>
             <a:ext uri="{909E8E84-426E-40dd-AFC4-6F175D3DCCD1}">
-              <a14:hiddenFill xmlns:a14="http://schemas.microsoft.com/office/drawing/2010/main">
+              <a14:hiddenFill xmlns:a14="http://schemas.microsoft.com/office/drawing/2010/main" xmlns="">
                 <a:solidFill>
                   <a:srgbClr val="FFFFFF"/>
                 </a:solidFill>
               </a14:hiddenFill>
             </a:ext>
             <a:ext uri="{91240B29-F687-4f45-9708-019B960494DF}">
-              <a14:hiddenLine xmlns:a14="http://schemas.microsoft.com/office/drawing/2010/main" w="9525">
+              <a14:hiddenLine xmlns:a14="http://schemas.microsoft.com/office/drawing/2010/main" xmlns="" w="9525">
                 <a:solidFill>
                   <a:srgbClr val="000000"/>
                 </a:solidFill>
@@ -1357,7 +1357,7 @@
               <a:defRPr/>
             </a:pPr>
             <a:r>
-              <a:rPr lang="en-US" altLang="en-US" dirty="0" smtClean="0"/>
+              <a:rPr lang="en-US" altLang="en-US" dirty="0"/>
               <a:t>Managing Digital Certificates</a:t>
             </a:r>
           </a:p>
@@ -1367,7 +1367,7 @@
               <a:buChar char="•"/>
               <a:defRPr/>
             </a:pPr>
-            <a:endParaRPr lang="en-US" altLang="en-US" dirty="0" smtClean="0"/>
+            <a:endParaRPr lang="en-US" altLang="en-US" dirty="0"/>
           </a:p>
           <a:p>
             <a:pPr marL="171450" indent="-171450">
@@ -1376,7 +1376,7 @@
               <a:defRPr/>
             </a:pPr>
             <a:r>
-              <a:rPr lang="en-US" altLang="en-US" dirty="0" smtClean="0"/>
+              <a:rPr lang="en-US" altLang="en-US" dirty="0"/>
               <a:t>Certificate Repository (CR)</a:t>
             </a:r>
           </a:p>
@@ -1387,7 +1387,7 @@
               <a:defRPr/>
             </a:pPr>
             <a:r>
-              <a:rPr lang="en-US" altLang="en-US" dirty="0" smtClean="0"/>
+              <a:rPr lang="en-US" altLang="en-US" dirty="0"/>
               <a:t>Publicly accessible centralized directory of digital certificates</a:t>
             </a:r>
           </a:p>
@@ -1398,7 +1398,7 @@
               <a:defRPr/>
             </a:pPr>
             <a:r>
-              <a:rPr lang="en-US" altLang="en-US" dirty="0" smtClean="0"/>
+              <a:rPr lang="en-US" altLang="en-US" dirty="0"/>
               <a:t>Can be used to view certificate status</a:t>
             </a:r>
           </a:p>
@@ -1409,7 +1409,7 @@
               <a:defRPr/>
             </a:pPr>
             <a:r>
-              <a:rPr lang="en-US" altLang="en-US" dirty="0" smtClean="0"/>
+              <a:rPr lang="en-US" altLang="en-US" dirty="0"/>
               <a:t>Can be managed locally by setting it up as a storage area connected to the CA server</a:t>
             </a:r>
           </a:p>
@@ -1417,7 +1417,7 @@
             <a:pPr>
               <a:defRPr/>
             </a:pPr>
-            <a:endParaRPr lang="en-US" altLang="en-US" dirty="0" smtClean="0"/>
+            <a:endParaRPr lang="en-US" altLang="en-US" dirty="0"/>
           </a:p>
         </p:txBody>
       </p:sp>
@@ -1479,14 +1479,14 @@
           <a:ln/>
           <a:extLst>
             <a:ext uri="{909E8E84-426E-40dd-AFC4-6F175D3DCCD1}">
-              <a14:hiddenFill xmlns:a14="http://schemas.microsoft.com/office/drawing/2010/main">
+              <a14:hiddenFill xmlns:a14="http://schemas.microsoft.com/office/drawing/2010/main" xmlns="">
                 <a:solidFill>
                   <a:srgbClr val="FFFFFF"/>
                 </a:solidFill>
               </a14:hiddenFill>
             </a:ext>
             <a:ext uri="{91240B29-F687-4f45-9708-019B960494DF}">
-              <a14:hiddenLine xmlns:a14="http://schemas.microsoft.com/office/drawing/2010/main" w="9525">
+              <a14:hiddenLine xmlns:a14="http://schemas.microsoft.com/office/drawing/2010/main" xmlns="" w="9525">
                 <a:solidFill>
                   <a:srgbClr val="000000"/>
                 </a:solidFill>
@@ -1505,7 +1505,7 @@
               <a:defRPr/>
             </a:pPr>
             <a:r>
-              <a:rPr lang="en-US" altLang="en-US" dirty="0" smtClean="0"/>
+              <a:rPr lang="en-US" altLang="en-US" dirty="0"/>
               <a:t>Managing Digital Certificates</a:t>
             </a:r>
           </a:p>
@@ -1515,7 +1515,7 @@
               <a:buChar char="•"/>
               <a:defRPr/>
             </a:pPr>
-            <a:endParaRPr lang="en-US" altLang="en-US" dirty="0" smtClean="0"/>
+            <a:endParaRPr lang="en-US" altLang="en-US" dirty="0"/>
           </a:p>
           <a:p>
             <a:pPr marL="171450" indent="-171450">
@@ -1524,7 +1524,7 @@
               <a:defRPr/>
             </a:pPr>
             <a:r>
-              <a:rPr lang="en-US" altLang="en-US" dirty="0" smtClean="0"/>
+              <a:rPr lang="en-US" altLang="en-US" dirty="0"/>
               <a:t>Certificate Revocation</a:t>
             </a:r>
           </a:p>
@@ -1535,7 +1535,7 @@
               <a:defRPr/>
             </a:pPr>
             <a:r>
-              <a:rPr lang="en-US" altLang="en-US" dirty="0" smtClean="0"/>
+              <a:rPr lang="en-US" altLang="en-US" dirty="0"/>
               <a:t>Lists of digital certificate that have been revoked</a:t>
             </a:r>
           </a:p>
@@ -1546,7 +1546,7 @@
               <a:defRPr/>
             </a:pPr>
             <a:r>
-              <a:rPr lang="en-US" altLang="en-US" dirty="0" smtClean="0"/>
+              <a:rPr lang="en-US" altLang="en-US" dirty="0"/>
               <a:t>Reasons a certificate would be revoked</a:t>
             </a:r>
           </a:p>
@@ -1557,7 +1557,7 @@
               <a:defRPr/>
             </a:pPr>
             <a:r>
-              <a:rPr lang="en-US" altLang="en-US" dirty="0" smtClean="0"/>
+              <a:rPr lang="en-US" altLang="en-US" dirty="0"/>
               <a:t>Certificate is no longer used</a:t>
             </a:r>
           </a:p>
@@ -1568,7 +1568,7 @@
               <a:defRPr/>
             </a:pPr>
             <a:r>
-              <a:rPr lang="en-US" altLang="en-US" dirty="0" smtClean="0"/>
+              <a:rPr lang="en-US" altLang="en-US" dirty="0"/>
               <a:t>Details of the certificate have changed, such as user’s address</a:t>
             </a:r>
           </a:p>
@@ -1579,7 +1579,7 @@
               <a:defRPr/>
             </a:pPr>
             <a:r>
-              <a:rPr lang="en-US" altLang="en-US" dirty="0" smtClean="0"/>
+              <a:rPr lang="en-US" altLang="en-US" dirty="0"/>
               <a:t>Private key has been lost or exposed (or suspected lost or exposed)</a:t>
             </a:r>
           </a:p>
@@ -1590,7 +1590,7 @@
               <a:defRPr/>
             </a:pPr>
             <a:r>
-              <a:rPr lang="en-US" altLang="en-US" dirty="0" smtClean="0"/>
+              <a:rPr lang="en-US" altLang="en-US" dirty="0"/>
               <a:t>Certificate Revocation List (CRL) </a:t>
             </a:r>
           </a:p>
@@ -1601,7 +1601,7 @@
               <a:defRPr/>
             </a:pPr>
             <a:r>
-              <a:rPr lang="en-US" altLang="en-US" dirty="0" smtClean="0"/>
+              <a:rPr lang="en-US" altLang="en-US" dirty="0"/>
               <a:t>A list of certificate serial numbers that have been revoked</a:t>
             </a:r>
           </a:p>
@@ -1609,7 +1609,7 @@
             <a:pPr>
               <a:defRPr/>
             </a:pPr>
-            <a:endParaRPr lang="en-US" altLang="en-US" dirty="0" smtClean="0"/>
+            <a:endParaRPr lang="en-US" altLang="en-US" dirty="0"/>
           </a:p>
         </p:txBody>
       </p:sp>
@@ -1671,14 +1671,14 @@
           <a:ln/>
           <a:extLst>
             <a:ext uri="{909E8E84-426E-40dd-AFC4-6F175D3DCCD1}">
-              <a14:hiddenFill xmlns:a14="http://schemas.microsoft.com/office/drawing/2010/main">
+              <a14:hiddenFill xmlns:a14="http://schemas.microsoft.com/office/drawing/2010/main" xmlns="">
                 <a:solidFill>
                   <a:srgbClr val="FFFFFF"/>
                 </a:solidFill>
               </a14:hiddenFill>
             </a:ext>
             <a:ext uri="{91240B29-F687-4f45-9708-019B960494DF}">
-              <a14:hiddenLine xmlns:a14="http://schemas.microsoft.com/office/drawing/2010/main" w="9525">
+              <a14:hiddenLine xmlns:a14="http://schemas.microsoft.com/office/drawing/2010/main" xmlns="" w="9525">
                 <a:solidFill>
                   <a:srgbClr val="000000"/>
                 </a:solidFill>
@@ -1697,7 +1697,7 @@
               <a:defRPr/>
             </a:pPr>
             <a:r>
-              <a:rPr lang="en-US" altLang="en-US" dirty="0" smtClean="0"/>
+              <a:rPr lang="en-US" altLang="en-US" dirty="0"/>
               <a:t>Managing Digital Certificates</a:t>
             </a:r>
           </a:p>
@@ -1705,7 +1705,7 @@
             <a:pPr>
               <a:defRPr/>
             </a:pPr>
-            <a:endParaRPr lang="en-US" altLang="en-US" dirty="0" smtClean="0"/>
+            <a:endParaRPr lang="en-US" altLang="en-US" dirty="0"/>
           </a:p>
           <a:p>
             <a:pPr marL="171450" indent="-171450">
@@ -1714,7 +1714,7 @@
               <a:defRPr/>
             </a:pPr>
             <a:r>
-              <a:rPr lang="en-US" altLang="en-US" dirty="0" smtClean="0"/>
+              <a:rPr lang="en-US" altLang="en-US" dirty="0"/>
               <a:t>Online Certificate Status Protocol (OCSP)</a:t>
             </a:r>
           </a:p>
@@ -1725,7 +1725,7 @@
               <a:defRPr/>
             </a:pPr>
             <a:r>
-              <a:rPr lang="en-US" altLang="en-US" dirty="0" smtClean="0"/>
+              <a:rPr lang="en-US" altLang="en-US" dirty="0"/>
               <a:t>Performs a real-time lookup of a certificate’s status</a:t>
             </a:r>
           </a:p>
@@ -1736,7 +1736,7 @@
               <a:defRPr/>
             </a:pPr>
             <a:r>
-              <a:rPr lang="en-US" altLang="en-US" dirty="0" smtClean="0"/>
+              <a:rPr lang="en-US" altLang="en-US" dirty="0"/>
               <a:t>Called a request-response protocol</a:t>
             </a:r>
           </a:p>
@@ -1747,7 +1747,7 @@
               <a:defRPr/>
             </a:pPr>
             <a:r>
-              <a:rPr lang="en-US" altLang="en-US" dirty="0" smtClean="0"/>
+              <a:rPr lang="en-US" altLang="en-US" dirty="0"/>
               <a:t>The browser sends the certificate’s information to a trusted entity known as an OCSP Responder</a:t>
             </a:r>
           </a:p>
@@ -1758,7 +1758,7 @@
               <a:defRPr/>
             </a:pPr>
             <a:r>
-              <a:rPr lang="en-US" altLang="en-US" dirty="0" smtClean="0"/>
+              <a:rPr lang="en-US" altLang="en-US" dirty="0"/>
               <a:t>The OCSP Responder provides immediate revocation information on that certificate</a:t>
             </a:r>
           </a:p>
@@ -1769,7 +1769,7 @@
               <a:defRPr/>
             </a:pPr>
             <a:r>
-              <a:rPr lang="en-US" altLang="en-US" dirty="0" smtClean="0"/>
+              <a:rPr lang="en-US" altLang="en-US" dirty="0"/>
               <a:t>OCSP stapling</a:t>
             </a:r>
           </a:p>
@@ -1780,7 +1780,7 @@
               <a:defRPr/>
             </a:pPr>
             <a:r>
-              <a:rPr lang="en-US" altLang="en-US" dirty="0" smtClean="0"/>
+              <a:rPr lang="en-US" altLang="en-US" dirty="0"/>
               <a:t>A variation of OCSP where web servers send queries to the OCSP Responder server at regular intervals to receive a signed time-stamped response</a:t>
             </a:r>
           </a:p>
@@ -1788,7 +1788,7 @@
             <a:pPr>
               <a:defRPr/>
             </a:pPr>
-            <a:endParaRPr lang="en-US" altLang="en-US" dirty="0" smtClean="0"/>
+            <a:endParaRPr lang="en-US" altLang="en-US" dirty="0"/>
           </a:p>
         </p:txBody>
       </p:sp>
@@ -1851,14 +1851,14 @@
           <a:ln/>
           <a:extLst>
             <a:ext uri="{909E8E84-426E-40dd-AFC4-6F175D3DCCD1}">
-              <a14:hiddenFill xmlns:a14="http://schemas.microsoft.com/office/drawing/2010/main">
+              <a14:hiddenFill xmlns:a14="http://schemas.microsoft.com/office/drawing/2010/main" xmlns="">
                 <a:solidFill>
                   <a:srgbClr val="FFFFFF"/>
                 </a:solidFill>
               </a14:hiddenFill>
             </a:ext>
             <a:ext uri="{91240B29-F687-4f45-9708-019B960494DF}">
-              <a14:hiddenLine xmlns:a14="http://schemas.microsoft.com/office/drawing/2010/main" w="9525">
+              <a14:hiddenLine xmlns:a14="http://schemas.microsoft.com/office/drawing/2010/main" xmlns="" w="9525">
                 <a:solidFill>
                   <a:srgbClr val="000000"/>
                 </a:solidFill>
@@ -1874,16 +1874,16 @@
           <a:lstStyle/>
           <a:p>
             <a:r>
-              <a:rPr lang="en-US" altLang="en-US" smtClean="0"/>
+              <a:rPr lang="en-US" altLang="en-US"/>
               <a:t>Managing Digital Certificates</a:t>
             </a:r>
           </a:p>
           <a:p>
-            <a:endParaRPr lang="en-US" altLang="en-US" smtClean="0"/>
-          </a:p>
-          <a:p>
-            <a:r>
-              <a:rPr lang="en-US" altLang="en-US" smtClean="0"/>
+            <a:endParaRPr lang="en-US" altLang="en-US"/>
+          </a:p>
+          <a:p>
+            <a:r>
+              <a:rPr lang="en-US" altLang="en-US"/>
               <a:t>Figure 6-4  OCSP stapling</a:t>
             </a:r>
           </a:p>
@@ -1947,14 +1947,14 @@
           <a:ln/>
           <a:extLst>
             <a:ext uri="{909E8E84-426E-40dd-AFC4-6F175D3DCCD1}">
-              <a14:hiddenFill xmlns:a14="http://schemas.microsoft.com/office/drawing/2010/main">
+              <a14:hiddenFill xmlns:a14="http://schemas.microsoft.com/office/drawing/2010/main" xmlns="">
                 <a:solidFill>
                   <a:srgbClr val="FFFFFF"/>
                 </a:solidFill>
               </a14:hiddenFill>
             </a:ext>
             <a:ext uri="{91240B29-F687-4f45-9708-019B960494DF}">
-              <a14:hiddenLine xmlns:a14="http://schemas.microsoft.com/office/drawing/2010/main" w="9525">
+              <a14:hiddenLine xmlns:a14="http://schemas.microsoft.com/office/drawing/2010/main" xmlns="" w="9525">
                 <a:solidFill>
                   <a:srgbClr val="000000"/>
                 </a:solidFill>
@@ -1973,7 +1973,7 @@
               <a:defRPr/>
             </a:pPr>
             <a:r>
-              <a:rPr lang="en-US" altLang="en-US" dirty="0" smtClean="0"/>
+              <a:rPr lang="en-US" altLang="en-US" dirty="0"/>
               <a:t>Types of Digital Certificates</a:t>
             </a:r>
           </a:p>
@@ -1983,7 +1983,7 @@
               <a:buChar char="•"/>
               <a:defRPr/>
             </a:pPr>
-            <a:endParaRPr lang="en-US" altLang="en-US" dirty="0" smtClean="0"/>
+            <a:endParaRPr lang="en-US" altLang="en-US" dirty="0"/>
           </a:p>
           <a:p>
             <a:pPr marL="171450" indent="-171450">
@@ -1992,7 +1992,7 @@
               <a:defRPr/>
             </a:pPr>
             <a:r>
-              <a:rPr lang="en-US" altLang="en-US" dirty="0" smtClean="0"/>
+              <a:rPr lang="en-US" altLang="en-US" dirty="0"/>
               <a:t>Different categories of digital certificates</a:t>
             </a:r>
           </a:p>
@@ -2003,7 +2003,7 @@
               <a:defRPr/>
             </a:pPr>
             <a:r>
-              <a:rPr lang="en-US" altLang="en-US" dirty="0" smtClean="0"/>
+              <a:rPr lang="en-US" altLang="en-US" dirty="0"/>
               <a:t>The most common categories are:</a:t>
             </a:r>
           </a:p>
@@ -2014,7 +2014,7 @@
               <a:defRPr/>
             </a:pPr>
             <a:r>
-              <a:rPr lang="en-US" altLang="en-US" dirty="0" smtClean="0"/>
+              <a:rPr lang="en-US" altLang="en-US" dirty="0"/>
               <a:t>Personal digital certificates</a:t>
             </a:r>
           </a:p>
@@ -2025,7 +2025,7 @@
               <a:defRPr/>
             </a:pPr>
             <a:r>
-              <a:rPr lang="en-US" altLang="en-US" dirty="0" smtClean="0"/>
+              <a:rPr lang="en-US" altLang="en-US" dirty="0"/>
               <a:t>Server digital certificates</a:t>
             </a:r>
           </a:p>
@@ -2036,7 +2036,7 @@
               <a:defRPr/>
             </a:pPr>
             <a:r>
-              <a:rPr lang="en-US" altLang="en-US" dirty="0" smtClean="0"/>
+              <a:rPr lang="en-US" altLang="en-US" dirty="0"/>
               <a:t>Software publisher digital certificates</a:t>
             </a:r>
           </a:p>
@@ -2044,7 +2044,7 @@
             <a:pPr>
               <a:defRPr/>
             </a:pPr>
-            <a:endParaRPr lang="en-US" altLang="en-US" dirty="0" smtClean="0"/>
+            <a:endParaRPr lang="en-US" altLang="en-US" dirty="0"/>
           </a:p>
         </p:txBody>
       </p:sp>
@@ -2106,14 +2106,14 @@
           <a:ln/>
           <a:extLst>
             <a:ext uri="{909E8E84-426E-40dd-AFC4-6F175D3DCCD1}">
-              <a14:hiddenFill xmlns:a14="http://schemas.microsoft.com/office/drawing/2010/main">
+              <a14:hiddenFill xmlns:a14="http://schemas.microsoft.com/office/drawing/2010/main" xmlns="">
                 <a:solidFill>
                   <a:srgbClr val="FFFFFF"/>
                 </a:solidFill>
               </a14:hiddenFill>
             </a:ext>
             <a:ext uri="{91240B29-F687-4f45-9708-019B960494DF}">
-              <a14:hiddenLine xmlns:a14="http://schemas.microsoft.com/office/drawing/2010/main" w="9525">
+              <a14:hiddenLine xmlns:a14="http://schemas.microsoft.com/office/drawing/2010/main" xmlns="" w="9525">
                 <a:solidFill>
                   <a:srgbClr val="000000"/>
                 </a:solidFill>
@@ -2132,7 +2132,7 @@
               <a:defRPr/>
             </a:pPr>
             <a:r>
-              <a:rPr lang="en-US" altLang="en-US" dirty="0" smtClean="0"/>
+              <a:rPr lang="en-US" altLang="en-US" dirty="0"/>
               <a:t>Types of Digital Certificates</a:t>
             </a:r>
           </a:p>
@@ -2142,7 +2142,7 @@
               <a:buChar char="•"/>
               <a:defRPr/>
             </a:pPr>
-            <a:endParaRPr lang="en-US" altLang="en-US" dirty="0" smtClean="0"/>
+            <a:endParaRPr lang="en-US" altLang="en-US" dirty="0"/>
           </a:p>
           <a:p>
             <a:pPr marL="171450" indent="-171450">
@@ -2151,7 +2151,7 @@
               <a:defRPr/>
             </a:pPr>
             <a:r>
-              <a:rPr lang="en-US" altLang="en-US" dirty="0" smtClean="0"/>
+              <a:rPr lang="en-US" altLang="en-US" dirty="0"/>
               <a:t>Class 1: Personal Digital Certificates</a:t>
             </a:r>
           </a:p>
@@ -2162,7 +2162,7 @@
               <a:defRPr/>
             </a:pPr>
             <a:r>
-              <a:rPr lang="en-US" altLang="en-US" dirty="0" smtClean="0"/>
+              <a:rPr lang="en-US" altLang="en-US" dirty="0"/>
               <a:t>Issued by an RA directly to individuals</a:t>
             </a:r>
           </a:p>
@@ -2173,7 +2173,7 @@
               <a:defRPr/>
             </a:pPr>
             <a:r>
-              <a:rPr lang="en-US" altLang="en-US" dirty="0" smtClean="0"/>
+              <a:rPr lang="en-US" altLang="en-US" dirty="0"/>
               <a:t>Frequently used to secure e-mail transmissions</a:t>
             </a:r>
           </a:p>
@@ -2184,7 +2184,7 @@
               <a:defRPr/>
             </a:pPr>
             <a:r>
-              <a:rPr lang="en-US" altLang="en-US" dirty="0" smtClean="0"/>
+              <a:rPr lang="en-US" altLang="en-US" dirty="0"/>
               <a:t>Typically only require user’s name and e-mail address to receive</a:t>
             </a:r>
           </a:p>
@@ -2195,7 +2195,7 @@
               <a:defRPr/>
             </a:pPr>
             <a:r>
-              <a:rPr lang="en-US" altLang="en-US" dirty="0" smtClean="0"/>
+              <a:rPr lang="en-US" altLang="en-US" dirty="0"/>
               <a:t>Class 2: Server Digital Certificates</a:t>
             </a:r>
           </a:p>
@@ -2206,7 +2206,7 @@
               <a:defRPr/>
             </a:pPr>
             <a:r>
-              <a:rPr lang="en-US" altLang="en-US" dirty="0" smtClean="0"/>
+              <a:rPr lang="en-US" altLang="en-US" dirty="0"/>
               <a:t>Issued from a Web server to a client</a:t>
             </a:r>
           </a:p>
@@ -2217,7 +2217,7 @@
               <a:defRPr/>
             </a:pPr>
             <a:r>
-              <a:rPr lang="en-US" altLang="en-US" dirty="0" smtClean="0"/>
+              <a:rPr lang="en-US" altLang="en-US" dirty="0"/>
               <a:t>Ensure authenticity of the Web server</a:t>
             </a:r>
           </a:p>
@@ -2228,7 +2228,7 @@
               <a:defRPr/>
             </a:pPr>
             <a:r>
-              <a:rPr lang="en-US" altLang="en-US" dirty="0" smtClean="0"/>
+              <a:rPr lang="en-US" altLang="en-US" dirty="0"/>
               <a:t>Ensure authenticity of the cryptographic connection to the Web server</a:t>
             </a:r>
           </a:p>
@@ -2236,7 +2236,7 @@
             <a:pPr>
               <a:defRPr/>
             </a:pPr>
-            <a:endParaRPr lang="en-US" altLang="en-US" dirty="0" smtClean="0"/>
+            <a:endParaRPr lang="en-US" altLang="en-US" dirty="0"/>
           </a:p>
         </p:txBody>
       </p:sp>
@@ -2299,14 +2299,14 @@
           <a:ln/>
           <a:extLst>
             <a:ext uri="{909E8E84-426E-40dd-AFC4-6F175D3DCCD1}">
-              <a14:hiddenFill xmlns:a14="http://schemas.microsoft.com/office/drawing/2010/main">
+              <a14:hiddenFill xmlns:a14="http://schemas.microsoft.com/office/drawing/2010/main" xmlns="">
                 <a:solidFill>
                   <a:srgbClr val="FFFFFF"/>
                 </a:solidFill>
               </a14:hiddenFill>
             </a:ext>
             <a:ext uri="{91240B29-F687-4f45-9708-019B960494DF}">
-              <a14:hiddenLine xmlns:a14="http://schemas.microsoft.com/office/drawing/2010/main" w="9525">
+              <a14:hiddenLine xmlns:a14="http://schemas.microsoft.com/office/drawing/2010/main" xmlns="" w="9525">
                 <a:solidFill>
                   <a:srgbClr val="000000"/>
                 </a:solidFill>
@@ -2322,16 +2322,16 @@
           <a:lstStyle/>
           <a:p>
             <a:r>
-              <a:rPr lang="en-US" altLang="en-US" smtClean="0"/>
+              <a:rPr lang="en-US" altLang="en-US"/>
               <a:t>Types of Digital Certificates</a:t>
             </a:r>
           </a:p>
           <a:p>
-            <a:endParaRPr lang="en-US" altLang="en-US" smtClean="0"/>
-          </a:p>
-          <a:p>
-            <a:r>
-              <a:rPr lang="en-US" altLang="en-US" smtClean="0"/>
+            <a:endParaRPr lang="en-US" altLang="en-US"/>
+          </a:p>
+          <a:p>
+            <a:r>
+              <a:rPr lang="en-US" altLang="en-US"/>
               <a:t>Figure 6-5  Server digital certificate handshake</a:t>
             </a:r>
           </a:p>
@@ -2395,14 +2395,14 @@
           <a:ln/>
           <a:extLst>
             <a:ext uri="{909E8E84-426E-40dd-AFC4-6F175D3DCCD1}">
-              <a14:hiddenFill xmlns:a14="http://schemas.microsoft.com/office/drawing/2010/main">
+              <a14:hiddenFill xmlns:a14="http://schemas.microsoft.com/office/drawing/2010/main" xmlns="">
                 <a:solidFill>
                   <a:srgbClr val="FFFFFF"/>
                 </a:solidFill>
               </a14:hiddenFill>
             </a:ext>
             <a:ext uri="{91240B29-F687-4f45-9708-019B960494DF}">
-              <a14:hiddenLine xmlns:a14="http://schemas.microsoft.com/office/drawing/2010/main" w="9525">
+              <a14:hiddenLine xmlns:a14="http://schemas.microsoft.com/office/drawing/2010/main" xmlns="" w="9525">
                 <a:solidFill>
                   <a:srgbClr val="000000"/>
                 </a:solidFill>
@@ -2421,7 +2421,7 @@
               <a:defRPr/>
             </a:pPr>
             <a:r>
-              <a:rPr lang="en-US" altLang="en-US" dirty="0" smtClean="0"/>
+              <a:rPr lang="en-US" altLang="en-US" dirty="0"/>
               <a:t>Types of Digital Certificates</a:t>
             </a:r>
           </a:p>
@@ -2431,7 +2431,7 @@
               <a:buChar char="•"/>
               <a:defRPr/>
             </a:pPr>
-            <a:endParaRPr lang="en-US" altLang="en-US" dirty="0" smtClean="0"/>
+            <a:endParaRPr lang="en-US" altLang="en-US" dirty="0"/>
           </a:p>
           <a:p>
             <a:pPr marL="171450" indent="-171450">
@@ -2440,7 +2440,7 @@
               <a:defRPr/>
             </a:pPr>
             <a:r>
-              <a:rPr lang="en-US" altLang="en-US" dirty="0" smtClean="0"/>
+              <a:rPr lang="en-US" altLang="en-US" dirty="0"/>
               <a:t>Class 2: server digital certificates (cont’d.)</a:t>
             </a:r>
           </a:p>
@@ -2451,7 +2451,7 @@
               <a:defRPr/>
             </a:pPr>
             <a:r>
-              <a:rPr lang="en-US" altLang="en-US" dirty="0" smtClean="0"/>
+              <a:rPr lang="en-US" altLang="en-US" dirty="0"/>
               <a:t>Server authentication and secure communication can be combined into one certificate</a:t>
             </a:r>
           </a:p>
@@ -2462,7 +2462,7 @@
               <a:defRPr/>
             </a:pPr>
             <a:r>
-              <a:rPr lang="en-US" altLang="en-US" dirty="0" smtClean="0"/>
+              <a:rPr lang="en-US" altLang="en-US" dirty="0"/>
               <a:t>Displays padlock icon in the Web browser</a:t>
             </a:r>
           </a:p>
@@ -2473,7 +2473,7 @@
               <a:defRPr/>
             </a:pPr>
             <a:r>
-              <a:rPr lang="en-US" altLang="en-US" dirty="0" smtClean="0"/>
+              <a:rPr lang="en-US" altLang="en-US" dirty="0"/>
               <a:t>Click padlock icon to display information about the digital certificate</a:t>
             </a:r>
           </a:p>
@@ -2484,7 +2484,7 @@
               <a:defRPr/>
             </a:pPr>
             <a:r>
-              <a:rPr lang="en-US" altLang="en-US" dirty="0" smtClean="0"/>
+              <a:rPr lang="en-US" altLang="en-US" dirty="0"/>
               <a:t>Extended Validation SSL Certificate (EV SSL)</a:t>
             </a:r>
           </a:p>
@@ -2495,7 +2495,7 @@
               <a:defRPr/>
             </a:pPr>
             <a:r>
-              <a:rPr lang="en-US" altLang="en-US" dirty="0" smtClean="0"/>
+              <a:rPr lang="en-US" altLang="en-US" dirty="0"/>
               <a:t>Requires more extensive verification of legitimacy of the business</a:t>
             </a:r>
           </a:p>
@@ -2503,7 +2503,7 @@
             <a:pPr>
               <a:defRPr/>
             </a:pPr>
-            <a:endParaRPr lang="en-US" altLang="en-US" dirty="0" smtClean="0"/>
+            <a:endParaRPr lang="en-US" altLang="en-US" dirty="0"/>
           </a:p>
         </p:txBody>
       </p:sp>
@@ -2566,14 +2566,14 @@
           <a:ln/>
           <a:extLst>
             <a:ext uri="{909E8E84-426E-40dd-AFC4-6F175D3DCCD1}">
-              <a14:hiddenFill xmlns:a14="http://schemas.microsoft.com/office/drawing/2010/main">
+              <a14:hiddenFill xmlns:a14="http://schemas.microsoft.com/office/drawing/2010/main" xmlns="">
                 <a:solidFill>
                   <a:srgbClr val="FFFFFF"/>
                 </a:solidFill>
               </a14:hiddenFill>
             </a:ext>
             <a:ext uri="{91240B29-F687-4f45-9708-019B960494DF}">
-              <a14:hiddenLine xmlns:a14="http://schemas.microsoft.com/office/drawing/2010/main" w="9525">
+              <a14:hiddenLine xmlns:a14="http://schemas.microsoft.com/office/drawing/2010/main" xmlns="" w="9525">
                 <a:solidFill>
                   <a:srgbClr val="000000"/>
                 </a:solidFill>
@@ -2589,16 +2589,16 @@
           <a:lstStyle/>
           <a:p>
             <a:r>
-              <a:rPr lang="en-US" altLang="en-US" smtClean="0"/>
+              <a:rPr lang="en-US" altLang="en-US"/>
               <a:t>Types of Digital Certificates</a:t>
             </a:r>
           </a:p>
           <a:p>
-            <a:endParaRPr lang="en-US" altLang="en-US" smtClean="0"/>
-          </a:p>
-          <a:p>
-            <a:r>
-              <a:rPr lang="en-US" altLang="en-US" smtClean="0"/>
+            <a:endParaRPr lang="en-US" altLang="en-US"/>
+          </a:p>
+          <a:p>
+            <a:r>
+              <a:rPr lang="en-US" altLang="en-US"/>
               <a:t>Figure 6-6  Padlock icon and certificate information</a:t>
             </a:r>
           </a:p>
@@ -2663,14 +2663,14 @@
           <a:ln/>
           <a:extLst>
             <a:ext uri="{909E8E84-426E-40dd-AFC4-6F175D3DCCD1}">
-              <a14:hiddenFill xmlns:a14="http://schemas.microsoft.com/office/drawing/2010/main">
+              <a14:hiddenFill xmlns:a14="http://schemas.microsoft.com/office/drawing/2010/main" xmlns="">
                 <a:solidFill>
                   <a:srgbClr val="FFFFFF"/>
                 </a:solidFill>
               </a14:hiddenFill>
             </a:ext>
             <a:ext uri="{91240B29-F687-4f45-9708-019B960494DF}">
-              <a14:hiddenLine xmlns:a14="http://schemas.microsoft.com/office/drawing/2010/main" w="9525">
+              <a14:hiddenLine xmlns:a14="http://schemas.microsoft.com/office/drawing/2010/main" xmlns="" w="9525">
                 <a:solidFill>
                   <a:srgbClr val="000000"/>
                 </a:solidFill>
@@ -2686,16 +2686,16 @@
           <a:lstStyle/>
           <a:p>
             <a:r>
-              <a:rPr lang="en-US" altLang="en-US" smtClean="0"/>
+              <a:rPr lang="en-US" altLang="en-US"/>
               <a:t>Defining Digital Certificates</a:t>
             </a:r>
           </a:p>
           <a:p>
-            <a:endParaRPr lang="en-US" altLang="en-US" smtClean="0"/>
-          </a:p>
-          <a:p>
-            <a:r>
-              <a:rPr lang="en-US" altLang="en-US" smtClean="0"/>
+            <a:endParaRPr lang="en-US" altLang="en-US"/>
+          </a:p>
+          <a:p>
+            <a:r>
+              <a:rPr lang="en-US" altLang="en-US"/>
               <a:t>Figure 6-1  Imposter public key</a:t>
             </a:r>
           </a:p>
@@ -2759,14 +2759,14 @@
           <a:ln/>
           <a:extLst>
             <a:ext uri="{909E8E84-426E-40dd-AFC4-6F175D3DCCD1}">
-              <a14:hiddenFill xmlns:a14="http://schemas.microsoft.com/office/drawing/2010/main">
+              <a14:hiddenFill xmlns:a14="http://schemas.microsoft.com/office/drawing/2010/main" xmlns="">
                 <a:solidFill>
                   <a:srgbClr val="FFFFFF"/>
                 </a:solidFill>
               </a14:hiddenFill>
             </a:ext>
             <a:ext uri="{91240B29-F687-4f45-9708-019B960494DF}">
-              <a14:hiddenLine xmlns:a14="http://schemas.microsoft.com/office/drawing/2010/main" w="9525">
+              <a14:hiddenLine xmlns:a14="http://schemas.microsoft.com/office/drawing/2010/main" xmlns="" w="9525">
                 <a:solidFill>
                   <a:srgbClr val="000000"/>
                 </a:solidFill>
@@ -2785,7 +2785,7 @@
               <a:defRPr/>
             </a:pPr>
             <a:r>
-              <a:rPr lang="en-US" altLang="en-US" dirty="0" smtClean="0"/>
+              <a:rPr lang="en-US" altLang="en-US" dirty="0"/>
               <a:t>Types of Digital Certificates</a:t>
             </a:r>
           </a:p>
@@ -2795,7 +2795,7 @@
               <a:buChar char="•"/>
               <a:defRPr/>
             </a:pPr>
-            <a:endParaRPr lang="en-US" altLang="en-US" dirty="0" smtClean="0"/>
+            <a:endParaRPr lang="en-US" altLang="en-US" dirty="0"/>
           </a:p>
           <a:p>
             <a:pPr marL="171450" indent="-171450">
@@ -2804,7 +2804,7 @@
               <a:defRPr/>
             </a:pPr>
             <a:r>
-              <a:rPr lang="en-US" altLang="en-US" dirty="0" smtClean="0"/>
+              <a:rPr lang="en-US" altLang="en-US" dirty="0"/>
               <a:t>Class 3: Software Publisher Digital Certificates</a:t>
             </a:r>
           </a:p>
@@ -2815,7 +2815,7 @@
               <a:defRPr/>
             </a:pPr>
             <a:r>
-              <a:rPr lang="en-US" altLang="en-US" dirty="0" smtClean="0"/>
+              <a:rPr lang="en-US" altLang="en-US" dirty="0"/>
               <a:t>Provided by software publishers</a:t>
             </a:r>
           </a:p>
@@ -2826,7 +2826,7 @@
               <a:defRPr/>
             </a:pPr>
             <a:r>
-              <a:rPr lang="en-US" altLang="en-US" dirty="0" smtClean="0"/>
+              <a:rPr lang="en-US" altLang="en-US" dirty="0"/>
               <a:t>Purpose: to verify programs are secure and have not been tampered with</a:t>
             </a:r>
           </a:p>
@@ -2837,7 +2837,7 @@
               <a:defRPr/>
             </a:pPr>
             <a:r>
-              <a:rPr lang="en-US" altLang="en-US" dirty="0" smtClean="0"/>
+              <a:rPr lang="en-US" altLang="en-US" dirty="0"/>
               <a:t>X.509 digital certificates</a:t>
             </a:r>
           </a:p>
@@ -2848,7 +2848,7 @@
               <a:defRPr/>
             </a:pPr>
             <a:r>
-              <a:rPr lang="en-US" altLang="en-US" dirty="0" smtClean="0"/>
+              <a:rPr lang="en-US" altLang="en-US" dirty="0"/>
               <a:t>The standard for the most widely accepted format for digital certificates</a:t>
             </a:r>
           </a:p>
@@ -2859,14 +2859,14 @@
               <a:defRPr/>
             </a:pPr>
             <a:r>
-              <a:rPr lang="en-US" altLang="en-US" dirty="0" smtClean="0"/>
+              <a:rPr lang="en-US" altLang="en-US" dirty="0"/>
               <a:t>Digital certificates following this standard can be read or written by any application that follows X.</a:t>
             </a:r>
             <a:r>
-              <a:rPr lang="en-US" altLang="en-US" i="1" dirty="0" smtClean="0"/>
+              <a:rPr lang="en-US" altLang="en-US" i="1" dirty="0"/>
               <a:t>509</a:t>
             </a:r>
-            <a:endParaRPr lang="en-US" altLang="en-US" dirty="0" smtClean="0"/>
+            <a:endParaRPr lang="en-US" altLang="en-US" dirty="0"/>
           </a:p>
           <a:p>
             <a:pPr marL="628650" lvl="1" indent="-171450">
@@ -2875,15 +2875,15 @@
               <a:defRPr/>
             </a:pPr>
             <a:r>
-              <a:rPr lang="en-US" altLang="en-US" dirty="0" smtClean="0"/>
+              <a:rPr lang="en-US" altLang="en-US" dirty="0"/>
               <a:t>The current version is X.</a:t>
             </a:r>
             <a:r>
-              <a:rPr lang="en-US" altLang="en-US" i="1" dirty="0" smtClean="0"/>
+              <a:rPr lang="en-US" altLang="en-US" i="1" dirty="0"/>
               <a:t>509</a:t>
             </a:r>
             <a:r>
-              <a:rPr lang="en-US" altLang="en-US" dirty="0" smtClean="0"/>
+              <a:rPr lang="en-US" altLang="en-US" dirty="0"/>
               <a:t> v3</a:t>
             </a:r>
           </a:p>
@@ -2891,7 +2891,7 @@
             <a:pPr>
               <a:defRPr/>
             </a:pPr>
-            <a:endParaRPr lang="en-US" altLang="en-US" dirty="0" smtClean="0"/>
+            <a:endParaRPr lang="en-US" altLang="en-US" dirty="0"/>
           </a:p>
         </p:txBody>
       </p:sp>
@@ -2954,14 +2954,14 @@
           <a:ln/>
           <a:extLst>
             <a:ext uri="{909E8E84-426E-40dd-AFC4-6F175D3DCCD1}">
-              <a14:hiddenFill xmlns:a14="http://schemas.microsoft.com/office/drawing/2010/main">
+              <a14:hiddenFill xmlns:a14="http://schemas.microsoft.com/office/drawing/2010/main" xmlns="">
                 <a:solidFill>
                   <a:srgbClr val="FFFFFF"/>
                 </a:solidFill>
               </a14:hiddenFill>
             </a:ext>
             <a:ext uri="{91240B29-F687-4f45-9708-019B960494DF}">
-              <a14:hiddenLine xmlns:a14="http://schemas.microsoft.com/office/drawing/2010/main" w="9525">
+              <a14:hiddenLine xmlns:a14="http://schemas.microsoft.com/office/drawing/2010/main" xmlns="" w="9525">
                 <a:solidFill>
                   <a:srgbClr val="000000"/>
                 </a:solidFill>
@@ -2977,16 +2977,16 @@
           <a:lstStyle/>
           <a:p>
             <a:r>
-              <a:rPr lang="en-US" altLang="en-US" smtClean="0"/>
+              <a:rPr lang="en-US" altLang="en-US"/>
               <a:t>Types of Digital Certificates</a:t>
             </a:r>
           </a:p>
           <a:p>
-            <a:endParaRPr lang="en-US" altLang="en-US" smtClean="0"/>
-          </a:p>
-          <a:p>
-            <a:r>
-              <a:rPr lang="en-US" altLang="en-US" smtClean="0"/>
+            <a:endParaRPr lang="en-US" altLang="en-US"/>
+          </a:p>
+          <a:p>
+            <a:r>
+              <a:rPr lang="en-US" altLang="en-US"/>
               <a:t>Table 6-2  X.509 structure</a:t>
             </a:r>
           </a:p>
@@ -3050,14 +3050,14 @@
           <a:ln/>
           <a:extLst>
             <a:ext uri="{909E8E84-426E-40dd-AFC4-6F175D3DCCD1}">
-              <a14:hiddenFill xmlns:a14="http://schemas.microsoft.com/office/drawing/2010/main">
+              <a14:hiddenFill xmlns:a14="http://schemas.microsoft.com/office/drawing/2010/main" xmlns="">
                 <a:solidFill>
                   <a:srgbClr val="FFFFFF"/>
                 </a:solidFill>
               </a14:hiddenFill>
             </a:ext>
             <a:ext uri="{91240B29-F687-4f45-9708-019B960494DF}">
-              <a14:hiddenLine xmlns:a14="http://schemas.microsoft.com/office/drawing/2010/main" w="9525">
+              <a14:hiddenLine xmlns:a14="http://schemas.microsoft.com/office/drawing/2010/main" xmlns="" w="9525">
                 <a:solidFill>
                   <a:srgbClr val="000000"/>
                 </a:solidFill>
@@ -3076,7 +3076,7 @@
               <a:defRPr/>
             </a:pPr>
             <a:r>
-              <a:rPr lang="en-US" altLang="en-US" dirty="0" smtClean="0"/>
+              <a:rPr lang="en-US" altLang="en-US" dirty="0"/>
               <a:t>Public Key Infrastructure (PKI)</a:t>
             </a:r>
           </a:p>
@@ -3086,7 +3086,7 @@
               <a:buChar char="•"/>
               <a:defRPr/>
             </a:pPr>
-            <a:endParaRPr lang="en-US" altLang="en-US" dirty="0" smtClean="0"/>
+            <a:endParaRPr lang="en-US" altLang="en-US" dirty="0"/>
           </a:p>
           <a:p>
             <a:pPr marL="171450" indent="-171450">
@@ -3095,7 +3095,7 @@
               <a:defRPr/>
             </a:pPr>
             <a:r>
-              <a:rPr lang="en-US" altLang="en-US" dirty="0" smtClean="0"/>
+              <a:rPr lang="en-US" altLang="en-US" dirty="0"/>
               <a:t>Important management tool for the use of:</a:t>
             </a:r>
           </a:p>
@@ -3106,7 +3106,7 @@
               <a:defRPr/>
             </a:pPr>
             <a:r>
-              <a:rPr lang="en-US" altLang="en-US" dirty="0" smtClean="0"/>
+              <a:rPr lang="en-US" altLang="en-US" dirty="0"/>
               <a:t>Digital certificates:</a:t>
             </a:r>
           </a:p>
@@ -3117,7 +3117,7 @@
               <a:defRPr/>
             </a:pPr>
             <a:r>
-              <a:rPr lang="en-US" altLang="en-US" dirty="0" smtClean="0"/>
+              <a:rPr lang="en-US" altLang="en-US" dirty="0"/>
               <a:t>Asymmetric cryptography</a:t>
             </a:r>
           </a:p>
@@ -3128,7 +3128,7 @@
               <a:defRPr/>
             </a:pPr>
             <a:r>
-              <a:rPr lang="en-US" altLang="en-US" dirty="0" smtClean="0"/>
+              <a:rPr lang="en-US" altLang="en-US" dirty="0"/>
               <a:t>Aspects of PKI</a:t>
             </a:r>
           </a:p>
@@ -3139,7 +3139,7 @@
               <a:defRPr/>
             </a:pPr>
             <a:r>
-              <a:rPr lang="en-US" altLang="en-US" dirty="0" smtClean="0"/>
+              <a:rPr lang="en-US" altLang="en-US" dirty="0"/>
               <a:t>Public-key cryptography standards</a:t>
             </a:r>
           </a:p>
@@ -3150,7 +3150,7 @@
               <a:defRPr/>
             </a:pPr>
             <a:r>
-              <a:rPr lang="en-US" altLang="en-US" dirty="0" smtClean="0"/>
+              <a:rPr lang="en-US" altLang="en-US" dirty="0"/>
               <a:t>Trust models</a:t>
             </a:r>
           </a:p>
@@ -3161,7 +3161,7 @@
               <a:defRPr/>
             </a:pPr>
             <a:r>
-              <a:rPr lang="en-US" altLang="en-US" dirty="0" smtClean="0"/>
+              <a:rPr lang="en-US" altLang="en-US" dirty="0"/>
               <a:t>Managing PKI</a:t>
             </a:r>
           </a:p>
@@ -3169,7 +3169,7 @@
             <a:pPr>
               <a:defRPr/>
             </a:pPr>
-            <a:endParaRPr lang="en-US" altLang="en-US" dirty="0" smtClean="0"/>
+            <a:endParaRPr lang="en-US" altLang="en-US" dirty="0"/>
           </a:p>
         </p:txBody>
       </p:sp>
@@ -3231,14 +3231,14 @@
           <a:ln/>
           <a:extLst>
             <a:ext uri="{909E8E84-426E-40dd-AFC4-6F175D3DCCD1}">
-              <a14:hiddenFill xmlns:a14="http://schemas.microsoft.com/office/drawing/2010/main">
+              <a14:hiddenFill xmlns:a14="http://schemas.microsoft.com/office/drawing/2010/main" xmlns="">
                 <a:solidFill>
                   <a:srgbClr val="FFFFFF"/>
                 </a:solidFill>
               </a14:hiddenFill>
             </a:ext>
             <a:ext uri="{91240B29-F687-4f45-9708-019B960494DF}">
-              <a14:hiddenLine xmlns:a14="http://schemas.microsoft.com/office/drawing/2010/main" w="9525">
+              <a14:hiddenLine xmlns:a14="http://schemas.microsoft.com/office/drawing/2010/main" xmlns="" w="9525">
                 <a:solidFill>
                   <a:srgbClr val="000000"/>
                 </a:solidFill>
@@ -3257,7 +3257,7 @@
               <a:defRPr/>
             </a:pPr>
             <a:r>
-              <a:rPr lang="en-US" altLang="en-US" dirty="0" smtClean="0"/>
+              <a:rPr lang="en-US" altLang="en-US" dirty="0"/>
               <a:t>End of class 1 PM 10/5/16</a:t>
             </a:r>
           </a:p>
@@ -3265,14 +3265,14 @@
             <a:pPr>
               <a:defRPr/>
             </a:pPr>
-            <a:endParaRPr lang="en-US" altLang="en-US" dirty="0" smtClean="0"/>
+            <a:endParaRPr lang="en-US" altLang="en-US" dirty="0"/>
           </a:p>
           <a:p>
             <a:pPr>
               <a:defRPr/>
             </a:pPr>
             <a:r>
-              <a:rPr lang="en-US" altLang="en-US" dirty="0" smtClean="0"/>
+              <a:rPr lang="en-US" altLang="en-US" dirty="0"/>
               <a:t>What is Public Key Infrastructure?</a:t>
             </a:r>
           </a:p>
@@ -3282,7 +3282,7 @@
               <a:buChar char="•"/>
               <a:defRPr/>
             </a:pPr>
-            <a:endParaRPr lang="en-US" altLang="en-US" dirty="0" smtClean="0"/>
+            <a:endParaRPr lang="en-US" altLang="en-US" dirty="0"/>
           </a:p>
           <a:p>
             <a:pPr marL="171450" indent="-171450">
@@ -3291,7 +3291,7 @@
               <a:defRPr/>
             </a:pPr>
             <a:r>
-              <a:rPr lang="en-US" altLang="en-US" dirty="0" smtClean="0"/>
+              <a:rPr lang="en-US" altLang="en-US" dirty="0"/>
               <a:t>There is a need for a consistent means to manage digital certificates</a:t>
             </a:r>
           </a:p>
@@ -3302,11 +3302,11 @@
               <a:defRPr/>
             </a:pPr>
             <a:r>
-              <a:rPr lang="en-US" altLang="en-US" b="1" dirty="0" smtClean="0"/>
+              <a:rPr lang="en-US" altLang="en-US" b="1" dirty="0"/>
               <a:t>Public key infrastructure (PKI) </a:t>
             </a:r>
             <a:r>
-              <a:rPr lang="en-US" altLang="en-US" dirty="0" smtClean="0"/>
+              <a:rPr lang="en-US" altLang="en-US" dirty="0"/>
               <a:t>- a framework for all entities involved in digital certificates</a:t>
             </a:r>
           </a:p>
@@ -3317,7 +3317,7 @@
               <a:defRPr/>
             </a:pPr>
             <a:r>
-              <a:rPr lang="en-US" altLang="en-US" dirty="0" smtClean="0"/>
+              <a:rPr lang="en-US" altLang="en-US" dirty="0"/>
               <a:t>Certificate management actions facilitated by PKI</a:t>
             </a:r>
           </a:p>
@@ -3328,7 +3328,7 @@
               <a:defRPr/>
             </a:pPr>
             <a:r>
-              <a:rPr lang="en-US" altLang="en-US" dirty="0" smtClean="0"/>
+              <a:rPr lang="en-US" altLang="en-US" dirty="0"/>
               <a:t>Create</a:t>
             </a:r>
           </a:p>
@@ -3339,7 +3339,7 @@
               <a:defRPr/>
             </a:pPr>
             <a:r>
-              <a:rPr lang="en-US" altLang="en-US" dirty="0" smtClean="0"/>
+              <a:rPr lang="en-US" altLang="en-US" dirty="0"/>
               <a:t>Store</a:t>
             </a:r>
           </a:p>
@@ -3350,7 +3350,7 @@
               <a:defRPr/>
             </a:pPr>
             <a:r>
-              <a:rPr lang="en-US" altLang="en-US" dirty="0" smtClean="0"/>
+              <a:rPr lang="en-US" altLang="en-US" dirty="0"/>
               <a:t>Distribute</a:t>
             </a:r>
           </a:p>
@@ -3361,7 +3361,7 @@
               <a:defRPr/>
             </a:pPr>
             <a:r>
-              <a:rPr lang="en-US" altLang="en-US" dirty="0" smtClean="0"/>
+              <a:rPr lang="en-US" altLang="en-US" dirty="0"/>
               <a:t>Revoke</a:t>
             </a:r>
           </a:p>
@@ -3369,7 +3369,7 @@
             <a:pPr>
               <a:defRPr/>
             </a:pPr>
-            <a:endParaRPr lang="en-US" altLang="en-US" dirty="0" smtClean="0"/>
+            <a:endParaRPr lang="en-US" altLang="en-US" dirty="0"/>
           </a:p>
         </p:txBody>
       </p:sp>
@@ -3431,14 +3431,14 @@
           <a:ln/>
           <a:extLst>
             <a:ext uri="{909E8E84-426E-40dd-AFC4-6F175D3DCCD1}">
-              <a14:hiddenFill xmlns:a14="http://schemas.microsoft.com/office/drawing/2010/main">
+              <a14:hiddenFill xmlns:a14="http://schemas.microsoft.com/office/drawing/2010/main" xmlns="">
                 <a:solidFill>
                   <a:srgbClr val="FFFFFF"/>
                 </a:solidFill>
               </a14:hiddenFill>
             </a:ext>
             <a:ext uri="{91240B29-F687-4f45-9708-019B960494DF}">
-              <a14:hiddenLine xmlns:a14="http://schemas.microsoft.com/office/drawing/2010/main" w="9525">
+              <a14:hiddenLine xmlns:a14="http://schemas.microsoft.com/office/drawing/2010/main" xmlns="" w="9525">
                 <a:solidFill>
                   <a:srgbClr val="000000"/>
                 </a:solidFill>
@@ -3457,7 +3457,7 @@
               <a:defRPr/>
             </a:pPr>
             <a:r>
-              <a:rPr lang="en-US" altLang="en-US" dirty="0" smtClean="0"/>
+              <a:rPr lang="en-US" altLang="en-US" dirty="0"/>
               <a:t>Public-Key Cryptographic Standards (PKCS)</a:t>
             </a:r>
           </a:p>
@@ -3467,7 +3467,7 @@
               <a:buChar char="•"/>
               <a:defRPr/>
             </a:pPr>
-            <a:endParaRPr lang="en-US" altLang="en-US" dirty="0" smtClean="0"/>
+            <a:endParaRPr lang="en-US" altLang="en-US" dirty="0"/>
           </a:p>
           <a:p>
             <a:pPr marL="171450" indent="-171450">
@@ -3476,7 +3476,7 @@
               <a:defRPr/>
             </a:pPr>
             <a:r>
-              <a:rPr lang="en-US" altLang="en-US" dirty="0" smtClean="0"/>
+              <a:rPr lang="en-US" altLang="en-US" dirty="0"/>
               <a:t>PKCS - A numbered set of PKI standards defined by the RSA Corporation</a:t>
             </a:r>
           </a:p>
@@ -3487,7 +3487,7 @@
               <a:defRPr/>
             </a:pPr>
             <a:r>
-              <a:rPr lang="en-US" altLang="en-US" dirty="0" smtClean="0"/>
+              <a:rPr lang="en-US" altLang="en-US" dirty="0"/>
               <a:t>Widely accepted in the industry</a:t>
             </a:r>
           </a:p>
@@ -3498,7 +3498,7 @@
               <a:defRPr/>
             </a:pPr>
             <a:r>
-              <a:rPr lang="en-US" altLang="en-US" dirty="0" smtClean="0"/>
+              <a:rPr lang="en-US" altLang="en-US" dirty="0"/>
               <a:t>Based on the RSA public-key algorithm</a:t>
             </a:r>
           </a:p>
@@ -3509,7 +3509,7 @@
               <a:defRPr/>
             </a:pPr>
             <a:r>
-              <a:rPr lang="en-US" altLang="en-US" dirty="0" smtClean="0"/>
+              <a:rPr lang="en-US" altLang="en-US" dirty="0"/>
               <a:t>PKCS is composed of the 15 standards detailed in Table 6-3 on page 241 of the text</a:t>
             </a:r>
           </a:p>
@@ -3517,7 +3517,7 @@
             <a:pPr>
               <a:defRPr/>
             </a:pPr>
-            <a:endParaRPr lang="en-US" altLang="en-US" dirty="0" smtClean="0"/>
+            <a:endParaRPr lang="en-US" altLang="en-US" dirty="0"/>
           </a:p>
         </p:txBody>
       </p:sp>
@@ -3579,14 +3579,14 @@
           <a:ln/>
           <a:extLst>
             <a:ext uri="{909E8E84-426E-40dd-AFC4-6F175D3DCCD1}">
-              <a14:hiddenFill xmlns:a14="http://schemas.microsoft.com/office/drawing/2010/main">
+              <a14:hiddenFill xmlns:a14="http://schemas.microsoft.com/office/drawing/2010/main" xmlns="">
                 <a:solidFill>
                   <a:srgbClr val="FFFFFF"/>
                 </a:solidFill>
               </a14:hiddenFill>
             </a:ext>
             <a:ext uri="{91240B29-F687-4f45-9708-019B960494DF}">
-              <a14:hiddenLine xmlns:a14="http://schemas.microsoft.com/office/drawing/2010/main" w="9525">
+              <a14:hiddenLine xmlns:a14="http://schemas.microsoft.com/office/drawing/2010/main" xmlns="" w="9525">
                 <a:solidFill>
                   <a:srgbClr val="000000"/>
                 </a:solidFill>
@@ -3605,7 +3605,7 @@
               <a:defRPr/>
             </a:pPr>
             <a:r>
-              <a:rPr lang="en-US" altLang="en-US" dirty="0" smtClean="0"/>
+              <a:rPr lang="en-US" altLang="en-US" dirty="0"/>
               <a:t>End of 10 AM, 11 AM 10/5/16</a:t>
             </a:r>
           </a:p>
@@ -3613,14 +3613,14 @@
             <a:pPr>
               <a:defRPr/>
             </a:pPr>
-            <a:endParaRPr lang="en-US" altLang="en-US" dirty="0" smtClean="0"/>
+            <a:endParaRPr lang="en-US" altLang="en-US" dirty="0"/>
           </a:p>
           <a:p>
             <a:pPr>
               <a:defRPr/>
             </a:pPr>
             <a:r>
-              <a:rPr lang="en-US" altLang="en-US" dirty="0" smtClean="0"/>
+              <a:rPr lang="en-US" altLang="en-US" dirty="0"/>
               <a:t>Trust Models</a:t>
             </a:r>
           </a:p>
@@ -3630,7 +3630,7 @@
               <a:buChar char="•"/>
               <a:defRPr/>
             </a:pPr>
-            <a:endParaRPr lang="en-US" altLang="en-US" dirty="0" smtClean="0"/>
+            <a:endParaRPr lang="en-US" altLang="en-US" dirty="0"/>
           </a:p>
           <a:p>
             <a:pPr marL="171450" indent="-171450">
@@ -3639,7 +3639,7 @@
               <a:defRPr/>
             </a:pPr>
             <a:r>
-              <a:rPr lang="en-US" altLang="en-US" dirty="0" smtClean="0"/>
+              <a:rPr lang="en-US" altLang="en-US" dirty="0"/>
               <a:t>Trust</a:t>
             </a:r>
           </a:p>
@@ -3650,7 +3650,7 @@
               <a:defRPr/>
             </a:pPr>
             <a:r>
-              <a:rPr lang="en-US" altLang="en-US" dirty="0" smtClean="0"/>
+              <a:rPr lang="en-US" altLang="en-US" dirty="0"/>
               <a:t>Confidence in or reliance on another person or entity</a:t>
             </a:r>
           </a:p>
@@ -3661,7 +3661,7 @@
               <a:defRPr/>
             </a:pPr>
             <a:r>
-              <a:rPr lang="en-US" altLang="en-US" dirty="0" smtClean="0"/>
+              <a:rPr lang="en-US" altLang="en-US" dirty="0"/>
               <a:t>Trust model</a:t>
             </a:r>
           </a:p>
@@ -3672,7 +3672,7 @@
               <a:defRPr/>
             </a:pPr>
             <a:r>
-              <a:rPr lang="en-US" altLang="en-US" dirty="0" smtClean="0"/>
+              <a:rPr lang="en-US" altLang="en-US" dirty="0"/>
               <a:t>Refers to the type of trust relationship that can exist between individuals and entities</a:t>
             </a:r>
           </a:p>
@@ -3683,7 +3683,7 @@
               <a:defRPr/>
             </a:pPr>
             <a:r>
-              <a:rPr lang="en-US" altLang="en-US" dirty="0" smtClean="0"/>
+              <a:rPr lang="en-US" altLang="en-US" dirty="0"/>
               <a:t>Direct trust</a:t>
             </a:r>
           </a:p>
@@ -3694,7 +3694,7 @@
               <a:defRPr/>
             </a:pPr>
             <a:r>
-              <a:rPr lang="en-US" altLang="en-US" dirty="0" smtClean="0"/>
+              <a:rPr lang="en-US" altLang="en-US" dirty="0"/>
               <a:t>A type of trust model where one person knows the other person</a:t>
             </a:r>
           </a:p>
@@ -3705,7 +3705,7 @@
               <a:defRPr/>
             </a:pPr>
             <a:r>
-              <a:rPr lang="en-US" altLang="en-US" dirty="0" smtClean="0"/>
+              <a:rPr lang="en-US" altLang="en-US" dirty="0"/>
               <a:t>Third-party trust</a:t>
             </a:r>
           </a:p>
@@ -3716,7 +3716,7 @@
               <a:defRPr/>
             </a:pPr>
             <a:r>
-              <a:rPr lang="en-US" altLang="en-US" dirty="0" smtClean="0"/>
+              <a:rPr lang="en-US" altLang="en-US" dirty="0"/>
               <a:t>Two individuals trust each other because each trusts a third party</a:t>
             </a:r>
           </a:p>
@@ -3724,7 +3724,7 @@
             <a:pPr>
               <a:defRPr/>
             </a:pPr>
-            <a:endParaRPr lang="en-US" altLang="en-US" dirty="0" smtClean="0"/>
+            <a:endParaRPr lang="en-US" altLang="en-US" dirty="0"/>
           </a:p>
         </p:txBody>
       </p:sp>
@@ -3786,14 +3786,14 @@
           <a:ln/>
           <a:extLst>
             <a:ext uri="{909E8E84-426E-40dd-AFC4-6F175D3DCCD1}">
-              <a14:hiddenFill xmlns:a14="http://schemas.microsoft.com/office/drawing/2010/main">
+              <a14:hiddenFill xmlns:a14="http://schemas.microsoft.com/office/drawing/2010/main" xmlns="">
                 <a:solidFill>
                   <a:srgbClr val="FFFFFF"/>
                 </a:solidFill>
               </a14:hiddenFill>
             </a:ext>
             <a:ext uri="{91240B29-F687-4f45-9708-019B960494DF}">
-              <a14:hiddenLine xmlns:a14="http://schemas.microsoft.com/office/drawing/2010/main" w="9525">
+              <a14:hiddenLine xmlns:a14="http://schemas.microsoft.com/office/drawing/2010/main" xmlns="" w="9525">
                 <a:solidFill>
                   <a:srgbClr val="000000"/>
                 </a:solidFill>
@@ -3812,7 +3812,7 @@
               <a:defRPr/>
             </a:pPr>
             <a:r>
-              <a:rPr lang="en-US" altLang="en-US" dirty="0" smtClean="0"/>
+              <a:rPr lang="en-US" altLang="en-US" dirty="0"/>
               <a:t>Trust Models</a:t>
             </a:r>
           </a:p>
@@ -3822,7 +3822,7 @@
               <a:buChar char="•"/>
               <a:defRPr/>
             </a:pPr>
-            <a:endParaRPr lang="en-US" altLang="en-US" dirty="0" smtClean="0"/>
+            <a:endParaRPr lang="en-US" altLang="en-US" dirty="0"/>
           </a:p>
           <a:p>
             <a:pPr marL="171450" indent="-171450">
@@ -3831,7 +3831,7 @@
               <a:defRPr/>
             </a:pPr>
             <a:r>
-              <a:rPr lang="en-US" altLang="en-US" dirty="0" smtClean="0"/>
+              <a:rPr lang="en-US" altLang="en-US" dirty="0"/>
               <a:t>Hierarchical Trust Model</a:t>
             </a:r>
           </a:p>
@@ -3842,11 +3842,11 @@
               <a:defRPr/>
             </a:pPr>
             <a:r>
-              <a:rPr lang="en-US" altLang="en-US" dirty="0" smtClean="0"/>
+              <a:rPr lang="en-US" altLang="en-US" dirty="0"/>
               <a:t>Assigns a single hierarchy with one master CA called the </a:t>
             </a:r>
             <a:r>
-              <a:rPr lang="en-US" altLang="en-US" i="1" dirty="0" smtClean="0"/>
+              <a:rPr lang="en-US" altLang="en-US" i="1" dirty="0"/>
               <a:t>root</a:t>
             </a:r>
           </a:p>
@@ -3857,7 +3857,7 @@
               <a:defRPr/>
             </a:pPr>
             <a:r>
-              <a:rPr lang="en-US" altLang="en-US" dirty="0" smtClean="0"/>
+              <a:rPr lang="en-US" altLang="en-US" dirty="0"/>
               <a:t>The root signs all digital certificate authorities with a single key</a:t>
             </a:r>
           </a:p>
@@ -3868,7 +3868,7 @@
               <a:defRPr/>
             </a:pPr>
             <a:r>
-              <a:rPr lang="en-US" altLang="en-US" dirty="0" smtClean="0"/>
+              <a:rPr lang="en-US" altLang="en-US" dirty="0"/>
               <a:t>Can be used in an organization where one CA is responsible for only that organization’s digital certificates</a:t>
             </a:r>
           </a:p>
@@ -3879,7 +3879,7 @@
               <a:defRPr/>
             </a:pPr>
             <a:r>
-              <a:rPr lang="en-US" altLang="en-US" dirty="0" smtClean="0"/>
+              <a:rPr lang="en-US" altLang="en-US" dirty="0"/>
               <a:t>Hierarchical trust model limitation:</a:t>
             </a:r>
           </a:p>
@@ -3890,7 +3890,7 @@
               <a:defRPr/>
             </a:pPr>
             <a:r>
-              <a:rPr lang="en-US" altLang="en-US" dirty="0" smtClean="0"/>
+              <a:rPr lang="en-US" altLang="en-US" dirty="0"/>
               <a:t>A single CA private key may be compromised rendering all certificates worthless</a:t>
             </a:r>
           </a:p>
@@ -3898,7 +3898,7 @@
             <a:pPr>
               <a:defRPr/>
             </a:pPr>
-            <a:endParaRPr lang="en-US" altLang="en-US" dirty="0" smtClean="0"/>
+            <a:endParaRPr lang="en-US" altLang="en-US" dirty="0"/>
           </a:p>
         </p:txBody>
       </p:sp>
@@ -3961,14 +3961,14 @@
           <a:ln/>
           <a:extLst>
             <a:ext uri="{909E8E84-426E-40dd-AFC4-6F175D3DCCD1}">
-              <a14:hiddenFill xmlns:a14="http://schemas.microsoft.com/office/drawing/2010/main">
+              <a14:hiddenFill xmlns:a14="http://schemas.microsoft.com/office/drawing/2010/main" xmlns="">
                 <a:solidFill>
                   <a:srgbClr val="FFFFFF"/>
                 </a:solidFill>
               </a14:hiddenFill>
             </a:ext>
             <a:ext uri="{91240B29-F687-4f45-9708-019B960494DF}">
-              <a14:hiddenLine xmlns:a14="http://schemas.microsoft.com/office/drawing/2010/main" w="9525">
+              <a14:hiddenLine xmlns:a14="http://schemas.microsoft.com/office/drawing/2010/main" xmlns="" w="9525">
                 <a:solidFill>
                   <a:srgbClr val="000000"/>
                 </a:solidFill>
@@ -3984,16 +3984,16 @@
           <a:lstStyle/>
           <a:p>
             <a:r>
-              <a:rPr lang="en-US" altLang="en-US" smtClean="0"/>
+              <a:rPr lang="en-US" altLang="en-US"/>
               <a:t>Trust Models</a:t>
             </a:r>
           </a:p>
           <a:p>
-            <a:endParaRPr lang="en-US" altLang="en-US" smtClean="0"/>
-          </a:p>
-          <a:p>
-            <a:r>
-              <a:rPr lang="en-US" altLang="en-US" smtClean="0"/>
+            <a:endParaRPr lang="en-US" altLang="en-US"/>
+          </a:p>
+          <a:p>
+            <a:r>
+              <a:rPr lang="en-US" altLang="en-US"/>
               <a:t>Figure 6-8  Hierarchical trust model</a:t>
             </a:r>
           </a:p>
@@ -4057,14 +4057,14 @@
           <a:ln/>
           <a:extLst>
             <a:ext uri="{909E8E84-426E-40dd-AFC4-6F175D3DCCD1}">
-              <a14:hiddenFill xmlns:a14="http://schemas.microsoft.com/office/drawing/2010/main">
+              <a14:hiddenFill xmlns:a14="http://schemas.microsoft.com/office/drawing/2010/main" xmlns="">
                 <a:solidFill>
                   <a:srgbClr val="FFFFFF"/>
                 </a:solidFill>
               </a14:hiddenFill>
             </a:ext>
             <a:ext uri="{91240B29-F687-4f45-9708-019B960494DF}">
-              <a14:hiddenLine xmlns:a14="http://schemas.microsoft.com/office/drawing/2010/main" w="9525">
+              <a14:hiddenLine xmlns:a14="http://schemas.microsoft.com/office/drawing/2010/main" xmlns="" w="9525">
                 <a:solidFill>
                   <a:srgbClr val="000000"/>
                 </a:solidFill>
@@ -4083,7 +4083,7 @@
               <a:defRPr/>
             </a:pPr>
             <a:r>
-              <a:rPr lang="en-US" altLang="en-US" dirty="0" smtClean="0"/>
+              <a:rPr lang="en-US" altLang="en-US" dirty="0"/>
               <a:t>Trust Models</a:t>
             </a:r>
           </a:p>
@@ -4093,7 +4093,7 @@
               <a:buChar char="•"/>
               <a:defRPr/>
             </a:pPr>
-            <a:endParaRPr lang="en-US" altLang="en-US" dirty="0" smtClean="0"/>
+            <a:endParaRPr lang="en-US" altLang="en-US" dirty="0"/>
           </a:p>
           <a:p>
             <a:pPr marL="171450" indent="-171450">
@@ -4102,7 +4102,7 @@
               <a:defRPr/>
             </a:pPr>
             <a:r>
-              <a:rPr lang="en-US" altLang="en-US" dirty="0" smtClean="0"/>
+              <a:rPr lang="en-US" altLang="en-US" dirty="0"/>
               <a:t>Distributed Trust Model</a:t>
             </a:r>
           </a:p>
@@ -4113,7 +4113,7 @@
               <a:defRPr/>
             </a:pPr>
             <a:r>
-              <a:rPr lang="en-US" altLang="en-US" dirty="0" smtClean="0"/>
+              <a:rPr lang="en-US" altLang="en-US" dirty="0"/>
               <a:t>Multiple CAs sign digital certificates</a:t>
             </a:r>
           </a:p>
@@ -4124,7 +4124,7 @@
               <a:defRPr/>
             </a:pPr>
             <a:r>
-              <a:rPr lang="en-US" altLang="en-US" dirty="0" smtClean="0"/>
+              <a:rPr lang="en-US" altLang="en-US" dirty="0"/>
               <a:t>Eliminates limitations of hierarchical trust model</a:t>
             </a:r>
           </a:p>
@@ -4135,7 +4135,7 @@
               <a:defRPr/>
             </a:pPr>
             <a:r>
-              <a:rPr lang="en-US" altLang="en-US" dirty="0" smtClean="0"/>
+              <a:rPr lang="en-US" altLang="en-US" dirty="0"/>
               <a:t>Bridge Trust Model</a:t>
             </a:r>
           </a:p>
@@ -4146,7 +4146,7 @@
               <a:defRPr/>
             </a:pPr>
             <a:r>
-              <a:rPr lang="en-US" altLang="en-US" dirty="0" smtClean="0"/>
+              <a:rPr lang="en-US" altLang="en-US" dirty="0"/>
               <a:t>One CA acts as facilitator to interconnect connect all other CAs</a:t>
             </a:r>
           </a:p>
@@ -4157,7 +4157,7 @@
               <a:defRPr/>
             </a:pPr>
             <a:r>
-              <a:rPr lang="en-US" altLang="en-US" dirty="0" smtClean="0"/>
+              <a:rPr lang="en-US" altLang="en-US" dirty="0"/>
               <a:t>Facilitator CA does not issue digital certificates, instead it acts as hub between hierarchical and distributed trust model</a:t>
             </a:r>
           </a:p>
@@ -4168,7 +4168,7 @@
               <a:defRPr/>
             </a:pPr>
             <a:r>
-              <a:rPr lang="en-US" altLang="en-US" dirty="0" smtClean="0"/>
+              <a:rPr lang="en-US" altLang="en-US" dirty="0"/>
               <a:t>Allows the different models to be linked</a:t>
             </a:r>
           </a:p>
@@ -4176,7 +4176,7 @@
             <a:pPr>
               <a:defRPr/>
             </a:pPr>
-            <a:endParaRPr lang="en-US" altLang="en-US" dirty="0" smtClean="0"/>
+            <a:endParaRPr lang="en-US" altLang="en-US" dirty="0"/>
           </a:p>
         </p:txBody>
       </p:sp>
@@ -4239,14 +4239,14 @@
           <a:ln/>
           <a:extLst>
             <a:ext uri="{909E8E84-426E-40dd-AFC4-6F175D3DCCD1}">
-              <a14:hiddenFill xmlns:a14="http://schemas.microsoft.com/office/drawing/2010/main">
+              <a14:hiddenFill xmlns:a14="http://schemas.microsoft.com/office/drawing/2010/main" xmlns="">
                 <a:solidFill>
                   <a:srgbClr val="FFFFFF"/>
                 </a:solidFill>
               </a14:hiddenFill>
             </a:ext>
             <a:ext uri="{91240B29-F687-4f45-9708-019B960494DF}">
-              <a14:hiddenLine xmlns:a14="http://schemas.microsoft.com/office/drawing/2010/main" w="9525">
+              <a14:hiddenLine xmlns:a14="http://schemas.microsoft.com/office/drawing/2010/main" xmlns="" w="9525">
                 <a:solidFill>
                   <a:srgbClr val="000000"/>
                 </a:solidFill>
@@ -4262,16 +4262,16 @@
           <a:lstStyle/>
           <a:p>
             <a:r>
-              <a:rPr lang="en-US" altLang="en-US" smtClean="0"/>
+              <a:rPr lang="en-US" altLang="en-US"/>
               <a:t>Trust Models</a:t>
             </a:r>
           </a:p>
           <a:p>
-            <a:endParaRPr lang="en-US" altLang="en-US" smtClean="0"/>
-          </a:p>
-          <a:p>
-            <a:r>
-              <a:rPr lang="en-US" altLang="en-US" smtClean="0"/>
+            <a:endParaRPr lang="en-US" altLang="en-US"/>
+          </a:p>
+          <a:p>
+            <a:r>
+              <a:rPr lang="en-US" altLang="en-US"/>
               <a:t>Figure 6-9  Distributed trust model</a:t>
             </a:r>
           </a:p>
@@ -4335,14 +4335,14 @@
           <a:ln/>
           <a:extLst>
             <a:ext uri="{909E8E84-426E-40dd-AFC4-6F175D3DCCD1}">
-              <a14:hiddenFill xmlns:a14="http://schemas.microsoft.com/office/drawing/2010/main">
+              <a14:hiddenFill xmlns:a14="http://schemas.microsoft.com/office/drawing/2010/main" xmlns="">
                 <a:solidFill>
                   <a:srgbClr val="FFFFFF"/>
                 </a:solidFill>
               </a14:hiddenFill>
             </a:ext>
             <a:ext uri="{91240B29-F687-4f45-9708-019B960494DF}">
-              <a14:hiddenLine xmlns:a14="http://schemas.microsoft.com/office/drawing/2010/main" w="9525">
+              <a14:hiddenLine xmlns:a14="http://schemas.microsoft.com/office/drawing/2010/main" xmlns="" w="9525">
                 <a:solidFill>
                   <a:srgbClr val="000000"/>
                 </a:solidFill>
@@ -4361,7 +4361,7 @@
               <a:defRPr/>
             </a:pPr>
             <a:r>
-              <a:rPr lang="en-US" altLang="en-US" dirty="0" smtClean="0"/>
+              <a:rPr lang="en-US" altLang="en-US" dirty="0"/>
               <a:t>Defining Digital Certificates</a:t>
             </a:r>
           </a:p>
@@ -4371,7 +4371,7 @@
               <a:buChar char="•"/>
               <a:defRPr/>
             </a:pPr>
-            <a:endParaRPr lang="en-US" altLang="en-US" dirty="0" smtClean="0"/>
+            <a:endParaRPr lang="en-US" altLang="en-US" dirty="0"/>
           </a:p>
           <a:p>
             <a:pPr marL="171450" indent="-171450">
@@ -4380,7 +4380,7 @@
               <a:defRPr/>
             </a:pPr>
             <a:r>
-              <a:rPr lang="en-US" altLang="en-US" i="1" dirty="0" smtClean="0"/>
+              <a:rPr lang="en-US" altLang="en-US" i="1" dirty="0"/>
               <a:t>Trusted third party</a:t>
             </a:r>
           </a:p>
@@ -4391,7 +4391,7 @@
               <a:defRPr/>
             </a:pPr>
             <a:r>
-              <a:rPr lang="en-US" altLang="en-US" dirty="0" smtClean="0"/>
+              <a:rPr lang="en-US" altLang="en-US" dirty="0"/>
               <a:t>Used to help solve the problem of verifying identity</a:t>
             </a:r>
           </a:p>
@@ -4402,7 +4402,7 @@
               <a:defRPr/>
             </a:pPr>
             <a:r>
-              <a:rPr lang="en-US" altLang="en-US" dirty="0" smtClean="0"/>
+              <a:rPr lang="en-US" altLang="en-US" dirty="0"/>
               <a:t>Verifies the owner and that the public key belongs to that owner</a:t>
             </a:r>
           </a:p>
@@ -4413,7 +4413,7 @@
               <a:defRPr/>
             </a:pPr>
             <a:r>
-              <a:rPr lang="en-US" altLang="en-US" dirty="0" smtClean="0"/>
+              <a:rPr lang="en-US" altLang="en-US" dirty="0"/>
               <a:t>Helps prevent man-in-the-middle attack that impersonates owner of public key</a:t>
             </a:r>
           </a:p>
@@ -4424,15 +4424,15 @@
               <a:defRPr/>
             </a:pPr>
             <a:r>
-              <a:rPr lang="en-US" altLang="en-US" dirty="0" smtClean="0"/>
+              <a:rPr lang="en-US" altLang="en-US" dirty="0"/>
               <a:t>A </a:t>
             </a:r>
             <a:r>
-              <a:rPr lang="en-US" altLang="en-US" b="1" dirty="0" smtClean="0"/>
+              <a:rPr lang="en-US" altLang="en-US" b="1" dirty="0"/>
               <a:t>digital certificate </a:t>
             </a:r>
             <a:r>
-              <a:rPr lang="en-US" altLang="en-US" dirty="0" smtClean="0"/>
+              <a:rPr lang="en-US" altLang="en-US" dirty="0"/>
               <a:t>is a technology used to associate a user’s identity to a public key </a:t>
             </a:r>
           </a:p>
@@ -4443,7 +4443,7 @@
               <a:defRPr/>
             </a:pPr>
             <a:r>
-              <a:rPr lang="en-US" altLang="en-US" dirty="0" smtClean="0"/>
+              <a:rPr lang="en-US" altLang="en-US" dirty="0"/>
               <a:t>That has been “digitally signed” by a trusted third party</a:t>
             </a:r>
           </a:p>
@@ -4453,13 +4453,13 @@
               <a:buChar char="•"/>
               <a:defRPr/>
             </a:pPr>
-            <a:endParaRPr lang="en-US" altLang="en-US" dirty="0" smtClean="0"/>
+            <a:endParaRPr lang="en-US" altLang="en-US" dirty="0"/>
           </a:p>
           <a:p>
             <a:pPr>
               <a:defRPr/>
             </a:pPr>
-            <a:endParaRPr lang="en-US" altLang="en-US" dirty="0" smtClean="0"/>
+            <a:endParaRPr lang="en-US" altLang="en-US" dirty="0"/>
           </a:p>
         </p:txBody>
       </p:sp>
@@ -4522,14 +4522,14 @@
           <a:ln/>
           <a:extLst>
             <a:ext uri="{909E8E84-426E-40dd-AFC4-6F175D3DCCD1}">
-              <a14:hiddenFill xmlns:a14="http://schemas.microsoft.com/office/drawing/2010/main">
+              <a14:hiddenFill xmlns:a14="http://schemas.microsoft.com/office/drawing/2010/main" xmlns="">
                 <a:solidFill>
                   <a:srgbClr val="FFFFFF"/>
                 </a:solidFill>
               </a14:hiddenFill>
             </a:ext>
             <a:ext uri="{91240B29-F687-4f45-9708-019B960494DF}">
-              <a14:hiddenLine xmlns:a14="http://schemas.microsoft.com/office/drawing/2010/main" w="9525">
+              <a14:hiddenLine xmlns:a14="http://schemas.microsoft.com/office/drawing/2010/main" xmlns="" w="9525">
                 <a:solidFill>
                   <a:srgbClr val="000000"/>
                 </a:solidFill>
@@ -4545,16 +4545,16 @@
           <a:lstStyle/>
           <a:p>
             <a:r>
-              <a:rPr lang="en-US" altLang="en-US" smtClean="0"/>
+              <a:rPr lang="en-US" altLang="en-US"/>
               <a:t>Trust Models</a:t>
             </a:r>
           </a:p>
           <a:p>
-            <a:endParaRPr lang="en-US" altLang="en-US" smtClean="0"/>
-          </a:p>
-          <a:p>
-            <a:r>
-              <a:rPr lang="en-US" altLang="en-US" smtClean="0"/>
+            <a:endParaRPr lang="en-US" altLang="en-US"/>
+          </a:p>
+          <a:p>
+            <a:r>
+              <a:rPr lang="en-US" altLang="en-US"/>
               <a:t>Figure 6-10  Bridge trust model</a:t>
             </a:r>
           </a:p>
@@ -4618,14 +4618,14 @@
           <a:ln/>
           <a:extLst>
             <a:ext uri="{909E8E84-426E-40dd-AFC4-6F175D3DCCD1}">
-              <a14:hiddenFill xmlns:a14="http://schemas.microsoft.com/office/drawing/2010/main">
+              <a14:hiddenFill xmlns:a14="http://schemas.microsoft.com/office/drawing/2010/main" xmlns="">
                 <a:solidFill>
                   <a:srgbClr val="FFFFFF"/>
                 </a:solidFill>
               </a14:hiddenFill>
             </a:ext>
             <a:ext uri="{91240B29-F687-4f45-9708-019B960494DF}">
-              <a14:hiddenLine xmlns:a14="http://schemas.microsoft.com/office/drawing/2010/main" w="9525">
+              <a14:hiddenLine xmlns:a14="http://schemas.microsoft.com/office/drawing/2010/main" xmlns="" w="9525">
                 <a:solidFill>
                   <a:srgbClr val="000000"/>
                 </a:solidFill>
@@ -4644,7 +4644,7 @@
               <a:defRPr/>
             </a:pPr>
             <a:r>
-              <a:rPr lang="en-US" altLang="en-US" dirty="0" smtClean="0"/>
+              <a:rPr lang="en-US" altLang="en-US" dirty="0"/>
               <a:t>Managing PKI</a:t>
             </a:r>
           </a:p>
@@ -4654,7 +4654,7 @@
               <a:buChar char="•"/>
               <a:defRPr/>
             </a:pPr>
-            <a:endParaRPr lang="en-US" altLang="en-US" dirty="0" smtClean="0"/>
+            <a:endParaRPr lang="en-US" altLang="en-US" dirty="0"/>
           </a:p>
           <a:p>
             <a:pPr marL="171450" indent="-171450">
@@ -4663,7 +4663,7 @@
               <a:defRPr/>
             </a:pPr>
             <a:r>
-              <a:rPr lang="en-US" altLang="en-US" dirty="0" smtClean="0"/>
+              <a:rPr lang="en-US" altLang="en-US" dirty="0"/>
               <a:t>Certificate Policy (CP)</a:t>
             </a:r>
           </a:p>
@@ -4674,7 +4674,7 @@
               <a:defRPr/>
             </a:pPr>
             <a:r>
-              <a:rPr lang="en-US" altLang="en-US" sz="2300" dirty="0" smtClean="0"/>
+              <a:rPr lang="en-US" altLang="en-US" sz="2300" dirty="0"/>
               <a:t>A published set of rules that govern operation of a PKI</a:t>
             </a:r>
           </a:p>
@@ -4685,7 +4685,7 @@
               <a:defRPr/>
             </a:pPr>
             <a:r>
-              <a:rPr lang="en-US" altLang="en-US" sz="2300" dirty="0" smtClean="0"/>
+              <a:rPr lang="en-US" altLang="en-US" sz="2300" dirty="0"/>
               <a:t>Provides recommended baseline security requirements for the use and operation of CA, RA, and other PKI components</a:t>
             </a:r>
           </a:p>
@@ -4696,7 +4696,7 @@
               <a:defRPr/>
             </a:pPr>
             <a:r>
-              <a:rPr lang="en-US" altLang="en-US" dirty="0" smtClean="0"/>
+              <a:rPr lang="en-US" altLang="en-US" dirty="0"/>
               <a:t>Certificate Practice Statement (CPS)</a:t>
             </a:r>
           </a:p>
@@ -4707,7 +4707,7 @@
               <a:defRPr/>
             </a:pPr>
             <a:r>
-              <a:rPr lang="en-US" altLang="en-US" sz="2300" dirty="0" smtClean="0"/>
+              <a:rPr lang="en-US" altLang="en-US" sz="2300" dirty="0"/>
               <a:t>A technical document that describes in detail how the CA uses and manages certificates</a:t>
             </a:r>
           </a:p>
@@ -4718,7 +4718,7 @@
               <a:defRPr/>
             </a:pPr>
             <a:r>
-              <a:rPr lang="en-US" altLang="en-US" sz="2300" dirty="0" smtClean="0"/>
+              <a:rPr lang="en-US" altLang="en-US" sz="2300" dirty="0"/>
               <a:t>Also covers how to register for a digital certificate, how to issue them, when to revoke them, procedural controls and key pair management</a:t>
             </a:r>
           </a:p>
@@ -4726,7 +4726,7 @@
             <a:pPr>
               <a:defRPr/>
             </a:pPr>
-            <a:endParaRPr lang="en-US" altLang="en-US" dirty="0" smtClean="0"/>
+            <a:endParaRPr lang="en-US" altLang="en-US" dirty="0"/>
           </a:p>
         </p:txBody>
       </p:sp>
@@ -4788,14 +4788,14 @@
           <a:ln/>
           <a:extLst>
             <a:ext uri="{909E8E84-426E-40dd-AFC4-6F175D3DCCD1}">
-              <a14:hiddenFill xmlns:a14="http://schemas.microsoft.com/office/drawing/2010/main">
+              <a14:hiddenFill xmlns:a14="http://schemas.microsoft.com/office/drawing/2010/main" xmlns="">
                 <a:solidFill>
                   <a:srgbClr val="FFFFFF"/>
                 </a:solidFill>
               </a14:hiddenFill>
             </a:ext>
             <a:ext uri="{91240B29-F687-4f45-9708-019B960494DF}">
-              <a14:hiddenLine xmlns:a14="http://schemas.microsoft.com/office/drawing/2010/main" w="9525">
+              <a14:hiddenLine xmlns:a14="http://schemas.microsoft.com/office/drawing/2010/main" xmlns="" w="9525">
                 <a:solidFill>
                   <a:srgbClr val="000000"/>
                 </a:solidFill>
@@ -4814,7 +4814,7 @@
               <a:defRPr/>
             </a:pPr>
             <a:r>
-              <a:rPr lang="en-US" altLang="en-US" dirty="0" smtClean="0"/>
+              <a:rPr lang="en-US" altLang="en-US" dirty="0"/>
               <a:t>Managing PKI</a:t>
             </a:r>
           </a:p>
@@ -4822,7 +4822,7 @@
             <a:pPr>
               <a:defRPr/>
             </a:pPr>
-            <a:endParaRPr lang="en-US" altLang="en-US" dirty="0" smtClean="0"/>
+            <a:endParaRPr lang="en-US" altLang="en-US" dirty="0"/>
           </a:p>
           <a:p>
             <a:pPr marL="171450" indent="-171450">
@@ -4831,7 +4831,7 @@
               <a:defRPr/>
             </a:pPr>
             <a:r>
-              <a:rPr lang="en-US" altLang="en-US" dirty="0" smtClean="0"/>
+              <a:rPr lang="en-US" altLang="en-US" dirty="0"/>
               <a:t>Certificate life cycle</a:t>
             </a:r>
           </a:p>
@@ -4842,7 +4842,7 @@
               <a:defRPr/>
             </a:pPr>
             <a:r>
-              <a:rPr lang="en-US" altLang="en-US" i="1" dirty="0" smtClean="0"/>
+              <a:rPr lang="en-US" altLang="en-US" i="1" dirty="0"/>
               <a:t>Creation</a:t>
             </a:r>
           </a:p>
@@ -4853,7 +4853,7 @@
               <a:defRPr/>
             </a:pPr>
             <a:r>
-              <a:rPr lang="en-US" altLang="en-US" dirty="0" smtClean="0"/>
+              <a:rPr lang="en-US" altLang="en-US" dirty="0"/>
               <a:t>Occurs after user is positively identified</a:t>
             </a:r>
           </a:p>
@@ -4864,7 +4864,7 @@
               <a:defRPr/>
             </a:pPr>
             <a:r>
-              <a:rPr lang="en-US" altLang="en-US" i="1" dirty="0" smtClean="0"/>
+              <a:rPr lang="en-US" altLang="en-US" i="1" dirty="0"/>
               <a:t>Suspension</a:t>
             </a:r>
           </a:p>
@@ -4875,7 +4875,7 @@
               <a:defRPr/>
             </a:pPr>
             <a:r>
-              <a:rPr lang="en-US" altLang="en-US" dirty="0" smtClean="0"/>
+              <a:rPr lang="en-US" altLang="en-US" dirty="0"/>
               <a:t>May occur when employee on leave of absence</a:t>
             </a:r>
           </a:p>
@@ -4886,7 +4886,7 @@
               <a:defRPr/>
             </a:pPr>
             <a:r>
-              <a:rPr lang="en-US" altLang="en-US" i="1" dirty="0" smtClean="0"/>
+              <a:rPr lang="en-US" altLang="en-US" i="1" dirty="0"/>
               <a:t>Revocation</a:t>
             </a:r>
           </a:p>
@@ -4897,7 +4897,7 @@
               <a:defRPr/>
             </a:pPr>
             <a:r>
-              <a:rPr lang="en-US" altLang="en-US" dirty="0" smtClean="0"/>
+              <a:rPr lang="en-US" altLang="en-US" dirty="0"/>
               <a:t>Certificate no longer valid</a:t>
             </a:r>
           </a:p>
@@ -4908,7 +4908,7 @@
               <a:defRPr/>
             </a:pPr>
             <a:r>
-              <a:rPr lang="en-US" altLang="en-US" i="1" dirty="0" smtClean="0"/>
+              <a:rPr lang="en-US" altLang="en-US" i="1" dirty="0"/>
               <a:t>Expiration</a:t>
             </a:r>
           </a:p>
@@ -4919,7 +4919,7 @@
               <a:defRPr/>
             </a:pPr>
             <a:r>
-              <a:rPr lang="en-US" altLang="en-US" dirty="0" smtClean="0"/>
+              <a:rPr lang="en-US" altLang="en-US" dirty="0"/>
               <a:t>Key can no longer be used</a:t>
             </a:r>
           </a:p>
@@ -4927,7 +4927,7 @@
             <a:pPr>
               <a:defRPr/>
             </a:pPr>
-            <a:endParaRPr lang="en-US" altLang="en-US" dirty="0" smtClean="0"/>
+            <a:endParaRPr lang="en-US" altLang="en-US" dirty="0"/>
           </a:p>
         </p:txBody>
       </p:sp>
@@ -4989,14 +4989,14 @@
           <a:ln/>
           <a:extLst>
             <a:ext uri="{909E8E84-426E-40dd-AFC4-6F175D3DCCD1}">
-              <a14:hiddenFill xmlns:a14="http://schemas.microsoft.com/office/drawing/2010/main">
+              <a14:hiddenFill xmlns:a14="http://schemas.microsoft.com/office/drawing/2010/main" xmlns="">
                 <a:solidFill>
                   <a:srgbClr val="FFFFFF"/>
                 </a:solidFill>
               </a14:hiddenFill>
             </a:ext>
             <a:ext uri="{91240B29-F687-4f45-9708-019B960494DF}">
-              <a14:hiddenLine xmlns:a14="http://schemas.microsoft.com/office/drawing/2010/main" w="9525">
+              <a14:hiddenLine xmlns:a14="http://schemas.microsoft.com/office/drawing/2010/main" xmlns="" w="9525">
                 <a:solidFill>
                   <a:srgbClr val="000000"/>
                 </a:solidFill>
@@ -5015,7 +5015,7 @@
               <a:defRPr/>
             </a:pPr>
             <a:r>
-              <a:rPr lang="en-US" altLang="en-US" dirty="0" smtClean="0"/>
+              <a:rPr lang="en-US" altLang="en-US" dirty="0"/>
               <a:t>Key Storage</a:t>
             </a:r>
           </a:p>
@@ -5023,7 +5023,7 @@
             <a:pPr>
               <a:defRPr/>
             </a:pPr>
-            <a:endParaRPr lang="en-US" altLang="en-US" dirty="0" smtClean="0"/>
+            <a:endParaRPr lang="en-US" altLang="en-US" dirty="0"/>
           </a:p>
           <a:p>
             <a:pPr marL="171450" indent="-171450">
@@ -5032,7 +5032,7 @@
               <a:defRPr/>
             </a:pPr>
             <a:r>
-              <a:rPr lang="en-US" altLang="en-US" dirty="0" smtClean="0"/>
+              <a:rPr lang="en-US" altLang="en-US" dirty="0"/>
               <a:t>Means of public key storage</a:t>
             </a:r>
           </a:p>
@@ -5043,7 +5043,7 @@
               <a:defRPr/>
             </a:pPr>
             <a:r>
-              <a:rPr lang="en-US" altLang="en-US" dirty="0" smtClean="0"/>
+              <a:rPr lang="en-US" altLang="en-US" dirty="0"/>
               <a:t>Embedding within digital certificates</a:t>
             </a:r>
           </a:p>
@@ -5054,7 +5054,7 @@
               <a:defRPr/>
             </a:pPr>
             <a:r>
-              <a:rPr lang="en-US" altLang="en-US" dirty="0" smtClean="0"/>
+              <a:rPr lang="en-US" altLang="en-US" dirty="0"/>
               <a:t>Means of private key storage</a:t>
             </a:r>
           </a:p>
@@ -5065,7 +5065,7 @@
               <a:defRPr/>
             </a:pPr>
             <a:r>
-              <a:rPr lang="en-US" altLang="en-US" dirty="0" smtClean="0"/>
+              <a:rPr lang="en-US" altLang="en-US" dirty="0"/>
               <a:t>Stored on user’s local system</a:t>
             </a:r>
           </a:p>
@@ -5076,7 +5076,7 @@
               <a:defRPr/>
             </a:pPr>
             <a:r>
-              <a:rPr lang="en-US" altLang="en-US" dirty="0" smtClean="0"/>
+              <a:rPr lang="en-US" altLang="en-US" dirty="0"/>
               <a:t>Software-based storage may expose keys to attackers</a:t>
             </a:r>
           </a:p>
@@ -5087,7 +5087,7 @@
               <a:defRPr/>
             </a:pPr>
             <a:r>
-              <a:rPr lang="en-US" altLang="en-US" dirty="0" smtClean="0"/>
+              <a:rPr lang="en-US" altLang="en-US" dirty="0"/>
               <a:t>Alternative: storing keys in hardware</a:t>
             </a:r>
           </a:p>
@@ -5098,7 +5098,7 @@
               <a:defRPr/>
             </a:pPr>
             <a:r>
-              <a:rPr lang="en-US" altLang="en-US" dirty="0" smtClean="0"/>
+              <a:rPr lang="en-US" altLang="en-US" dirty="0"/>
               <a:t>Smart-cards</a:t>
             </a:r>
           </a:p>
@@ -5109,7 +5109,7 @@
               <a:defRPr/>
             </a:pPr>
             <a:r>
-              <a:rPr lang="en-US" altLang="en-US" dirty="0" smtClean="0"/>
+              <a:rPr lang="en-US" altLang="en-US" dirty="0"/>
               <a:t>Tokens</a:t>
             </a:r>
           </a:p>
@@ -5117,7 +5117,7 @@
             <a:pPr>
               <a:defRPr/>
             </a:pPr>
-            <a:endParaRPr lang="en-US" altLang="en-US" dirty="0" smtClean="0"/>
+            <a:endParaRPr lang="en-US" altLang="en-US" dirty="0"/>
           </a:p>
         </p:txBody>
       </p:sp>
@@ -5179,14 +5179,14 @@
           <a:ln/>
           <a:extLst>
             <a:ext uri="{909E8E84-426E-40dd-AFC4-6F175D3DCCD1}">
-              <a14:hiddenFill xmlns:a14="http://schemas.microsoft.com/office/drawing/2010/main">
+              <a14:hiddenFill xmlns:a14="http://schemas.microsoft.com/office/drawing/2010/main" xmlns="">
                 <a:solidFill>
                   <a:srgbClr val="FFFFFF"/>
                 </a:solidFill>
               </a14:hiddenFill>
             </a:ext>
             <a:ext uri="{91240B29-F687-4f45-9708-019B960494DF}">
-              <a14:hiddenLine xmlns:a14="http://schemas.microsoft.com/office/drawing/2010/main" w="9525">
+              <a14:hiddenLine xmlns:a14="http://schemas.microsoft.com/office/drawing/2010/main" xmlns="" w="9525">
                 <a:solidFill>
                   <a:srgbClr val="000000"/>
                 </a:solidFill>
@@ -5205,7 +5205,7 @@
               <a:defRPr/>
             </a:pPr>
             <a:r>
-              <a:rPr lang="en-US" altLang="en-US" dirty="0" smtClean="0"/>
+              <a:rPr lang="en-US" altLang="en-US" dirty="0"/>
               <a:t>Key Usage</a:t>
             </a:r>
           </a:p>
@@ -5215,7 +5215,7 @@
               <a:buChar char="•"/>
               <a:defRPr/>
             </a:pPr>
-            <a:endParaRPr lang="en-US" altLang="en-US" dirty="0" smtClean="0"/>
+            <a:endParaRPr lang="en-US" altLang="en-US" dirty="0"/>
           </a:p>
           <a:p>
             <a:pPr marL="171450" indent="-171450">
@@ -5224,7 +5224,7 @@
               <a:defRPr/>
             </a:pPr>
             <a:r>
-              <a:rPr lang="en-US" altLang="en-US" dirty="0" smtClean="0"/>
+              <a:rPr lang="en-US" altLang="en-US" dirty="0"/>
               <a:t>Multiple pairs of dual keys can be created</a:t>
             </a:r>
           </a:p>
@@ -5235,7 +5235,7 @@
               <a:defRPr/>
             </a:pPr>
             <a:r>
-              <a:rPr lang="en-US" altLang="en-US" dirty="0" smtClean="0"/>
+              <a:rPr lang="en-US" altLang="en-US" dirty="0"/>
               <a:t>If more security is needed than a single set of public/private keys</a:t>
             </a:r>
           </a:p>
@@ -5246,7 +5246,7 @@
               <a:defRPr/>
             </a:pPr>
             <a:r>
-              <a:rPr lang="en-US" altLang="en-US" dirty="0" smtClean="0"/>
+              <a:rPr lang="en-US" altLang="en-US" dirty="0"/>
               <a:t>One pair used to encrypt information</a:t>
             </a:r>
           </a:p>
@@ -5257,7 +5257,7 @@
               <a:defRPr/>
             </a:pPr>
             <a:r>
-              <a:rPr lang="en-US" altLang="en-US" dirty="0" smtClean="0"/>
+              <a:rPr lang="en-US" altLang="en-US" dirty="0"/>
               <a:t>Public key backed up in another location</a:t>
             </a:r>
           </a:p>
@@ -5268,7 +5268,7 @@
               <a:defRPr/>
             </a:pPr>
             <a:r>
-              <a:rPr lang="en-US" altLang="en-US" dirty="0" smtClean="0"/>
+              <a:rPr lang="en-US" altLang="en-US" dirty="0"/>
               <a:t>Second pair used only for digital signatures</a:t>
             </a:r>
           </a:p>
@@ -5279,7 +5279,7 @@
               <a:defRPr/>
             </a:pPr>
             <a:r>
-              <a:rPr lang="en-US" altLang="en-US" dirty="0" smtClean="0"/>
+              <a:rPr lang="en-US" altLang="en-US" dirty="0"/>
               <a:t>Public key in that pair would never be backed up</a:t>
             </a:r>
           </a:p>
@@ -5287,7 +5287,7 @@
             <a:pPr>
               <a:defRPr/>
             </a:pPr>
-            <a:endParaRPr lang="en-US" altLang="en-US" dirty="0" smtClean="0"/>
+            <a:endParaRPr lang="en-US" altLang="en-US" dirty="0"/>
           </a:p>
         </p:txBody>
       </p:sp>
@@ -5349,14 +5349,14 @@
           <a:ln/>
           <a:extLst>
             <a:ext uri="{909E8E84-426E-40dd-AFC4-6F175D3DCCD1}">
-              <a14:hiddenFill xmlns:a14="http://schemas.microsoft.com/office/drawing/2010/main">
+              <a14:hiddenFill xmlns:a14="http://schemas.microsoft.com/office/drawing/2010/main" xmlns="">
                 <a:solidFill>
                   <a:srgbClr val="FFFFFF"/>
                 </a:solidFill>
               </a14:hiddenFill>
             </a:ext>
             <a:ext uri="{91240B29-F687-4f45-9708-019B960494DF}">
-              <a14:hiddenLine xmlns:a14="http://schemas.microsoft.com/office/drawing/2010/main" w="9525">
+              <a14:hiddenLine xmlns:a14="http://schemas.microsoft.com/office/drawing/2010/main" xmlns="" w="9525">
                 <a:solidFill>
                   <a:srgbClr val="000000"/>
                 </a:solidFill>
@@ -5375,7 +5375,7 @@
               <a:defRPr/>
             </a:pPr>
             <a:r>
-              <a:rPr lang="en-US" altLang="en-US" dirty="0" smtClean="0"/>
+              <a:rPr lang="en-US" altLang="en-US" dirty="0"/>
               <a:t>Key-Handling Procedures</a:t>
             </a:r>
           </a:p>
@@ -5383,7 +5383,7 @@
             <a:pPr>
               <a:defRPr/>
             </a:pPr>
-            <a:endParaRPr lang="en-US" altLang="en-US" dirty="0" smtClean="0"/>
+            <a:endParaRPr lang="en-US" altLang="en-US" dirty="0"/>
           </a:p>
           <a:p>
             <a:pPr marL="171450" indent="-171450">
@@ -5392,7 +5392,7 @@
               <a:defRPr/>
             </a:pPr>
             <a:r>
-              <a:rPr lang="en-US" altLang="en-US" dirty="0" smtClean="0"/>
+              <a:rPr lang="en-US" altLang="en-US" dirty="0"/>
               <a:t>Key escrow</a:t>
             </a:r>
           </a:p>
@@ -5403,7 +5403,7 @@
               <a:defRPr/>
             </a:pPr>
             <a:r>
-              <a:rPr lang="en-US" altLang="en-US" dirty="0" smtClean="0"/>
+              <a:rPr lang="en-US" altLang="en-US" dirty="0"/>
               <a:t>Keys are managed by a third party, such as a trusted CA</a:t>
             </a:r>
           </a:p>
@@ -5414,7 +5414,7 @@
               <a:defRPr/>
             </a:pPr>
             <a:r>
-              <a:rPr lang="en-US" altLang="en-US" dirty="0" smtClean="0"/>
+              <a:rPr lang="en-US" altLang="en-US" dirty="0"/>
               <a:t>Private key is split and each half is encrypted</a:t>
             </a:r>
           </a:p>
@@ -5425,7 +5425,7 @@
               <a:defRPr/>
             </a:pPr>
             <a:r>
-              <a:rPr lang="en-US" altLang="en-US" dirty="0" smtClean="0"/>
+              <a:rPr lang="en-US" altLang="en-US" dirty="0"/>
               <a:t>Two halves sent to third party, which stores each half in separate location</a:t>
             </a:r>
           </a:p>
@@ -5436,7 +5436,7 @@
               <a:defRPr/>
             </a:pPr>
             <a:r>
-              <a:rPr lang="en-US" altLang="en-US" dirty="0" smtClean="0"/>
+              <a:rPr lang="en-US" altLang="en-US" dirty="0"/>
               <a:t>User can retrieve and combine two halves and use this new copy of private key for decryption</a:t>
             </a:r>
           </a:p>
@@ -5447,7 +5447,7 @@
               <a:defRPr/>
             </a:pPr>
             <a:r>
-              <a:rPr lang="en-US" altLang="en-US" dirty="0" smtClean="0"/>
+              <a:rPr lang="en-US" altLang="en-US" dirty="0"/>
               <a:t>Expiration</a:t>
             </a:r>
           </a:p>
@@ -5458,7 +5458,7 @@
               <a:defRPr/>
             </a:pPr>
             <a:r>
-              <a:rPr lang="en-US" altLang="en-US" dirty="0" smtClean="0"/>
+              <a:rPr lang="en-US" altLang="en-US" dirty="0"/>
               <a:t>Keys expire after a set period of time</a:t>
             </a:r>
           </a:p>
@@ -5466,7 +5466,7 @@
             <a:pPr>
               <a:defRPr/>
             </a:pPr>
-            <a:endParaRPr lang="en-US" altLang="en-US" dirty="0" smtClean="0"/>
+            <a:endParaRPr lang="en-US" altLang="en-US" dirty="0"/>
           </a:p>
         </p:txBody>
       </p:sp>
@@ -5528,14 +5528,14 @@
           <a:ln/>
           <a:extLst>
             <a:ext uri="{909E8E84-426E-40dd-AFC4-6F175D3DCCD1}">
-              <a14:hiddenFill xmlns:a14="http://schemas.microsoft.com/office/drawing/2010/main">
+              <a14:hiddenFill xmlns:a14="http://schemas.microsoft.com/office/drawing/2010/main" xmlns="">
                 <a:solidFill>
                   <a:srgbClr val="FFFFFF"/>
                 </a:solidFill>
               </a14:hiddenFill>
             </a:ext>
             <a:ext uri="{91240B29-F687-4f45-9708-019B960494DF}">
-              <a14:hiddenLine xmlns:a14="http://schemas.microsoft.com/office/drawing/2010/main" w="9525">
+              <a14:hiddenLine xmlns:a14="http://schemas.microsoft.com/office/drawing/2010/main" xmlns="" w="9525">
                 <a:solidFill>
                   <a:srgbClr val="000000"/>
                 </a:solidFill>
@@ -5554,7 +5554,7 @@
               <a:defRPr/>
             </a:pPr>
             <a:r>
-              <a:rPr lang="en-US" altLang="en-US" dirty="0" smtClean="0"/>
+              <a:rPr lang="en-US" altLang="en-US" dirty="0"/>
               <a:t>Key-Handling Procedures</a:t>
             </a:r>
           </a:p>
@@ -5564,7 +5564,7 @@
               <a:buChar char="•"/>
               <a:defRPr/>
             </a:pPr>
-            <a:endParaRPr lang="en-US" altLang="en-US" dirty="0" smtClean="0"/>
+            <a:endParaRPr lang="en-US" altLang="en-US" dirty="0"/>
           </a:p>
           <a:p>
             <a:pPr marL="171450" indent="-171450">
@@ -5573,7 +5573,7 @@
               <a:defRPr/>
             </a:pPr>
             <a:r>
-              <a:rPr lang="en-US" altLang="en-US" dirty="0" smtClean="0"/>
+              <a:rPr lang="en-US" altLang="en-US" dirty="0"/>
               <a:t>Renewal</a:t>
             </a:r>
           </a:p>
@@ -5584,7 +5584,7 @@
               <a:defRPr/>
             </a:pPr>
             <a:r>
-              <a:rPr lang="en-US" altLang="en-US" dirty="0" smtClean="0"/>
+              <a:rPr lang="en-US" altLang="en-US" dirty="0"/>
               <a:t>Existing key can be renewed</a:t>
             </a:r>
           </a:p>
@@ -5595,7 +5595,7 @@
               <a:defRPr/>
             </a:pPr>
             <a:r>
-              <a:rPr lang="en-US" altLang="en-US" dirty="0" smtClean="0"/>
+              <a:rPr lang="en-US" altLang="en-US" dirty="0"/>
               <a:t>Revocation</a:t>
             </a:r>
           </a:p>
@@ -5606,7 +5606,7 @@
               <a:defRPr/>
             </a:pPr>
             <a:r>
-              <a:rPr lang="en-US" altLang="en-US" dirty="0" smtClean="0"/>
+              <a:rPr lang="en-US" altLang="en-US" dirty="0"/>
               <a:t>Keys may be revoked prior to its expiration date</a:t>
             </a:r>
           </a:p>
@@ -5617,7 +5617,7 @@
               <a:defRPr/>
             </a:pPr>
             <a:r>
-              <a:rPr lang="en-US" altLang="en-US" dirty="0" smtClean="0"/>
+              <a:rPr lang="en-US" altLang="en-US" dirty="0"/>
               <a:t>Revoked keys may not be reinstated</a:t>
             </a:r>
           </a:p>
@@ -5628,7 +5628,7 @@
               <a:defRPr/>
             </a:pPr>
             <a:r>
-              <a:rPr lang="en-US" altLang="en-US" dirty="0" smtClean="0"/>
+              <a:rPr lang="en-US" altLang="en-US" dirty="0"/>
               <a:t>Recovery</a:t>
             </a:r>
           </a:p>
@@ -5639,7 +5639,7 @@
               <a:defRPr/>
             </a:pPr>
             <a:r>
-              <a:rPr lang="en-US" altLang="en-US" dirty="0" smtClean="0"/>
+              <a:rPr lang="en-US" altLang="en-US" dirty="0"/>
               <a:t>Need to recover keys of an employee hospitalized for extended period</a:t>
             </a:r>
           </a:p>
@@ -5650,7 +5650,7 @@
               <a:defRPr/>
             </a:pPr>
             <a:r>
-              <a:rPr lang="en-US" altLang="en-US" dirty="0" smtClean="0"/>
+              <a:rPr lang="en-US" altLang="en-US" dirty="0"/>
               <a:t>Key recovery agent (KRA) may be used</a:t>
             </a:r>
           </a:p>
@@ -5661,7 +5661,7 @@
               <a:defRPr/>
             </a:pPr>
             <a:r>
-              <a:rPr lang="en-US" altLang="en-US" dirty="0" smtClean="0"/>
+              <a:rPr lang="en-US" altLang="en-US" dirty="0"/>
               <a:t>Group of people may be used (M-of-N control)</a:t>
             </a:r>
           </a:p>
@@ -5669,7 +5669,7 @@
             <a:pPr>
               <a:defRPr/>
             </a:pPr>
-            <a:endParaRPr lang="en-US" altLang="en-US" dirty="0" smtClean="0"/>
+            <a:endParaRPr lang="en-US" altLang="en-US" dirty="0"/>
           </a:p>
         </p:txBody>
       </p:sp>
@@ -5732,14 +5732,14 @@
           <a:ln/>
           <a:extLst>
             <a:ext uri="{909E8E84-426E-40dd-AFC4-6F175D3DCCD1}">
-              <a14:hiddenFill xmlns:a14="http://schemas.microsoft.com/office/drawing/2010/main">
+              <a14:hiddenFill xmlns:a14="http://schemas.microsoft.com/office/drawing/2010/main" xmlns="">
                 <a:solidFill>
                   <a:srgbClr val="FFFFFF"/>
                 </a:solidFill>
               </a14:hiddenFill>
             </a:ext>
             <a:ext uri="{91240B29-F687-4f45-9708-019B960494DF}">
-              <a14:hiddenLine xmlns:a14="http://schemas.microsoft.com/office/drawing/2010/main" w="9525">
+              <a14:hiddenLine xmlns:a14="http://schemas.microsoft.com/office/drawing/2010/main" xmlns="" w="9525">
                 <a:solidFill>
                   <a:srgbClr val="000000"/>
                 </a:solidFill>
@@ -5755,41 +5755,37 @@
           <a:lstStyle/>
           <a:p>
             <a:r>
-              <a:rPr lang="en-US" altLang="en-US" dirty="0" smtClean="0"/>
+              <a:rPr lang="en-US" altLang="en-US" dirty="0"/>
               <a:t>End of class</a:t>
             </a:r>
             <a:r>
-              <a:rPr lang="en-US" altLang="en-US" baseline="0" dirty="0" smtClean="0"/>
+              <a:rPr lang="en-US" altLang="en-US" baseline="0" dirty="0"/>
               <a:t> </a:t>
             </a:r>
             <a:r>
-              <a:rPr lang="en-US" altLang="en-US" baseline="0" smtClean="0"/>
+              <a:rPr lang="en-US" altLang="en-US" baseline="0"/>
               <a:t>10 AM, 11 AM </a:t>
             </a:r>
             <a:r>
-              <a:rPr lang="en-US" altLang="en-US" baseline="0" dirty="0" smtClean="0"/>
+              <a:rPr lang="en-US" altLang="en-US" baseline="0" dirty="0"/>
               <a:t>2/15/17</a:t>
             </a:r>
           </a:p>
           <a:p>
-            <a:endParaRPr lang="en-US" altLang="en-US" dirty="0" smtClean="0"/>
-          </a:p>
-          <a:p>
-            <a:r>
-              <a:rPr lang="en-US" altLang="en-US" dirty="0" smtClean="0"/>
-              <a:t>Key</a:t>
-            </a:r>
-            <a:r>
-              <a:rPr lang="en-US" altLang="en-US" dirty="0" smtClean="0"/>
-              <a:t>-Handling Procedures</a:t>
-            </a:r>
-          </a:p>
-          <a:p>
-            <a:endParaRPr lang="en-US" altLang="en-US" dirty="0" smtClean="0"/>
-          </a:p>
-          <a:p>
-            <a:r>
-              <a:rPr lang="en-US" altLang="en-US" dirty="0" smtClean="0"/>
+            <a:endParaRPr lang="en-US" altLang="en-US" dirty="0"/>
+          </a:p>
+          <a:p>
+            <a:r>
+              <a:rPr lang="en-US" altLang="en-US" dirty="0"/>
+              <a:t>Key-Handling Procedures</a:t>
+            </a:r>
+          </a:p>
+          <a:p>
+            <a:endParaRPr lang="en-US" altLang="en-US" dirty="0"/>
+          </a:p>
+          <a:p>
+            <a:r>
+              <a:rPr lang="en-US" altLang="en-US" dirty="0"/>
               <a:t>Figure 6-11  M-of-N control</a:t>
             </a:r>
           </a:p>
@@ -5853,14 +5849,14 @@
           <a:ln/>
           <a:extLst>
             <a:ext uri="{909E8E84-426E-40dd-AFC4-6F175D3DCCD1}">
-              <a14:hiddenFill xmlns:a14="http://schemas.microsoft.com/office/drawing/2010/main">
+              <a14:hiddenFill xmlns:a14="http://schemas.microsoft.com/office/drawing/2010/main" xmlns="">
                 <a:solidFill>
                   <a:srgbClr val="FFFFFF"/>
                 </a:solidFill>
               </a14:hiddenFill>
             </a:ext>
             <a:ext uri="{91240B29-F687-4f45-9708-019B960494DF}">
-              <a14:hiddenLine xmlns:a14="http://schemas.microsoft.com/office/drawing/2010/main" w="9525">
+              <a14:hiddenLine xmlns:a14="http://schemas.microsoft.com/office/drawing/2010/main" xmlns="" w="9525">
                 <a:solidFill>
                   <a:srgbClr val="000000"/>
                 </a:solidFill>
@@ -5879,7 +5875,7 @@
               <a:defRPr/>
             </a:pPr>
             <a:r>
-              <a:rPr lang="en-US" altLang="en-US" dirty="0" smtClean="0"/>
+              <a:rPr lang="en-US" altLang="en-US" dirty="0"/>
               <a:t>Key-Handling Procedures</a:t>
             </a:r>
           </a:p>
@@ -5889,7 +5885,7 @@
               <a:buChar char="•"/>
               <a:defRPr/>
             </a:pPr>
-            <a:endParaRPr lang="en-US" altLang="en-US" dirty="0" smtClean="0"/>
+            <a:endParaRPr lang="en-US" altLang="en-US" dirty="0"/>
           </a:p>
           <a:p>
             <a:pPr marL="171450" indent="-171450">
@@ -5898,7 +5894,7 @@
               <a:defRPr/>
             </a:pPr>
             <a:r>
-              <a:rPr lang="en-US" altLang="en-US" dirty="0" smtClean="0"/>
+              <a:rPr lang="en-US" altLang="en-US" dirty="0"/>
               <a:t>Suspension</a:t>
             </a:r>
           </a:p>
@@ -5909,7 +5905,7 @@
               <a:defRPr/>
             </a:pPr>
             <a:r>
-              <a:rPr lang="en-US" altLang="en-US" dirty="0" smtClean="0"/>
+              <a:rPr lang="en-US" altLang="en-US" dirty="0"/>
               <a:t>Suspended for a set period of time and then reinstated</a:t>
             </a:r>
           </a:p>
@@ -5920,7 +5916,7 @@
               <a:defRPr/>
             </a:pPr>
             <a:r>
-              <a:rPr lang="en-US" altLang="en-US" dirty="0" smtClean="0"/>
+              <a:rPr lang="en-US" altLang="en-US" dirty="0"/>
               <a:t>Destruction</a:t>
             </a:r>
           </a:p>
@@ -5931,7 +5927,7 @@
               <a:defRPr/>
             </a:pPr>
             <a:r>
-              <a:rPr lang="en-US" altLang="en-US" dirty="0" smtClean="0"/>
+              <a:rPr lang="en-US" altLang="en-US" dirty="0"/>
               <a:t>Removes all public and private keys and user’s identification from the CA</a:t>
             </a:r>
           </a:p>
@@ -5939,7 +5935,7 @@
             <a:pPr>
               <a:defRPr/>
             </a:pPr>
-            <a:endParaRPr lang="en-US" altLang="en-US" dirty="0" smtClean="0"/>
+            <a:endParaRPr lang="en-US" altLang="en-US" dirty="0"/>
           </a:p>
         </p:txBody>
       </p:sp>
@@ -6001,14 +5997,14 @@
           <a:ln/>
           <a:extLst>
             <a:ext uri="{909E8E84-426E-40dd-AFC4-6F175D3DCCD1}">
-              <a14:hiddenFill xmlns:a14="http://schemas.microsoft.com/office/drawing/2010/main">
+              <a14:hiddenFill xmlns:a14="http://schemas.microsoft.com/office/drawing/2010/main" xmlns="">
                 <a:solidFill>
                   <a:srgbClr val="FFFFFF"/>
                 </a:solidFill>
               </a14:hiddenFill>
             </a:ext>
             <a:ext uri="{91240B29-F687-4f45-9708-019B960494DF}">
-              <a14:hiddenLine xmlns:a14="http://schemas.microsoft.com/office/drawing/2010/main" w="9525">
+              <a14:hiddenLine xmlns:a14="http://schemas.microsoft.com/office/drawing/2010/main" xmlns="" w="9525">
                 <a:solidFill>
                   <a:srgbClr val="000000"/>
                 </a:solidFill>
@@ -6027,7 +6023,7 @@
               <a:defRPr/>
             </a:pPr>
             <a:r>
-              <a:rPr lang="en-US" altLang="en-US" dirty="0" smtClean="0"/>
+              <a:rPr lang="en-US" altLang="en-US" dirty="0"/>
               <a:t>Cryptographic Transport Protocols</a:t>
             </a:r>
           </a:p>
@@ -6037,7 +6033,7 @@
               <a:buChar char="•"/>
               <a:defRPr/>
             </a:pPr>
-            <a:endParaRPr lang="en-US" altLang="en-US" dirty="0" smtClean="0"/>
+            <a:endParaRPr lang="en-US" altLang="en-US" dirty="0"/>
           </a:p>
           <a:p>
             <a:pPr marL="171450" indent="-171450">
@@ -6046,7 +6042,7 @@
               <a:defRPr/>
             </a:pPr>
             <a:r>
-              <a:rPr lang="en-US" altLang="en-US" dirty="0" smtClean="0"/>
+              <a:rPr lang="en-US" altLang="en-US" dirty="0"/>
               <a:t>Secure Sockets Layer (SSL)</a:t>
             </a:r>
           </a:p>
@@ -6057,7 +6053,7 @@
               <a:defRPr/>
             </a:pPr>
             <a:r>
-              <a:rPr lang="en-US" altLang="en-US" dirty="0" smtClean="0"/>
+              <a:rPr lang="en-US" altLang="en-US" dirty="0"/>
               <a:t>One of the most common transport algorithms</a:t>
             </a:r>
           </a:p>
@@ -6068,7 +6064,7 @@
               <a:defRPr/>
             </a:pPr>
             <a:r>
-              <a:rPr lang="en-US" altLang="en-US" dirty="0" smtClean="0"/>
+              <a:rPr lang="en-US" altLang="en-US" dirty="0"/>
               <a:t>Developed by Netscape</a:t>
             </a:r>
           </a:p>
@@ -6079,7 +6075,7 @@
               <a:defRPr/>
             </a:pPr>
             <a:r>
-              <a:rPr lang="en-US" altLang="en-US" dirty="0" smtClean="0"/>
+              <a:rPr lang="en-US" altLang="en-US" dirty="0"/>
               <a:t>Design goal was to create an encrypted data path between a client and a server</a:t>
             </a:r>
           </a:p>
@@ -6090,7 +6086,7 @@
               <a:defRPr/>
             </a:pPr>
             <a:r>
-              <a:rPr lang="en-US" altLang="en-US" dirty="0" smtClean="0"/>
+              <a:rPr lang="en-US" altLang="en-US" dirty="0"/>
               <a:t>Transport Layer Security (TLS)</a:t>
             </a:r>
           </a:p>
@@ -6101,7 +6097,7 @@
               <a:defRPr/>
             </a:pPr>
             <a:r>
-              <a:rPr lang="en-US" altLang="en-US" dirty="0" smtClean="0"/>
+              <a:rPr lang="en-US" altLang="en-US" dirty="0"/>
               <a:t>Versions starting with v1.1 are significantly more secure than SSL v3.0 </a:t>
             </a:r>
           </a:p>
@@ -6111,7 +6107,7 @@
               <a:buChar char="•"/>
               <a:defRPr/>
             </a:pPr>
-            <a:endParaRPr lang="en-US" altLang="en-US" dirty="0" smtClean="0"/>
+            <a:endParaRPr lang="en-US" altLang="en-US" dirty="0"/>
           </a:p>
           <a:p>
             <a:pPr marL="628650" lvl="1" indent="-171450">
@@ -6119,13 +6115,13 @@
               <a:buChar char="•"/>
               <a:defRPr/>
             </a:pPr>
-            <a:endParaRPr lang="en-US" altLang="en-US" dirty="0" smtClean="0"/>
+            <a:endParaRPr lang="en-US" altLang="en-US" dirty="0"/>
           </a:p>
           <a:p>
             <a:pPr>
               <a:defRPr/>
             </a:pPr>
-            <a:endParaRPr lang="en-US" altLang="en-US" dirty="0" smtClean="0"/>
+            <a:endParaRPr lang="en-US" altLang="en-US" dirty="0"/>
           </a:p>
         </p:txBody>
       </p:sp>
@@ -6187,14 +6183,14 @@
           <a:ln/>
           <a:extLst>
             <a:ext uri="{909E8E84-426E-40dd-AFC4-6F175D3DCCD1}">
-              <a14:hiddenFill xmlns:a14="http://schemas.microsoft.com/office/drawing/2010/main">
+              <a14:hiddenFill xmlns:a14="http://schemas.microsoft.com/office/drawing/2010/main" xmlns="">
                 <a:solidFill>
                   <a:srgbClr val="FFFFFF"/>
                 </a:solidFill>
               </a14:hiddenFill>
             </a:ext>
             <a:ext uri="{91240B29-F687-4f45-9708-019B960494DF}">
-              <a14:hiddenLine xmlns:a14="http://schemas.microsoft.com/office/drawing/2010/main" w="9525">
+              <a14:hiddenLine xmlns:a14="http://schemas.microsoft.com/office/drawing/2010/main" xmlns="" w="9525">
                 <a:solidFill>
                   <a:srgbClr val="000000"/>
                 </a:solidFill>
@@ -6213,7 +6209,7 @@
               <a:defRPr/>
             </a:pPr>
             <a:r>
-              <a:rPr lang="en-US" altLang="en-US" dirty="0" smtClean="0"/>
+              <a:rPr lang="en-US" altLang="en-US" dirty="0"/>
               <a:t>Defining Digital Certificates</a:t>
             </a:r>
           </a:p>
@@ -6221,7 +6217,7 @@
             <a:pPr>
               <a:defRPr/>
             </a:pPr>
-            <a:endParaRPr lang="en-US" altLang="en-US" dirty="0" smtClean="0"/>
+            <a:endParaRPr lang="en-US" altLang="en-US" dirty="0"/>
           </a:p>
           <a:p>
             <a:pPr marL="171450" indent="-171450">
@@ -6230,7 +6226,7 @@
               <a:defRPr/>
             </a:pPr>
             <a:r>
-              <a:rPr lang="en-US" altLang="en-US" dirty="0" smtClean="0"/>
+              <a:rPr lang="en-US" altLang="en-US" dirty="0"/>
               <a:t>Information contained in a digital certificate</a:t>
             </a:r>
           </a:p>
@@ -6241,7 +6237,7 @@
               <a:defRPr/>
             </a:pPr>
             <a:r>
-              <a:rPr lang="en-US" altLang="en-US" dirty="0" smtClean="0"/>
+              <a:rPr lang="en-US" altLang="en-US" dirty="0"/>
               <a:t>Owner’s name or alias</a:t>
             </a:r>
           </a:p>
@@ -6252,7 +6248,7 @@
               <a:defRPr/>
             </a:pPr>
             <a:r>
-              <a:rPr lang="en-US" altLang="en-US" dirty="0" smtClean="0"/>
+              <a:rPr lang="en-US" altLang="en-US" dirty="0"/>
               <a:t>Owner’s public key</a:t>
             </a:r>
           </a:p>
@@ -6263,7 +6259,7 @@
               <a:defRPr/>
             </a:pPr>
             <a:r>
-              <a:rPr lang="en-US" altLang="en-US" dirty="0" smtClean="0"/>
+              <a:rPr lang="en-US" altLang="en-US" dirty="0"/>
               <a:t>Issuer’s name</a:t>
             </a:r>
           </a:p>
@@ -6274,7 +6270,7 @@
               <a:defRPr/>
             </a:pPr>
             <a:r>
-              <a:rPr lang="en-US" altLang="en-US" dirty="0" smtClean="0"/>
+              <a:rPr lang="en-US" altLang="en-US" dirty="0"/>
               <a:t>Issuer’s digital signature</a:t>
             </a:r>
           </a:p>
@@ -6285,7 +6281,7 @@
               <a:defRPr/>
             </a:pPr>
             <a:r>
-              <a:rPr lang="en-US" altLang="en-US" dirty="0" smtClean="0"/>
+              <a:rPr lang="en-US" altLang="en-US" dirty="0"/>
               <a:t>Digital certificate’s serial number</a:t>
             </a:r>
           </a:p>
@@ -6296,7 +6292,7 @@
               <a:defRPr/>
             </a:pPr>
             <a:r>
-              <a:rPr lang="en-US" altLang="en-US" dirty="0" smtClean="0"/>
+              <a:rPr lang="en-US" altLang="en-US" dirty="0"/>
               <a:t>Expiration date of the public key</a:t>
             </a:r>
           </a:p>
@@ -6306,13 +6302,13 @@
               <a:buChar char="•"/>
               <a:defRPr/>
             </a:pPr>
-            <a:endParaRPr lang="en-US" altLang="en-US" dirty="0" smtClean="0"/>
+            <a:endParaRPr lang="en-US" altLang="en-US" dirty="0"/>
           </a:p>
           <a:p>
             <a:pPr>
               <a:defRPr/>
             </a:pPr>
-            <a:endParaRPr lang="en-US" altLang="en-US" dirty="0" smtClean="0"/>
+            <a:endParaRPr lang="en-US" altLang="en-US" dirty="0"/>
           </a:p>
         </p:txBody>
       </p:sp>
@@ -6374,14 +6370,14 @@
           <a:ln/>
           <a:extLst>
             <a:ext uri="{909E8E84-426E-40dd-AFC4-6F175D3DCCD1}">
-              <a14:hiddenFill xmlns:a14="http://schemas.microsoft.com/office/drawing/2010/main">
+              <a14:hiddenFill xmlns:a14="http://schemas.microsoft.com/office/drawing/2010/main" xmlns="">
                 <a:solidFill>
                   <a:srgbClr val="FFFFFF"/>
                 </a:solidFill>
               </a14:hiddenFill>
             </a:ext>
             <a:ext uri="{91240B29-F687-4f45-9708-019B960494DF}">
-              <a14:hiddenLine xmlns:a14="http://schemas.microsoft.com/office/drawing/2010/main" w="9525">
+              <a14:hiddenLine xmlns:a14="http://schemas.microsoft.com/office/drawing/2010/main" xmlns="" w="9525">
                 <a:solidFill>
                   <a:srgbClr val="000000"/>
                 </a:solidFill>
@@ -6400,7 +6396,7 @@
               <a:defRPr/>
             </a:pPr>
             <a:r>
-              <a:rPr lang="en-US" altLang="en-US" dirty="0" smtClean="0"/>
+              <a:rPr lang="en-US" altLang="en-US" dirty="0"/>
               <a:t>Cryptographic Transport Protocols</a:t>
             </a:r>
           </a:p>
@@ -6410,7 +6406,7 @@
               <a:buChar char="•"/>
               <a:defRPr/>
             </a:pPr>
-            <a:endParaRPr lang="en-US" altLang="en-US" dirty="0" smtClean="0"/>
+            <a:endParaRPr lang="en-US" altLang="en-US" dirty="0"/>
           </a:p>
           <a:p>
             <a:pPr marL="171450" indent="-171450">
@@ -6419,7 +6415,7 @@
               <a:defRPr/>
             </a:pPr>
             <a:r>
-              <a:rPr lang="en-US" altLang="en-US" dirty="0" smtClean="0"/>
+              <a:rPr lang="en-US" altLang="en-US" dirty="0"/>
               <a:t>Cipher suite</a:t>
             </a:r>
           </a:p>
@@ -6430,7 +6426,7 @@
               <a:defRPr/>
             </a:pPr>
             <a:r>
-              <a:rPr lang="en-US" altLang="en-US" dirty="0" smtClean="0"/>
+              <a:rPr lang="en-US" altLang="en-US" dirty="0"/>
               <a:t>A named combination of the encryption, authentication, and message authentication code (MAC) algorithms that are used with SSL and TLS</a:t>
             </a:r>
           </a:p>
@@ -6441,7 +6437,7 @@
               <a:defRPr/>
             </a:pPr>
             <a:r>
-              <a:rPr lang="en-US" altLang="en-US" dirty="0" smtClean="0"/>
+              <a:rPr lang="en-US" altLang="en-US" dirty="0"/>
               <a:t>Length of keys - a factor in determining the overall security of a transmission</a:t>
             </a:r>
           </a:p>
@@ -6452,7 +6448,7 @@
               <a:defRPr/>
             </a:pPr>
             <a:r>
-              <a:rPr lang="en-US" altLang="en-US" dirty="0" smtClean="0"/>
+              <a:rPr lang="en-US" altLang="en-US" dirty="0"/>
               <a:t>Keys of less than 2048 bits are considered weak</a:t>
             </a:r>
           </a:p>
@@ -6463,7 +6459,7 @@
               <a:defRPr/>
             </a:pPr>
             <a:r>
-              <a:rPr lang="en-US" altLang="en-US" dirty="0" smtClean="0"/>
+              <a:rPr lang="en-US" altLang="en-US" dirty="0"/>
               <a:t>Keys of 2048 bits are considered good</a:t>
             </a:r>
           </a:p>
@@ -6474,7 +6470,7 @@
               <a:defRPr/>
             </a:pPr>
             <a:r>
-              <a:rPr lang="en-US" altLang="en-US" dirty="0" smtClean="0"/>
+              <a:rPr lang="en-US" altLang="en-US" dirty="0"/>
               <a:t>Keys of 4096 bits are strong</a:t>
             </a:r>
           </a:p>
@@ -6482,7 +6478,7 @@
             <a:pPr>
               <a:defRPr/>
             </a:pPr>
-            <a:endParaRPr lang="en-US" altLang="en-US" dirty="0" smtClean="0"/>
+            <a:endParaRPr lang="en-US" altLang="en-US" dirty="0"/>
           </a:p>
         </p:txBody>
       </p:sp>
@@ -6544,14 +6540,14 @@
           <a:ln/>
           <a:extLst>
             <a:ext uri="{909E8E84-426E-40dd-AFC4-6F175D3DCCD1}">
-              <a14:hiddenFill xmlns:a14="http://schemas.microsoft.com/office/drawing/2010/main">
+              <a14:hiddenFill xmlns:a14="http://schemas.microsoft.com/office/drawing/2010/main" xmlns="">
                 <a:solidFill>
                   <a:srgbClr val="FFFFFF"/>
                 </a:solidFill>
               </a14:hiddenFill>
             </a:ext>
             <a:ext uri="{91240B29-F687-4f45-9708-019B960494DF}">
-              <a14:hiddenLine xmlns:a14="http://schemas.microsoft.com/office/drawing/2010/main" w="9525">
+              <a14:hiddenLine xmlns:a14="http://schemas.microsoft.com/office/drawing/2010/main" xmlns="" w="9525">
                 <a:solidFill>
                   <a:srgbClr val="000000"/>
                 </a:solidFill>
@@ -6570,7 +6566,7 @@
               <a:defRPr/>
             </a:pPr>
             <a:r>
-              <a:rPr lang="en-US" altLang="en-US" dirty="0" smtClean="0"/>
+              <a:rPr lang="en-US" altLang="en-US" dirty="0"/>
               <a:t>Secure Shell (SSH)</a:t>
             </a:r>
           </a:p>
@@ -6580,7 +6576,7 @@
               <a:buChar char="•"/>
               <a:defRPr/>
             </a:pPr>
-            <a:endParaRPr lang="en-US" altLang="en-US" dirty="0" smtClean="0"/>
+            <a:endParaRPr lang="en-US" altLang="en-US" dirty="0"/>
           </a:p>
           <a:p>
             <a:pPr marL="171450" indent="-171450">
@@ -6589,7 +6585,7 @@
               <a:defRPr/>
             </a:pPr>
             <a:r>
-              <a:rPr lang="en-US" altLang="en-US" dirty="0" smtClean="0"/>
+              <a:rPr lang="en-US" altLang="en-US" dirty="0"/>
               <a:t>An encrypted alternative to the Telnet protocol used to access remote computers</a:t>
             </a:r>
           </a:p>
@@ -6600,7 +6596,7 @@
               <a:defRPr/>
             </a:pPr>
             <a:r>
-              <a:rPr lang="en-US" altLang="en-US" dirty="0" smtClean="0"/>
+              <a:rPr lang="en-US" altLang="en-US" dirty="0"/>
               <a:t>It is a Linux/UNIX-based command interface and protocol</a:t>
             </a:r>
           </a:p>
@@ -6611,7 +6607,7 @@
               <a:defRPr/>
             </a:pPr>
             <a:r>
-              <a:rPr lang="en-US" altLang="en-US" dirty="0" smtClean="0"/>
+              <a:rPr lang="en-US" altLang="en-US" dirty="0"/>
               <a:t>SSH is a suite of three utilities: slogin, ssh, and scp</a:t>
             </a:r>
           </a:p>
@@ -6622,7 +6618,7 @@
               <a:defRPr/>
             </a:pPr>
             <a:r>
-              <a:rPr lang="en-US" altLang="en-US" dirty="0" smtClean="0"/>
+              <a:rPr lang="en-US" altLang="en-US" dirty="0"/>
               <a:t>Client and server ends of the connection are authenticated using a digital certificate and passwords are encrypted</a:t>
             </a:r>
           </a:p>
@@ -6633,7 +6629,7 @@
               <a:defRPr/>
             </a:pPr>
             <a:r>
-              <a:rPr lang="en-US" altLang="en-US" dirty="0" smtClean="0"/>
+              <a:rPr lang="en-US" altLang="en-US" dirty="0"/>
               <a:t>Can be used as a tool for secure network backups</a:t>
             </a:r>
           </a:p>
@@ -6641,7 +6637,7 @@
             <a:pPr>
               <a:defRPr/>
             </a:pPr>
-            <a:endParaRPr lang="en-US" altLang="en-US" dirty="0" smtClean="0"/>
+            <a:endParaRPr lang="en-US" altLang="en-US" dirty="0"/>
           </a:p>
         </p:txBody>
       </p:sp>
@@ -6704,14 +6700,14 @@
           <a:ln/>
           <a:extLst>
             <a:ext uri="{909E8E84-426E-40dd-AFC4-6F175D3DCCD1}">
-              <a14:hiddenFill xmlns:a14="http://schemas.microsoft.com/office/drawing/2010/main">
+              <a14:hiddenFill xmlns:a14="http://schemas.microsoft.com/office/drawing/2010/main" xmlns="">
                 <a:solidFill>
                   <a:srgbClr val="FFFFFF"/>
                 </a:solidFill>
               </a14:hiddenFill>
             </a:ext>
             <a:ext uri="{91240B29-F687-4f45-9708-019B960494DF}">
-              <a14:hiddenLine xmlns:a14="http://schemas.microsoft.com/office/drawing/2010/main" w="9525">
+              <a14:hiddenLine xmlns:a14="http://schemas.microsoft.com/office/drawing/2010/main" xmlns="" w="9525">
                 <a:solidFill>
                   <a:srgbClr val="000000"/>
                 </a:solidFill>
@@ -6727,16 +6723,16 @@
           <a:lstStyle/>
           <a:p>
             <a:r>
-              <a:rPr lang="en-US" altLang="en-US" smtClean="0"/>
+              <a:rPr lang="en-US" altLang="en-US"/>
               <a:t>Secure Shell (SSH)</a:t>
             </a:r>
           </a:p>
           <a:p>
-            <a:endParaRPr lang="en-US" altLang="en-US" smtClean="0"/>
-          </a:p>
-          <a:p>
-            <a:r>
-              <a:rPr lang="en-US" altLang="en-US" smtClean="0"/>
+            <a:endParaRPr lang="en-US" altLang="en-US"/>
+          </a:p>
+          <a:p>
+            <a:r>
+              <a:rPr lang="en-US" altLang="en-US"/>
               <a:t>Table 6-5  SSH commands</a:t>
             </a:r>
           </a:p>
@@ -6800,14 +6796,14 @@
           <a:ln/>
           <a:extLst>
             <a:ext uri="{909E8E84-426E-40dd-AFC4-6F175D3DCCD1}">
-              <a14:hiddenFill xmlns:a14="http://schemas.microsoft.com/office/drawing/2010/main">
+              <a14:hiddenFill xmlns:a14="http://schemas.microsoft.com/office/drawing/2010/main" xmlns="">
                 <a:solidFill>
                   <a:srgbClr val="FFFFFF"/>
                 </a:solidFill>
               </a14:hiddenFill>
             </a:ext>
             <a:ext uri="{91240B29-F687-4f45-9708-019B960494DF}">
-              <a14:hiddenLine xmlns:a14="http://schemas.microsoft.com/office/drawing/2010/main" w="9525">
+              <a14:hiddenLine xmlns:a14="http://schemas.microsoft.com/office/drawing/2010/main" xmlns="" w="9525">
                 <a:solidFill>
                   <a:srgbClr val="000000"/>
                 </a:solidFill>
@@ -6826,7 +6822,7 @@
               <a:defRPr/>
             </a:pPr>
             <a:r>
-              <a:rPr lang="en-US" altLang="en-US" dirty="0" smtClean="0"/>
+              <a:rPr lang="en-US" altLang="en-US" dirty="0"/>
               <a:t>Hypertext Transport Protocol Secure (HTTPS)</a:t>
             </a:r>
           </a:p>
@@ -6836,7 +6832,7 @@
               <a:buChar char="•"/>
               <a:defRPr/>
             </a:pPr>
-            <a:endParaRPr lang="en-US" altLang="en-US" dirty="0" smtClean="0"/>
+            <a:endParaRPr lang="en-US" altLang="en-US" dirty="0"/>
           </a:p>
           <a:p>
             <a:pPr marL="171450" indent="-171450">
@@ -6845,7 +6841,7 @@
               <a:defRPr/>
             </a:pPr>
             <a:r>
-              <a:rPr lang="en-US" altLang="en-US" dirty="0" smtClean="0"/>
+              <a:rPr lang="en-US" altLang="en-US" dirty="0"/>
               <a:t>A common use of TLS and SSL:</a:t>
             </a:r>
           </a:p>
@@ -6856,7 +6852,7 @@
               <a:defRPr/>
             </a:pPr>
             <a:r>
-              <a:rPr lang="en-US" altLang="en-US" dirty="0" smtClean="0"/>
+              <a:rPr lang="en-US" altLang="en-US" dirty="0"/>
               <a:t>To secure Hypertext Transport Protocol (HTTP) communications between browser and Web server</a:t>
             </a:r>
           </a:p>
@@ -6867,7 +6863,7 @@
               <a:defRPr/>
             </a:pPr>
             <a:r>
-              <a:rPr lang="en-US" altLang="en-US" dirty="0" smtClean="0"/>
+              <a:rPr lang="en-US" altLang="en-US" dirty="0"/>
               <a:t>The secure version is actually “plain” HTTP sent over SSL or TLS</a:t>
             </a:r>
           </a:p>
@@ -6878,7 +6874,7 @@
               <a:defRPr/>
             </a:pPr>
             <a:r>
-              <a:rPr lang="en-US" altLang="en-US" dirty="0" smtClean="0"/>
+              <a:rPr lang="en-US" altLang="en-US" dirty="0"/>
               <a:t>Called Hypertext Transport Protocol Secure (HTTPS) and uses port 443 instead of HTTP’s port 80</a:t>
             </a:r>
           </a:p>
@@ -6889,7 +6885,7 @@
               <a:defRPr/>
             </a:pPr>
             <a:r>
-              <a:rPr lang="en-US" altLang="en-US" dirty="0" smtClean="0"/>
+              <a:rPr lang="en-US" altLang="en-US" dirty="0"/>
               <a:t>Users must enter URLs with https://</a:t>
             </a:r>
           </a:p>
@@ -6897,7 +6893,7 @@
             <a:pPr>
               <a:defRPr/>
             </a:pPr>
-            <a:endParaRPr lang="en-US" altLang="en-US" dirty="0" smtClean="0"/>
+            <a:endParaRPr lang="en-US" altLang="en-US" dirty="0"/>
           </a:p>
         </p:txBody>
       </p:sp>
@@ -6959,14 +6955,14 @@
           <a:ln/>
           <a:extLst>
             <a:ext uri="{909E8E84-426E-40dd-AFC4-6F175D3DCCD1}">
-              <a14:hiddenFill xmlns:a14="http://schemas.microsoft.com/office/drawing/2010/main">
+              <a14:hiddenFill xmlns:a14="http://schemas.microsoft.com/office/drawing/2010/main" xmlns="">
                 <a:solidFill>
                   <a:srgbClr val="FFFFFF"/>
                 </a:solidFill>
               </a14:hiddenFill>
             </a:ext>
             <a:ext uri="{91240B29-F687-4f45-9708-019B960494DF}">
-              <a14:hiddenLine xmlns:a14="http://schemas.microsoft.com/office/drawing/2010/main" w="9525">
+              <a14:hiddenLine xmlns:a14="http://schemas.microsoft.com/office/drawing/2010/main" xmlns="" w="9525">
                 <a:solidFill>
                   <a:srgbClr val="000000"/>
                 </a:solidFill>
@@ -6985,7 +6981,7 @@
               <a:defRPr/>
             </a:pPr>
             <a:r>
-              <a:rPr lang="en-US" altLang="en-US" dirty="0" smtClean="0"/>
+              <a:rPr lang="en-US" altLang="en-US" dirty="0"/>
               <a:t>IP Security (IPsec)</a:t>
             </a:r>
           </a:p>
@@ -6995,7 +6991,7 @@
               <a:buChar char="•"/>
               <a:defRPr/>
             </a:pPr>
-            <a:endParaRPr lang="en-US" altLang="en-US" dirty="0" smtClean="0"/>
+            <a:endParaRPr lang="en-US" altLang="en-US" dirty="0"/>
           </a:p>
           <a:p>
             <a:pPr marL="171450" indent="-171450">
@@ -7004,7 +7000,7 @@
               <a:defRPr/>
             </a:pPr>
             <a:r>
-              <a:rPr lang="en-US" altLang="en-US" dirty="0" smtClean="0"/>
+              <a:rPr lang="en-US" altLang="en-US" dirty="0"/>
               <a:t>Internet Protocol Security (IPsec)</a:t>
             </a:r>
           </a:p>
@@ -7015,7 +7011,7 @@
               <a:defRPr/>
             </a:pPr>
             <a:r>
-              <a:rPr lang="en-US" altLang="en-US" dirty="0" smtClean="0"/>
+              <a:rPr lang="en-US" altLang="en-US" dirty="0"/>
               <a:t>A suite of protocols for securing IP communications</a:t>
             </a:r>
           </a:p>
@@ -7026,7 +7022,7 @@
               <a:defRPr/>
             </a:pPr>
             <a:r>
-              <a:rPr lang="en-US" altLang="en-US" dirty="0" smtClean="0"/>
+              <a:rPr lang="en-US" altLang="en-US" dirty="0"/>
               <a:t>Encrypts and authenticates each IP packet of a session between hosts or networks</a:t>
             </a:r>
           </a:p>
@@ -7037,7 +7033,7 @@
               <a:defRPr/>
             </a:pPr>
             <a:r>
-              <a:rPr lang="en-US" altLang="en-US" dirty="0" smtClean="0"/>
+              <a:rPr lang="en-US" altLang="en-US" dirty="0"/>
               <a:t>IPsec considered to be a transparent protocol</a:t>
             </a:r>
           </a:p>
@@ -7048,7 +7044,7 @@
               <a:defRPr/>
             </a:pPr>
             <a:r>
-              <a:rPr lang="en-US" altLang="en-US" dirty="0" smtClean="0"/>
+              <a:rPr lang="en-US" altLang="en-US" dirty="0"/>
               <a:t>It is transparent to the following:</a:t>
             </a:r>
           </a:p>
@@ -7059,7 +7055,7 @@
               <a:defRPr/>
             </a:pPr>
             <a:r>
-              <a:rPr lang="en-US" altLang="en-US" dirty="0" smtClean="0"/>
+              <a:rPr lang="en-US" altLang="en-US" dirty="0"/>
               <a:t>Applications</a:t>
             </a:r>
           </a:p>
@@ -7070,7 +7066,7 @@
               <a:defRPr/>
             </a:pPr>
             <a:r>
-              <a:rPr lang="en-US" altLang="en-US" dirty="0" smtClean="0"/>
+              <a:rPr lang="en-US" altLang="en-US" dirty="0"/>
               <a:t>Users</a:t>
             </a:r>
           </a:p>
@@ -7081,7 +7077,7 @@
               <a:defRPr/>
             </a:pPr>
             <a:r>
-              <a:rPr lang="en-US" altLang="en-US" dirty="0" smtClean="0"/>
+              <a:rPr lang="en-US" altLang="en-US" dirty="0"/>
               <a:t>Software</a:t>
             </a:r>
           </a:p>
@@ -7089,7 +7085,7 @@
             <a:pPr>
               <a:defRPr/>
             </a:pPr>
-            <a:endParaRPr lang="en-US" altLang="en-US" dirty="0" smtClean="0"/>
+            <a:endParaRPr lang="en-US" altLang="en-US" dirty="0"/>
           </a:p>
         </p:txBody>
       </p:sp>
@@ -7151,14 +7147,14 @@
           <a:ln/>
           <a:extLst>
             <a:ext uri="{909E8E84-426E-40dd-AFC4-6F175D3DCCD1}">
-              <a14:hiddenFill xmlns:a14="http://schemas.microsoft.com/office/drawing/2010/main">
+              <a14:hiddenFill xmlns:a14="http://schemas.microsoft.com/office/drawing/2010/main" xmlns="">
                 <a:solidFill>
                   <a:srgbClr val="FFFFFF"/>
                 </a:solidFill>
               </a14:hiddenFill>
             </a:ext>
             <a:ext uri="{91240B29-F687-4f45-9708-019B960494DF}">
-              <a14:hiddenLine xmlns:a14="http://schemas.microsoft.com/office/drawing/2010/main" w="9525">
+              <a14:hiddenLine xmlns:a14="http://schemas.microsoft.com/office/drawing/2010/main" xmlns="" w="9525">
                 <a:solidFill>
                   <a:srgbClr val="000000"/>
                 </a:solidFill>
@@ -7177,7 +7173,7 @@
               <a:defRPr/>
             </a:pPr>
             <a:r>
-              <a:rPr lang="en-US" altLang="en-US" dirty="0" smtClean="0"/>
+              <a:rPr lang="en-US" altLang="en-US" dirty="0"/>
               <a:t>IP Security (IPsec)</a:t>
             </a:r>
           </a:p>
@@ -7187,7 +7183,7 @@
               <a:buChar char="•"/>
               <a:defRPr/>
             </a:pPr>
-            <a:endParaRPr lang="en-US" altLang="en-US" dirty="0" smtClean="0"/>
+            <a:endParaRPr lang="en-US" altLang="en-US" dirty="0"/>
           </a:p>
           <a:p>
             <a:pPr marL="171450" indent="-171450">
@@ -7196,7 +7192,7 @@
               <a:defRPr/>
             </a:pPr>
             <a:r>
-              <a:rPr lang="en-US" altLang="en-US" dirty="0" smtClean="0"/>
+              <a:rPr lang="en-US" altLang="en-US" dirty="0"/>
               <a:t>IPsec provides three areas of protection that correspond to three IPsec protocols:</a:t>
             </a:r>
           </a:p>
@@ -7207,7 +7203,7 @@
               <a:defRPr/>
             </a:pPr>
             <a:r>
-              <a:rPr lang="en-US" altLang="en-US" dirty="0" smtClean="0"/>
+              <a:rPr lang="en-US" altLang="en-US" dirty="0"/>
               <a:t>Authentication</a:t>
             </a:r>
           </a:p>
@@ -7218,7 +7214,7 @@
               <a:defRPr/>
             </a:pPr>
             <a:r>
-              <a:rPr lang="en-US" altLang="en-US" dirty="0" smtClean="0"/>
+              <a:rPr lang="en-US" altLang="en-US" dirty="0"/>
               <a:t>Confidentiality</a:t>
             </a:r>
           </a:p>
@@ -7229,7 +7225,7 @@
               <a:defRPr/>
             </a:pPr>
             <a:r>
-              <a:rPr lang="en-US" altLang="en-US" dirty="0" smtClean="0"/>
+              <a:rPr lang="en-US" altLang="en-US" dirty="0"/>
               <a:t>Key management</a:t>
             </a:r>
           </a:p>
@@ -7240,7 +7236,7 @@
               <a:defRPr/>
             </a:pPr>
             <a:r>
-              <a:rPr lang="en-US" altLang="en-US" dirty="0" smtClean="0"/>
+              <a:rPr lang="en-US" altLang="en-US" dirty="0"/>
               <a:t>Supports two encryption modes: </a:t>
             </a:r>
           </a:p>
@@ -7251,7 +7247,7 @@
               <a:defRPr/>
             </a:pPr>
             <a:r>
-              <a:rPr lang="en-US" altLang="en-US" dirty="0" smtClean="0"/>
+              <a:rPr lang="en-US" altLang="en-US" dirty="0"/>
               <a:t>Transport - encrypts only the data portion of each packet and leaves the header unencrypted</a:t>
             </a:r>
           </a:p>
@@ -7262,7 +7258,7 @@
               <a:defRPr/>
             </a:pPr>
             <a:r>
-              <a:rPr lang="en-US" altLang="en-US" dirty="0" smtClean="0"/>
+              <a:rPr lang="en-US" altLang="en-US" dirty="0"/>
               <a:t>Tunnel - encrypts both the header and the data portion</a:t>
             </a:r>
           </a:p>
@@ -7327,14 +7323,14 @@
           <a:ln/>
           <a:extLst>
             <a:ext uri="{909E8E84-426E-40dd-AFC4-6F175D3DCCD1}">
-              <a14:hiddenFill xmlns:a14="http://schemas.microsoft.com/office/drawing/2010/main">
+              <a14:hiddenFill xmlns:a14="http://schemas.microsoft.com/office/drawing/2010/main" xmlns="">
                 <a:solidFill>
                   <a:srgbClr val="FFFFFF"/>
                 </a:solidFill>
               </a14:hiddenFill>
             </a:ext>
             <a:ext uri="{91240B29-F687-4f45-9708-019B960494DF}">
-              <a14:hiddenLine xmlns:a14="http://schemas.microsoft.com/office/drawing/2010/main" w="9525">
+              <a14:hiddenLine xmlns:a14="http://schemas.microsoft.com/office/drawing/2010/main" xmlns="" w="9525">
                 <a:solidFill>
                   <a:srgbClr val="000000"/>
                 </a:solidFill>
@@ -7350,16 +7346,16 @@
           <a:lstStyle/>
           <a:p>
             <a:r>
-              <a:rPr lang="en-US" altLang="en-US" smtClean="0"/>
+              <a:rPr lang="en-US" altLang="en-US"/>
               <a:t>IP Security (IPsec)</a:t>
             </a:r>
           </a:p>
           <a:p>
-            <a:endParaRPr lang="en-US" altLang="en-US" smtClean="0"/>
-          </a:p>
-          <a:p>
-            <a:r>
-              <a:rPr lang="en-US" altLang="en-US" smtClean="0"/>
+            <a:endParaRPr lang="en-US" altLang="en-US"/>
+          </a:p>
+          <a:p>
+            <a:r>
+              <a:rPr lang="en-US" altLang="en-US"/>
               <a:t>Figure 6-12  New IPsec packet using tunnel mode</a:t>
             </a:r>
           </a:p>
@@ -7423,14 +7419,14 @@
           <a:ln/>
           <a:extLst>
             <a:ext uri="{909E8E84-426E-40dd-AFC4-6F175D3DCCD1}">
-              <a14:hiddenFill xmlns:a14="http://schemas.microsoft.com/office/drawing/2010/main">
+              <a14:hiddenFill xmlns:a14="http://schemas.microsoft.com/office/drawing/2010/main" xmlns="">
                 <a:solidFill>
                   <a:srgbClr val="FFFFFF"/>
                 </a:solidFill>
               </a14:hiddenFill>
             </a:ext>
             <a:ext uri="{91240B29-F687-4f45-9708-019B960494DF}">
-              <a14:hiddenLine xmlns:a14="http://schemas.microsoft.com/office/drawing/2010/main" w="9525">
+              <a14:hiddenLine xmlns:a14="http://schemas.microsoft.com/office/drawing/2010/main" xmlns="" w="9525">
                 <a:solidFill>
                   <a:srgbClr val="000000"/>
                 </a:solidFill>
@@ -7448,14 +7444,14 @@
             <a:pPr>
               <a:defRPr/>
             </a:pPr>
-            <a:endParaRPr lang="en-US" altLang="en-US" dirty="0" smtClean="0"/>
+            <a:endParaRPr lang="en-US" altLang="en-US" dirty="0"/>
           </a:p>
           <a:p>
             <a:pPr>
               <a:defRPr/>
             </a:pPr>
             <a:r>
-              <a:rPr lang="en-US" altLang="en-US" dirty="0" smtClean="0"/>
+              <a:rPr lang="en-US" altLang="en-US" dirty="0"/>
               <a:t>Managing Digital Certificates</a:t>
             </a:r>
           </a:p>
@@ -7465,7 +7461,7 @@
               <a:buChar char="•"/>
               <a:defRPr/>
             </a:pPr>
-            <a:endParaRPr lang="en-US" altLang="en-US" dirty="0" smtClean="0"/>
+            <a:endParaRPr lang="en-US" altLang="en-US" dirty="0"/>
           </a:p>
           <a:p>
             <a:pPr marL="171450" indent="-171450">
@@ -7474,7 +7470,7 @@
               <a:defRPr/>
             </a:pPr>
             <a:r>
-              <a:rPr lang="en-US" altLang="en-US" dirty="0" smtClean="0"/>
+              <a:rPr lang="en-US" altLang="en-US" dirty="0"/>
               <a:t>Technologies used for managing digital certificates</a:t>
             </a:r>
           </a:p>
@@ -7485,7 +7481,7 @@
               <a:defRPr/>
             </a:pPr>
             <a:r>
-              <a:rPr lang="en-US" altLang="en-US" dirty="0" smtClean="0"/>
+              <a:rPr lang="en-US" altLang="en-US" dirty="0"/>
               <a:t>Certificate Authority (CA)</a:t>
             </a:r>
           </a:p>
@@ -7496,7 +7492,7 @@
               <a:defRPr/>
             </a:pPr>
             <a:r>
-              <a:rPr lang="en-US" altLang="en-US" dirty="0" smtClean="0"/>
+              <a:rPr lang="en-US" altLang="en-US" dirty="0"/>
               <a:t>Registration Authority (RA)</a:t>
             </a:r>
           </a:p>
@@ -7507,7 +7503,7 @@
               <a:defRPr/>
             </a:pPr>
             <a:r>
-              <a:rPr lang="en-US" altLang="en-US" dirty="0" smtClean="0"/>
+              <a:rPr lang="en-US" altLang="en-US" dirty="0"/>
               <a:t>Certificate Repository (CR)</a:t>
             </a:r>
           </a:p>
@@ -7518,7 +7514,7 @@
               <a:defRPr/>
             </a:pPr>
             <a:r>
-              <a:rPr lang="en-US" altLang="en-US" dirty="0" smtClean="0"/>
+              <a:rPr lang="en-US" altLang="en-US" dirty="0"/>
               <a:t>Certificate Authority (CA)</a:t>
             </a:r>
           </a:p>
@@ -7529,7 +7525,7 @@
               <a:defRPr/>
             </a:pPr>
             <a:r>
-              <a:rPr lang="en-US" altLang="en-US" dirty="0" smtClean="0"/>
+              <a:rPr lang="en-US" altLang="en-US" dirty="0"/>
               <a:t>Serves as the trusted third party agency</a:t>
             </a:r>
           </a:p>
@@ -7540,7 +7536,7 @@
               <a:defRPr/>
             </a:pPr>
             <a:r>
-              <a:rPr lang="en-US" altLang="en-US" dirty="0" smtClean="0"/>
+              <a:rPr lang="en-US" altLang="en-US" dirty="0"/>
               <a:t>Responsible for issuing digital certificates</a:t>
             </a:r>
           </a:p>
@@ -7551,7 +7547,7 @@
               <a:defRPr/>
             </a:pPr>
             <a:r>
-              <a:rPr lang="en-US" altLang="en-US" dirty="0" smtClean="0"/>
+              <a:rPr lang="en-US" altLang="en-US" dirty="0"/>
               <a:t>A CA can be internal or external to an organization</a:t>
             </a:r>
           </a:p>
@@ -7559,13 +7555,13 @@
             <a:pPr lvl="1">
               <a:defRPr/>
             </a:pPr>
-            <a:endParaRPr lang="en-US" altLang="en-US" dirty="0" smtClean="0"/>
+            <a:endParaRPr lang="en-US" altLang="en-US" dirty="0"/>
           </a:p>
           <a:p>
             <a:pPr>
               <a:defRPr/>
             </a:pPr>
-            <a:endParaRPr lang="en-US" altLang="en-US" dirty="0" smtClean="0"/>
+            <a:endParaRPr lang="en-US" altLang="en-US" dirty="0"/>
           </a:p>
         </p:txBody>
       </p:sp>
@@ -7627,14 +7623,14 @@
           <a:ln/>
           <a:extLst>
             <a:ext uri="{909E8E84-426E-40dd-AFC4-6F175D3DCCD1}">
-              <a14:hiddenFill xmlns:a14="http://schemas.microsoft.com/office/drawing/2010/main">
+              <a14:hiddenFill xmlns:a14="http://schemas.microsoft.com/office/drawing/2010/main" xmlns="">
                 <a:solidFill>
                   <a:srgbClr val="FFFFFF"/>
                 </a:solidFill>
               </a14:hiddenFill>
             </a:ext>
             <a:ext uri="{91240B29-F687-4f45-9708-019B960494DF}">
-              <a14:hiddenLine xmlns:a14="http://schemas.microsoft.com/office/drawing/2010/main" w="9525">
+              <a14:hiddenLine xmlns:a14="http://schemas.microsoft.com/office/drawing/2010/main" xmlns="" w="9525">
                 <a:solidFill>
                   <a:srgbClr val="000000"/>
                 </a:solidFill>
@@ -7652,14 +7648,14 @@
             <a:pPr>
               <a:defRPr/>
             </a:pPr>
-            <a:endParaRPr lang="en-US" altLang="en-US" dirty="0" smtClean="0"/>
+            <a:endParaRPr lang="en-US" altLang="en-US" dirty="0"/>
           </a:p>
           <a:p>
             <a:pPr>
               <a:defRPr/>
             </a:pPr>
             <a:r>
-              <a:rPr lang="en-US" altLang="en-US" dirty="0" smtClean="0"/>
+              <a:rPr lang="en-US" altLang="en-US" dirty="0"/>
               <a:t>Managing Digital Certificates</a:t>
             </a:r>
           </a:p>
@@ -7669,7 +7665,7 @@
               <a:buChar char="•"/>
               <a:defRPr/>
             </a:pPr>
-            <a:endParaRPr lang="en-US" altLang="en-US" dirty="0" smtClean="0"/>
+            <a:endParaRPr lang="en-US" altLang="en-US" dirty="0"/>
           </a:p>
           <a:p>
             <a:pPr marL="171450" indent="-171450">
@@ -7678,7 +7674,7 @@
               <a:defRPr/>
             </a:pPr>
             <a:r>
-              <a:rPr lang="en-US" altLang="en-US" dirty="0" smtClean="0"/>
+              <a:rPr lang="en-US" altLang="en-US" dirty="0"/>
               <a:t>Duties of a CA</a:t>
             </a:r>
           </a:p>
@@ -7689,7 +7685,7 @@
               <a:defRPr/>
             </a:pPr>
             <a:r>
-              <a:rPr lang="en-US" altLang="en-US" dirty="0" smtClean="0"/>
+              <a:rPr lang="en-US" altLang="en-US" dirty="0"/>
               <a:t>Generate, issue, an distribute public key certificates</a:t>
             </a:r>
           </a:p>
@@ -7700,7 +7696,7 @@
               <a:defRPr/>
             </a:pPr>
             <a:r>
-              <a:rPr lang="en-US" altLang="en-US" dirty="0" smtClean="0"/>
+              <a:rPr lang="en-US" altLang="en-US" dirty="0"/>
               <a:t>Distribute CA certificates</a:t>
             </a:r>
           </a:p>
@@ -7711,7 +7707,7 @@
               <a:defRPr/>
             </a:pPr>
             <a:r>
-              <a:rPr lang="en-US" altLang="en-US" dirty="0" smtClean="0"/>
+              <a:rPr lang="en-US" altLang="en-US" dirty="0"/>
               <a:t>Generate and publish certificate status information</a:t>
             </a:r>
           </a:p>
@@ -7722,7 +7718,7 @@
               <a:defRPr/>
             </a:pPr>
             <a:r>
-              <a:rPr lang="en-US" altLang="en-US" dirty="0" smtClean="0"/>
+              <a:rPr lang="en-US" altLang="en-US" dirty="0"/>
               <a:t>Provide a means for subscribers to request revocation</a:t>
             </a:r>
           </a:p>
@@ -7733,7 +7729,7 @@
               <a:defRPr/>
             </a:pPr>
             <a:r>
-              <a:rPr lang="en-US" altLang="en-US" dirty="0" smtClean="0"/>
+              <a:rPr lang="en-US" altLang="en-US" dirty="0"/>
               <a:t>Revoke public-key certificates</a:t>
             </a:r>
           </a:p>
@@ -7744,7 +7740,7 @@
               <a:defRPr/>
             </a:pPr>
             <a:r>
-              <a:rPr lang="en-US" altLang="en-US" dirty="0" smtClean="0"/>
+              <a:rPr lang="en-US" altLang="en-US" dirty="0"/>
               <a:t>Maintain security, availability, and continuity of certificate issuance signing functions</a:t>
             </a:r>
           </a:p>
@@ -7752,7 +7748,7 @@
             <a:pPr>
               <a:defRPr/>
             </a:pPr>
-            <a:endParaRPr lang="en-US" altLang="en-US" dirty="0" smtClean="0"/>
+            <a:endParaRPr lang="en-US" altLang="en-US" dirty="0"/>
           </a:p>
         </p:txBody>
       </p:sp>
@@ -7814,14 +7810,14 @@
           <a:ln/>
           <a:extLst>
             <a:ext uri="{909E8E84-426E-40dd-AFC4-6F175D3DCCD1}">
-              <a14:hiddenFill xmlns:a14="http://schemas.microsoft.com/office/drawing/2010/main">
+              <a14:hiddenFill xmlns:a14="http://schemas.microsoft.com/office/drawing/2010/main" xmlns="">
                 <a:solidFill>
                   <a:srgbClr val="FFFFFF"/>
                 </a:solidFill>
               </a14:hiddenFill>
             </a:ext>
             <a:ext uri="{91240B29-F687-4f45-9708-019B960494DF}">
-              <a14:hiddenLine xmlns:a14="http://schemas.microsoft.com/office/drawing/2010/main" w="9525">
+              <a14:hiddenLine xmlns:a14="http://schemas.microsoft.com/office/drawing/2010/main" xmlns="" w="9525">
                 <a:solidFill>
                   <a:srgbClr val="000000"/>
                 </a:solidFill>
@@ -7840,10 +7836,10 @@
               <a:defRPr/>
             </a:pPr>
             <a:r>
-              <a:rPr lang="en-US" altLang="en-US" smtClean="0"/>
+              <a:rPr lang="en-US" altLang="en-US"/>
               <a:t>10 AM 2/13/17</a:t>
             </a:r>
-            <a:endParaRPr lang="en-US" altLang="en-US" dirty="0" smtClean="0"/>
+            <a:endParaRPr lang="en-US" altLang="en-US" dirty="0"/>
           </a:p>
           <a:p>
             <a:pPr marL="171450" indent="-171450">
@@ -7851,7 +7847,7 @@
               <a:buChar char="•"/>
               <a:defRPr/>
             </a:pPr>
-            <a:endParaRPr lang="en-US" altLang="en-US" dirty="0" smtClean="0"/>
+            <a:endParaRPr lang="en-US" altLang="en-US" dirty="0"/>
           </a:p>
           <a:p>
             <a:pPr marL="171450" indent="-171450">
@@ -7860,7 +7856,7 @@
               <a:defRPr/>
             </a:pPr>
             <a:r>
-              <a:rPr lang="en-US" altLang="en-US" dirty="0" smtClean="0"/>
+              <a:rPr lang="en-US" altLang="en-US" dirty="0"/>
               <a:t>A subscriber requesting a digital certificate</a:t>
             </a:r>
           </a:p>
@@ -7871,7 +7867,7 @@
               <a:defRPr/>
             </a:pPr>
             <a:r>
-              <a:rPr lang="en-US" altLang="en-US" dirty="0" smtClean="0"/>
+              <a:rPr lang="en-US" altLang="en-US" dirty="0"/>
               <a:t>Generates public and private keys</a:t>
             </a:r>
           </a:p>
@@ -7882,7 +7878,7 @@
               <a:defRPr/>
             </a:pPr>
             <a:r>
-              <a:rPr lang="en-US" altLang="en-US" dirty="0" smtClean="0"/>
+              <a:rPr lang="en-US" altLang="en-US" dirty="0"/>
               <a:t>Generates a Certificate Signing Request (CSR)</a:t>
             </a:r>
           </a:p>
@@ -7893,7 +7889,7 @@
               <a:defRPr/>
             </a:pPr>
             <a:r>
-              <a:rPr lang="en-US" altLang="en-US" dirty="0" smtClean="0"/>
+              <a:rPr lang="en-US" altLang="en-US" dirty="0"/>
               <a:t>A specifically formatted encrypted message that validates the information the CA requires to issue a digital certificate</a:t>
             </a:r>
           </a:p>
@@ -7904,7 +7900,7 @@
               <a:defRPr/>
             </a:pPr>
             <a:r>
-              <a:rPr lang="en-US" altLang="en-US" dirty="0" smtClean="0"/>
+              <a:rPr lang="en-US" altLang="en-US" dirty="0"/>
               <a:t>CA inserts public key into certificate</a:t>
             </a:r>
           </a:p>
@@ -7915,7 +7911,7 @@
               <a:defRPr/>
             </a:pPr>
             <a:r>
-              <a:rPr lang="en-US" altLang="en-US" dirty="0" smtClean="0"/>
+              <a:rPr lang="en-US" altLang="en-US" dirty="0"/>
               <a:t>Certificates are digitally signed with private key of issuing CA</a:t>
             </a:r>
           </a:p>
@@ -7923,7 +7919,7 @@
             <a:pPr>
               <a:defRPr/>
             </a:pPr>
-            <a:endParaRPr lang="en-US" altLang="en-US" dirty="0" smtClean="0"/>
+            <a:endParaRPr lang="en-US" altLang="en-US" dirty="0"/>
           </a:p>
         </p:txBody>
       </p:sp>
@@ -7985,14 +7981,14 @@
           <a:ln/>
           <a:extLst>
             <a:ext uri="{909E8E84-426E-40dd-AFC4-6F175D3DCCD1}">
-              <a14:hiddenFill xmlns:a14="http://schemas.microsoft.com/office/drawing/2010/main">
+              <a14:hiddenFill xmlns:a14="http://schemas.microsoft.com/office/drawing/2010/main" xmlns="">
                 <a:solidFill>
                   <a:srgbClr val="FFFFFF"/>
                 </a:solidFill>
               </a14:hiddenFill>
             </a:ext>
             <a:ext uri="{91240B29-F687-4f45-9708-019B960494DF}">
-              <a14:hiddenLine xmlns:a14="http://schemas.microsoft.com/office/drawing/2010/main" w="9525">
+              <a14:hiddenLine xmlns:a14="http://schemas.microsoft.com/office/drawing/2010/main" xmlns="" w="9525">
                 <a:solidFill>
                   <a:srgbClr val="000000"/>
                 </a:solidFill>
@@ -8011,7 +8007,7 @@
               <a:defRPr/>
             </a:pPr>
             <a:r>
-              <a:rPr lang="en-US" altLang="en-US" dirty="0" smtClean="0"/>
+              <a:rPr lang="en-US" altLang="en-US" dirty="0"/>
               <a:t>Managing Digital Certificates</a:t>
             </a:r>
           </a:p>
@@ -8021,7 +8017,7 @@
               <a:buChar char="•"/>
               <a:defRPr/>
             </a:pPr>
-            <a:endParaRPr lang="en-US" altLang="en-US" dirty="0" smtClean="0"/>
+            <a:endParaRPr lang="en-US" altLang="en-US" dirty="0"/>
           </a:p>
           <a:p>
             <a:pPr marL="171450" indent="-171450">
@@ -8030,7 +8026,7 @@
               <a:defRPr/>
             </a:pPr>
             <a:r>
-              <a:rPr lang="en-US" altLang="en-US" dirty="0" smtClean="0"/>
+              <a:rPr lang="en-US" altLang="en-US" dirty="0"/>
               <a:t>Registration Authority (RA)</a:t>
             </a:r>
           </a:p>
@@ -8041,7 +8037,7 @@
               <a:defRPr/>
             </a:pPr>
             <a:r>
-              <a:rPr lang="en-US" altLang="en-US" dirty="0" smtClean="0"/>
+              <a:rPr lang="en-US" altLang="en-US" dirty="0"/>
               <a:t>A subordinate entity designed to handle specific CA tasks</a:t>
             </a:r>
           </a:p>
@@ -8052,7 +8048,7 @@
               <a:defRPr/>
             </a:pPr>
             <a:r>
-              <a:rPr lang="en-US" altLang="en-US" dirty="0" smtClean="0"/>
+              <a:rPr lang="en-US" altLang="en-US" dirty="0"/>
               <a:t>Offloading registration functions creates improved workflow for CA</a:t>
             </a:r>
           </a:p>
@@ -8063,7 +8059,7 @@
               <a:defRPr/>
             </a:pPr>
             <a:r>
-              <a:rPr lang="en-US" altLang="en-US" dirty="0" smtClean="0"/>
+              <a:rPr lang="en-US" altLang="en-US" dirty="0"/>
               <a:t>General duties of an RA</a:t>
             </a:r>
           </a:p>
@@ -8074,7 +8070,7 @@
               <a:defRPr/>
             </a:pPr>
             <a:r>
-              <a:rPr lang="en-US" altLang="en-US" dirty="0" smtClean="0"/>
+              <a:rPr lang="en-US" altLang="en-US" dirty="0"/>
               <a:t>Receive, authenticate, and process certificate revocation requests</a:t>
             </a:r>
           </a:p>
@@ -8085,7 +8081,7 @@
               <a:defRPr/>
             </a:pPr>
             <a:r>
-              <a:rPr lang="en-US" altLang="en-US" dirty="0" smtClean="0"/>
+              <a:rPr lang="en-US" altLang="en-US" dirty="0"/>
               <a:t>Identify and authenticate subscribers</a:t>
             </a:r>
           </a:p>
@@ -8093,7 +8089,7 @@
             <a:pPr>
               <a:defRPr/>
             </a:pPr>
-            <a:endParaRPr lang="en-US" altLang="en-US" dirty="0" smtClean="0"/>
+            <a:endParaRPr lang="en-US" altLang="en-US" dirty="0"/>
           </a:p>
         </p:txBody>
       </p:sp>
@@ -8155,14 +8151,14 @@
           <a:ln/>
           <a:extLst>
             <a:ext uri="{909E8E84-426E-40dd-AFC4-6F175D3DCCD1}">
-              <a14:hiddenFill xmlns:a14="http://schemas.microsoft.com/office/drawing/2010/main">
+              <a14:hiddenFill xmlns:a14="http://schemas.microsoft.com/office/drawing/2010/main" xmlns="">
                 <a:solidFill>
                   <a:srgbClr val="FFFFFF"/>
                 </a:solidFill>
               </a14:hiddenFill>
             </a:ext>
             <a:ext uri="{91240B29-F687-4f45-9708-019B960494DF}">
-              <a14:hiddenLine xmlns:a14="http://schemas.microsoft.com/office/drawing/2010/main" w="9525">
+              <a14:hiddenLine xmlns:a14="http://schemas.microsoft.com/office/drawing/2010/main" xmlns="" w="9525">
                 <a:solidFill>
                   <a:srgbClr val="000000"/>
                 </a:solidFill>
@@ -8181,7 +8177,7 @@
               <a:defRPr/>
             </a:pPr>
             <a:r>
-              <a:rPr lang="en-US" altLang="en-US" dirty="0" smtClean="0"/>
+              <a:rPr lang="en-US" altLang="en-US" dirty="0"/>
               <a:t>Managing Digital Certificates</a:t>
             </a:r>
           </a:p>
@@ -8191,7 +8187,7 @@
               <a:buChar char="•"/>
               <a:defRPr/>
             </a:pPr>
-            <a:endParaRPr lang="en-US" altLang="en-US" dirty="0" smtClean="0"/>
+            <a:endParaRPr lang="en-US" altLang="en-US" dirty="0"/>
           </a:p>
           <a:p>
             <a:pPr marL="171450" indent="-171450">
@@ -8200,7 +8196,7 @@
               <a:defRPr/>
             </a:pPr>
             <a:r>
-              <a:rPr lang="en-US" altLang="en-US" dirty="0" smtClean="0"/>
+              <a:rPr lang="en-US" altLang="en-US" dirty="0"/>
               <a:t>General duties of an RA (cont’d.)</a:t>
             </a:r>
           </a:p>
@@ -8211,7 +8207,7 @@
               <a:defRPr/>
             </a:pPr>
             <a:r>
-              <a:rPr lang="en-US" altLang="en-US" dirty="0" smtClean="0"/>
+              <a:rPr lang="en-US" altLang="en-US" dirty="0"/>
               <a:t>Obtain a public key from the subscriber</a:t>
             </a:r>
           </a:p>
@@ -8222,7 +8218,7 @@
               <a:defRPr/>
             </a:pPr>
             <a:r>
-              <a:rPr lang="en-US" altLang="en-US" dirty="0" smtClean="0"/>
+              <a:rPr lang="en-US" altLang="en-US" dirty="0"/>
               <a:t>Verify that the subscriber possesses the asymmetric private key corresponding to the public key submitted for certification</a:t>
             </a:r>
           </a:p>
@@ -8233,7 +8229,7 @@
               <a:defRPr/>
             </a:pPr>
             <a:r>
-              <a:rPr lang="en-US" altLang="en-US" dirty="0" smtClean="0"/>
+              <a:rPr lang="en-US" altLang="en-US" dirty="0"/>
               <a:t>Primary function of an RA</a:t>
             </a:r>
           </a:p>
@@ -8244,7 +8240,7 @@
               <a:defRPr/>
             </a:pPr>
             <a:r>
-              <a:rPr lang="en-US" altLang="en-US" dirty="0" smtClean="0"/>
+              <a:rPr lang="en-US" altLang="en-US" dirty="0"/>
               <a:t>Verify identity of an individual</a:t>
             </a:r>
           </a:p>
@@ -8252,7 +8248,7 @@
             <a:pPr>
               <a:defRPr/>
             </a:pPr>
-            <a:endParaRPr lang="en-US" altLang="en-US" dirty="0" smtClean="0"/>
+            <a:endParaRPr lang="en-US" altLang="en-US" dirty="0"/>
           </a:p>
         </p:txBody>
       </p:sp>
@@ -8531,10 +8527,9 @@
           <a:lstStyle/>
           <a:p>
             <a:r>
-              <a:rPr lang="en-US" smtClean="0"/>
+              <a:rPr lang="en-US"/>
               <a:t>Click to edit Master title style</a:t>
             </a:r>
-            <a:endParaRPr lang="en-US"/>
           </a:p>
         </p:txBody>
       </p:sp>
@@ -8555,38 +8550,37 @@
           <a:p>
             <a:pPr lvl="0"/>
             <a:r>
-              <a:rPr lang="en-US" smtClean="0"/>
+              <a:rPr lang="en-US"/>
               <a:t>Click to edit Master text styles</a:t>
             </a:r>
           </a:p>
           <a:p>
             <a:pPr lvl="1"/>
             <a:r>
-              <a:rPr lang="en-US" smtClean="0"/>
+              <a:rPr lang="en-US"/>
               <a:t>Second level</a:t>
             </a:r>
           </a:p>
           <a:p>
             <a:pPr lvl="2"/>
             <a:r>
-              <a:rPr lang="en-US" smtClean="0"/>
+              <a:rPr lang="en-US"/>
               <a:t>Third level</a:t>
             </a:r>
           </a:p>
           <a:p>
             <a:pPr lvl="3"/>
             <a:r>
-              <a:rPr lang="en-US" smtClean="0"/>
+              <a:rPr lang="en-US"/>
               <a:t>Fourth level</a:t>
             </a:r>
           </a:p>
           <a:p>
             <a:pPr lvl="4"/>
             <a:r>
-              <a:rPr lang="en-US" smtClean="0"/>
+              <a:rPr lang="en-US"/>
               <a:t>Fifth level</a:t>
             </a:r>
-            <a:endParaRPr lang="en-US"/>
           </a:p>
         </p:txBody>
       </p:sp>
@@ -8707,10 +8701,9 @@
           <a:lstStyle/>
           <a:p>
             <a:r>
-              <a:rPr lang="en-US" smtClean="0"/>
+              <a:rPr lang="en-US"/>
               <a:t>Click to edit Master title style</a:t>
             </a:r>
-            <a:endParaRPr lang="en-US"/>
           </a:p>
         </p:txBody>
       </p:sp>
@@ -8736,38 +8729,37 @@
           <a:p>
             <a:pPr lvl="0"/>
             <a:r>
-              <a:rPr lang="en-US" smtClean="0"/>
+              <a:rPr lang="en-US"/>
               <a:t>Click to edit Master text styles</a:t>
             </a:r>
           </a:p>
           <a:p>
             <a:pPr lvl="1"/>
             <a:r>
-              <a:rPr lang="en-US" smtClean="0"/>
+              <a:rPr lang="en-US"/>
               <a:t>Second level</a:t>
             </a:r>
           </a:p>
           <a:p>
             <a:pPr lvl="2"/>
             <a:r>
-              <a:rPr lang="en-US" smtClean="0"/>
+              <a:rPr lang="en-US"/>
               <a:t>Third level</a:t>
             </a:r>
           </a:p>
           <a:p>
             <a:pPr lvl="3"/>
             <a:r>
-              <a:rPr lang="en-US" smtClean="0"/>
+              <a:rPr lang="en-US"/>
               <a:t>Fourth level</a:t>
             </a:r>
           </a:p>
           <a:p>
             <a:pPr lvl="4"/>
             <a:r>
-              <a:rPr lang="en-US" smtClean="0"/>
+              <a:rPr lang="en-US"/>
               <a:t>Fifth level</a:t>
             </a:r>
-            <a:endParaRPr lang="en-US"/>
           </a:p>
         </p:txBody>
       </p:sp>
@@ -8888,10 +8880,9 @@
           <a:lstStyle/>
           <a:p>
             <a:r>
-              <a:rPr lang="en-US" smtClean="0"/>
+              <a:rPr lang="en-US"/>
               <a:t>Click to edit Master title style</a:t>
             </a:r>
-            <a:endParaRPr lang="en-US"/>
           </a:p>
         </p:txBody>
       </p:sp>
@@ -8953,10 +8944,9 @@
           </a:lstStyle>
           <a:p>
             <a:r>
-              <a:rPr lang="en-US" smtClean="0"/>
+              <a:rPr lang="en-US"/>
               <a:t>Click to edit Master subtitle style</a:t>
             </a:r>
-            <a:endParaRPr lang="en-US"/>
           </a:p>
         </p:txBody>
       </p:sp>
@@ -9100,10 +9090,9 @@
           <a:lstStyle/>
           <a:p>
             <a:r>
-              <a:rPr lang="en-US" smtClean="0"/>
+              <a:rPr lang="en-US"/>
               <a:t>Click to edit Master title style</a:t>
             </a:r>
-            <a:endParaRPr lang="en-US"/>
           </a:p>
         </p:txBody>
       </p:sp>
@@ -9124,38 +9113,37 @@
           <a:p>
             <a:pPr lvl="0"/>
             <a:r>
-              <a:rPr lang="en-US" smtClean="0"/>
+              <a:rPr lang="en-US"/>
               <a:t>Click to edit Master text styles</a:t>
             </a:r>
           </a:p>
           <a:p>
             <a:pPr lvl="1"/>
             <a:r>
-              <a:rPr lang="en-US" smtClean="0"/>
+              <a:rPr lang="en-US"/>
               <a:t>Second level</a:t>
             </a:r>
           </a:p>
           <a:p>
             <a:pPr lvl="2"/>
             <a:r>
-              <a:rPr lang="en-US" smtClean="0"/>
+              <a:rPr lang="en-US"/>
               <a:t>Third level</a:t>
             </a:r>
           </a:p>
           <a:p>
             <a:pPr lvl="3"/>
             <a:r>
-              <a:rPr lang="en-US" smtClean="0"/>
+              <a:rPr lang="en-US"/>
               <a:t>Fourth level</a:t>
             </a:r>
           </a:p>
           <a:p>
             <a:pPr lvl="4"/>
             <a:r>
-              <a:rPr lang="en-US" smtClean="0"/>
+              <a:rPr lang="en-US"/>
               <a:t>Fifth level</a:t>
             </a:r>
-            <a:endParaRPr lang="en-US"/>
           </a:p>
         </p:txBody>
       </p:sp>
@@ -9308,10 +9296,9 @@
           </a:lstStyle>
           <a:p>
             <a:r>
-              <a:rPr lang="en-US" smtClean="0"/>
+              <a:rPr lang="en-US"/>
               <a:t>Click to edit Master title style</a:t>
             </a:r>
-            <a:endParaRPr lang="en-US"/>
           </a:p>
         </p:txBody>
       </p:sp>
@@ -9374,7 +9361,7 @@
           <a:p>
             <a:pPr lvl="0"/>
             <a:r>
-              <a:rPr lang="en-US" smtClean="0"/>
+              <a:rPr lang="en-US"/>
               <a:t>Click to edit Master text styles</a:t>
             </a:r>
           </a:p>
@@ -9520,10 +9507,9 @@
           <a:lstStyle/>
           <a:p>
             <a:r>
-              <a:rPr lang="en-US" smtClean="0"/>
+              <a:rPr lang="en-US"/>
               <a:t>Click to edit Master title style</a:t>
             </a:r>
-            <a:endParaRPr lang="en-US"/>
           </a:p>
         </p:txBody>
       </p:sp>
@@ -9577,38 +9563,37 @@
           <a:p>
             <a:pPr lvl="0"/>
             <a:r>
-              <a:rPr lang="en-US" smtClean="0"/>
+              <a:rPr lang="en-US"/>
               <a:t>Click to edit Master text styles</a:t>
             </a:r>
           </a:p>
           <a:p>
             <a:pPr lvl="1"/>
             <a:r>
-              <a:rPr lang="en-US" smtClean="0"/>
+              <a:rPr lang="en-US"/>
               <a:t>Second level</a:t>
             </a:r>
           </a:p>
           <a:p>
             <a:pPr lvl="2"/>
             <a:r>
-              <a:rPr lang="en-US" smtClean="0"/>
+              <a:rPr lang="en-US"/>
               <a:t>Third level</a:t>
             </a:r>
           </a:p>
           <a:p>
             <a:pPr lvl="3"/>
             <a:r>
-              <a:rPr lang="en-US" smtClean="0"/>
+              <a:rPr lang="en-US"/>
               <a:t>Fourth level</a:t>
             </a:r>
           </a:p>
           <a:p>
             <a:pPr lvl="4"/>
             <a:r>
-              <a:rPr lang="en-US" smtClean="0"/>
+              <a:rPr lang="en-US"/>
               <a:t>Fifth level</a:t>
             </a:r>
-            <a:endParaRPr lang="en-US"/>
           </a:p>
         </p:txBody>
       </p:sp>
@@ -9662,38 +9647,37 @@
           <a:p>
             <a:pPr lvl="0"/>
             <a:r>
-              <a:rPr lang="en-US" smtClean="0"/>
+              <a:rPr lang="en-US"/>
               <a:t>Click to edit Master text styles</a:t>
             </a:r>
           </a:p>
           <a:p>
             <a:pPr lvl="1"/>
             <a:r>
-              <a:rPr lang="en-US" smtClean="0"/>
+              <a:rPr lang="en-US"/>
               <a:t>Second level</a:t>
             </a:r>
           </a:p>
           <a:p>
             <a:pPr lvl="2"/>
             <a:r>
-              <a:rPr lang="en-US" smtClean="0"/>
+              <a:rPr lang="en-US"/>
               <a:t>Third level</a:t>
             </a:r>
           </a:p>
           <a:p>
             <a:pPr lvl="3"/>
             <a:r>
-              <a:rPr lang="en-US" smtClean="0"/>
+              <a:rPr lang="en-US"/>
               <a:t>Fourth level</a:t>
             </a:r>
           </a:p>
           <a:p>
             <a:pPr lvl="4"/>
             <a:r>
-              <a:rPr lang="en-US" smtClean="0"/>
+              <a:rPr lang="en-US"/>
               <a:t>Fifth level</a:t>
             </a:r>
-            <a:endParaRPr lang="en-US"/>
           </a:p>
         </p:txBody>
       </p:sp>
@@ -9846,10 +9830,9 @@
           </a:lstStyle>
           <a:p>
             <a:r>
-              <a:rPr lang="en-US" smtClean="0"/>
+              <a:rPr lang="en-US"/>
               <a:t>Click to edit Master title style</a:t>
             </a:r>
-            <a:endParaRPr lang="en-US"/>
           </a:p>
         </p:txBody>
       </p:sp>
@@ -9912,7 +9895,7 @@
           <a:p>
             <a:pPr lvl="0"/>
             <a:r>
-              <a:rPr lang="en-US" smtClean="0"/>
+              <a:rPr lang="en-US"/>
               <a:t>Click to edit Master text styles</a:t>
             </a:r>
           </a:p>
@@ -9968,38 +9951,37 @@
           <a:p>
             <a:pPr lvl="0"/>
             <a:r>
-              <a:rPr lang="en-US" smtClean="0"/>
+              <a:rPr lang="en-US"/>
               <a:t>Click to edit Master text styles</a:t>
             </a:r>
           </a:p>
           <a:p>
             <a:pPr lvl="1"/>
             <a:r>
-              <a:rPr lang="en-US" smtClean="0"/>
+              <a:rPr lang="en-US"/>
               <a:t>Second level</a:t>
             </a:r>
           </a:p>
           <a:p>
             <a:pPr lvl="2"/>
             <a:r>
-              <a:rPr lang="en-US" smtClean="0"/>
+              <a:rPr lang="en-US"/>
               <a:t>Third level</a:t>
             </a:r>
           </a:p>
           <a:p>
             <a:pPr lvl="3"/>
             <a:r>
-              <a:rPr lang="en-US" smtClean="0"/>
+              <a:rPr lang="en-US"/>
               <a:t>Fourth level</a:t>
             </a:r>
           </a:p>
           <a:p>
             <a:pPr lvl="4"/>
             <a:r>
-              <a:rPr lang="en-US" smtClean="0"/>
+              <a:rPr lang="en-US"/>
               <a:t>Fifth level</a:t>
             </a:r>
-            <a:endParaRPr lang="en-US"/>
           </a:p>
         </p:txBody>
       </p:sp>
@@ -10062,7 +10044,7 @@
           <a:p>
             <a:pPr lvl="0"/>
             <a:r>
-              <a:rPr lang="en-US" smtClean="0"/>
+              <a:rPr lang="en-US"/>
               <a:t>Click to edit Master text styles</a:t>
             </a:r>
           </a:p>
@@ -10118,38 +10100,37 @@
           <a:p>
             <a:pPr lvl="0"/>
             <a:r>
-              <a:rPr lang="en-US" smtClean="0"/>
+              <a:rPr lang="en-US"/>
               <a:t>Click to edit Master text styles</a:t>
             </a:r>
           </a:p>
           <a:p>
             <a:pPr lvl="1"/>
             <a:r>
-              <a:rPr lang="en-US" smtClean="0"/>
+              <a:rPr lang="en-US"/>
               <a:t>Second level</a:t>
             </a:r>
           </a:p>
           <a:p>
             <a:pPr lvl="2"/>
             <a:r>
-              <a:rPr lang="en-US" smtClean="0"/>
+              <a:rPr lang="en-US"/>
               <a:t>Third level</a:t>
             </a:r>
           </a:p>
           <a:p>
             <a:pPr lvl="3"/>
             <a:r>
-              <a:rPr lang="en-US" smtClean="0"/>
+              <a:rPr lang="en-US"/>
               <a:t>Fourth level</a:t>
             </a:r>
           </a:p>
           <a:p>
             <a:pPr lvl="4"/>
             <a:r>
-              <a:rPr lang="en-US" smtClean="0"/>
+              <a:rPr lang="en-US"/>
               <a:t>Fifth level</a:t>
             </a:r>
-            <a:endParaRPr lang="en-US"/>
           </a:p>
         </p:txBody>
       </p:sp>
@@ -10293,10 +10274,9 @@
           <a:lstStyle/>
           <a:p>
             <a:r>
-              <a:rPr lang="en-US" smtClean="0"/>
+              <a:rPr lang="en-US"/>
               <a:t>Click to edit Master title style</a:t>
             </a:r>
-            <a:endParaRPr lang="en-US"/>
           </a:p>
         </p:txBody>
       </p:sp>
@@ -10573,10 +10553,9 @@
           </a:lstStyle>
           <a:p>
             <a:r>
-              <a:rPr lang="en-US" smtClean="0"/>
+              <a:rPr lang="en-US"/>
               <a:t>Click to edit Master title style</a:t>
             </a:r>
-            <a:endParaRPr lang="en-US"/>
           </a:p>
         </p:txBody>
       </p:sp>
@@ -10630,38 +10609,37 @@
           <a:p>
             <a:pPr lvl="0"/>
             <a:r>
-              <a:rPr lang="en-US" smtClean="0"/>
+              <a:rPr lang="en-US"/>
               <a:t>Click to edit Master text styles</a:t>
             </a:r>
           </a:p>
           <a:p>
             <a:pPr lvl="1"/>
             <a:r>
-              <a:rPr lang="en-US" smtClean="0"/>
+              <a:rPr lang="en-US"/>
               <a:t>Second level</a:t>
             </a:r>
           </a:p>
           <a:p>
             <a:pPr lvl="2"/>
             <a:r>
-              <a:rPr lang="en-US" smtClean="0"/>
+              <a:rPr lang="en-US"/>
               <a:t>Third level</a:t>
             </a:r>
           </a:p>
           <a:p>
             <a:pPr lvl="3"/>
             <a:r>
-              <a:rPr lang="en-US" smtClean="0"/>
+              <a:rPr lang="en-US"/>
               <a:t>Fourth level</a:t>
             </a:r>
           </a:p>
           <a:p>
             <a:pPr lvl="4"/>
             <a:r>
-              <a:rPr lang="en-US" smtClean="0"/>
+              <a:rPr lang="en-US"/>
               <a:t>Fifth level</a:t>
             </a:r>
-            <a:endParaRPr lang="en-US"/>
           </a:p>
         </p:txBody>
       </p:sp>
@@ -10724,7 +10702,7 @@
           <a:p>
             <a:pPr lvl="0"/>
             <a:r>
-              <a:rPr lang="en-US" smtClean="0"/>
+              <a:rPr lang="en-US"/>
               <a:t>Click to edit Master text styles</a:t>
             </a:r>
           </a:p>
@@ -10876,14 +10854,14 @@
           </a:ln>
           <a:extLst>
             <a:ext uri="{909E8E84-426E-40dd-AFC4-6F175D3DCCD1}">
-              <a14:hiddenFill xmlns:a14="http://schemas.microsoft.com/office/drawing/2010/main">
+              <a14:hiddenFill xmlns:a14="http://schemas.microsoft.com/office/drawing/2010/main" xmlns="">
                 <a:solidFill>
                   <a:srgbClr val="FFFFFF"/>
                 </a:solidFill>
               </a14:hiddenFill>
             </a:ext>
             <a:ext uri="{91240B29-F687-4f45-9708-019B960494DF}">
-              <a14:hiddenLine xmlns:a14="http://schemas.microsoft.com/office/drawing/2010/main" w="9525">
+              <a14:hiddenLine xmlns:a14="http://schemas.microsoft.com/office/drawing/2010/main" xmlns="" w="9525">
                 <a:solidFill>
                   <a:srgbClr val="000000"/>
                 </a:solidFill>
@@ -11056,10 +11034,9 @@
           <a:lstStyle/>
           <a:p>
             <a:r>
-              <a:rPr lang="en-US" dirty="0" smtClean="0"/>
+              <a:rPr lang="en-US" dirty="0"/>
               <a:t>Click to edit Master title style</a:t>
             </a:r>
-            <a:endParaRPr lang="en-US" dirty="0"/>
           </a:p>
         </p:txBody>
       </p:sp>
@@ -11080,38 +11057,37 @@
           <a:p>
             <a:pPr lvl="0"/>
             <a:r>
-              <a:rPr lang="en-US" smtClean="0"/>
+              <a:rPr lang="en-US"/>
               <a:t>Click to edit Master text styles</a:t>
             </a:r>
           </a:p>
           <a:p>
             <a:pPr lvl="1"/>
             <a:r>
-              <a:rPr lang="en-US" smtClean="0"/>
+              <a:rPr lang="en-US"/>
               <a:t>Second level</a:t>
             </a:r>
           </a:p>
           <a:p>
             <a:pPr lvl="2"/>
             <a:r>
-              <a:rPr lang="en-US" smtClean="0"/>
+              <a:rPr lang="en-US"/>
               <a:t>Third level</a:t>
             </a:r>
           </a:p>
           <a:p>
             <a:pPr lvl="3"/>
             <a:r>
-              <a:rPr lang="en-US" smtClean="0"/>
+              <a:rPr lang="en-US"/>
               <a:t>Fourth level</a:t>
             </a:r>
           </a:p>
           <a:p>
             <a:pPr lvl="4"/>
             <a:r>
-              <a:rPr lang="en-US" smtClean="0"/>
+              <a:rPr lang="en-US"/>
               <a:t>Fifth level</a:t>
             </a:r>
-            <a:endParaRPr lang="en-US"/>
           </a:p>
         </p:txBody>
       </p:sp>
@@ -11242,10 +11218,9 @@
           </a:lstStyle>
           <a:p>
             <a:r>
-              <a:rPr lang="en-US" smtClean="0"/>
+              <a:rPr lang="en-US"/>
               <a:t>Click to edit Master title style</a:t>
             </a:r>
-            <a:endParaRPr lang="en-US"/>
           </a:p>
         </p:txBody>
       </p:sp>
@@ -11307,7 +11282,7 @@
           </a:lstStyle>
           <a:p>
             <a:pPr lvl="0"/>
-            <a:endParaRPr lang="en-US" noProof="0" dirty="0" smtClean="0"/>
+            <a:endParaRPr lang="en-US" noProof="0" dirty="0"/>
           </a:p>
         </p:txBody>
       </p:sp>
@@ -11370,7 +11345,7 @@
           <a:p>
             <a:pPr lvl="0"/>
             <a:r>
-              <a:rPr lang="en-US" smtClean="0"/>
+              <a:rPr lang="en-US"/>
               <a:t>Click to edit Master text styles</a:t>
             </a:r>
           </a:p>
@@ -11516,10 +11491,9 @@
           <a:lstStyle/>
           <a:p>
             <a:r>
-              <a:rPr lang="en-US" smtClean="0"/>
+              <a:rPr lang="en-US"/>
               <a:t>Click to edit Master title style</a:t>
             </a:r>
-            <a:endParaRPr lang="en-US"/>
           </a:p>
         </p:txBody>
       </p:sp>
@@ -11540,38 +11514,37 @@
           <a:p>
             <a:pPr lvl="0"/>
             <a:r>
-              <a:rPr lang="en-US" smtClean="0"/>
+              <a:rPr lang="en-US"/>
               <a:t>Click to edit Master text styles</a:t>
             </a:r>
           </a:p>
           <a:p>
             <a:pPr lvl="1"/>
             <a:r>
-              <a:rPr lang="en-US" smtClean="0"/>
+              <a:rPr lang="en-US"/>
               <a:t>Second level</a:t>
             </a:r>
           </a:p>
           <a:p>
             <a:pPr lvl="2"/>
             <a:r>
-              <a:rPr lang="en-US" smtClean="0"/>
+              <a:rPr lang="en-US"/>
               <a:t>Third level</a:t>
             </a:r>
           </a:p>
           <a:p>
             <a:pPr lvl="3"/>
             <a:r>
-              <a:rPr lang="en-US" smtClean="0"/>
+              <a:rPr lang="en-US"/>
               <a:t>Fourth level</a:t>
             </a:r>
           </a:p>
           <a:p>
             <a:pPr lvl="4"/>
             <a:r>
-              <a:rPr lang="en-US" smtClean="0"/>
+              <a:rPr lang="en-US"/>
               <a:t>Fifth level</a:t>
             </a:r>
-            <a:endParaRPr lang="en-US"/>
           </a:p>
         </p:txBody>
       </p:sp>
@@ -11720,10 +11693,9 @@
           <a:lstStyle/>
           <a:p>
             <a:r>
-              <a:rPr lang="en-US" smtClean="0"/>
+              <a:rPr lang="en-US"/>
               <a:t>Click to edit Master title style</a:t>
             </a:r>
-            <a:endParaRPr lang="en-US"/>
           </a:p>
         </p:txBody>
       </p:sp>
@@ -11749,38 +11721,37 @@
           <a:p>
             <a:pPr lvl="0"/>
             <a:r>
-              <a:rPr lang="en-US" smtClean="0"/>
+              <a:rPr lang="en-US"/>
               <a:t>Click to edit Master text styles</a:t>
             </a:r>
           </a:p>
           <a:p>
             <a:pPr lvl="1"/>
             <a:r>
-              <a:rPr lang="en-US" smtClean="0"/>
+              <a:rPr lang="en-US"/>
               <a:t>Second level</a:t>
             </a:r>
           </a:p>
           <a:p>
             <a:pPr lvl="2"/>
             <a:r>
-              <a:rPr lang="en-US" smtClean="0"/>
+              <a:rPr lang="en-US"/>
               <a:t>Third level</a:t>
             </a:r>
           </a:p>
           <a:p>
             <a:pPr lvl="3"/>
             <a:r>
-              <a:rPr lang="en-US" smtClean="0"/>
+              <a:rPr lang="en-US"/>
               <a:t>Fourth level</a:t>
             </a:r>
           </a:p>
           <a:p>
             <a:pPr lvl="4"/>
             <a:r>
-              <a:rPr lang="en-US" smtClean="0"/>
+              <a:rPr lang="en-US"/>
               <a:t>Fifth level</a:t>
             </a:r>
-            <a:endParaRPr lang="en-US"/>
           </a:p>
         </p:txBody>
       </p:sp>
@@ -11933,10 +11904,9 @@
           </a:lstStyle>
           <a:p>
             <a:r>
-              <a:rPr lang="en-US" smtClean="0"/>
+              <a:rPr lang="en-US"/>
               <a:t>Click to edit Master title style</a:t>
             </a:r>
-            <a:endParaRPr lang="en-US"/>
           </a:p>
         </p:txBody>
       </p:sp>
@@ -11999,7 +11969,7 @@
           <a:p>
             <a:pPr lvl="0"/>
             <a:r>
-              <a:rPr lang="en-US" smtClean="0"/>
+              <a:rPr lang="en-US"/>
               <a:t>Click to edit Master text styles</a:t>
             </a:r>
           </a:p>
@@ -12117,10 +12087,9 @@
           <a:lstStyle/>
           <a:p>
             <a:r>
-              <a:rPr lang="en-US" smtClean="0"/>
+              <a:rPr lang="en-US"/>
               <a:t>Click to edit Master title style</a:t>
             </a:r>
-            <a:endParaRPr lang="en-US"/>
           </a:p>
         </p:txBody>
       </p:sp>
@@ -12174,38 +12143,37 @@
           <a:p>
             <a:pPr lvl="0"/>
             <a:r>
-              <a:rPr lang="en-US" smtClean="0"/>
+              <a:rPr lang="en-US"/>
               <a:t>Click to edit Master text styles</a:t>
             </a:r>
           </a:p>
           <a:p>
             <a:pPr lvl="1"/>
             <a:r>
-              <a:rPr lang="en-US" smtClean="0"/>
+              <a:rPr lang="en-US"/>
               <a:t>Second level</a:t>
             </a:r>
           </a:p>
           <a:p>
             <a:pPr lvl="2"/>
             <a:r>
-              <a:rPr lang="en-US" smtClean="0"/>
+              <a:rPr lang="en-US"/>
               <a:t>Third level</a:t>
             </a:r>
           </a:p>
           <a:p>
             <a:pPr lvl="3"/>
             <a:r>
-              <a:rPr lang="en-US" smtClean="0"/>
+              <a:rPr lang="en-US"/>
               <a:t>Fourth level</a:t>
             </a:r>
           </a:p>
           <a:p>
             <a:pPr lvl="4"/>
             <a:r>
-              <a:rPr lang="en-US" smtClean="0"/>
+              <a:rPr lang="en-US"/>
               <a:t>Fifth level</a:t>
             </a:r>
-            <a:endParaRPr lang="en-US"/>
           </a:p>
         </p:txBody>
       </p:sp>
@@ -12259,38 +12227,37 @@
           <a:p>
             <a:pPr lvl="0"/>
             <a:r>
-              <a:rPr lang="en-US" smtClean="0"/>
+              <a:rPr lang="en-US"/>
               <a:t>Click to edit Master text styles</a:t>
             </a:r>
           </a:p>
           <a:p>
             <a:pPr lvl="1"/>
             <a:r>
-              <a:rPr lang="en-US" smtClean="0"/>
+              <a:rPr lang="en-US"/>
               <a:t>Second level</a:t>
             </a:r>
           </a:p>
           <a:p>
             <a:pPr lvl="2"/>
             <a:r>
-              <a:rPr lang="en-US" smtClean="0"/>
+              <a:rPr lang="en-US"/>
               <a:t>Third level</a:t>
             </a:r>
           </a:p>
           <a:p>
             <a:pPr lvl="3"/>
             <a:r>
-              <a:rPr lang="en-US" smtClean="0"/>
+              <a:rPr lang="en-US"/>
               <a:t>Fourth level</a:t>
             </a:r>
           </a:p>
           <a:p>
             <a:pPr lvl="4"/>
             <a:r>
-              <a:rPr lang="en-US" smtClean="0"/>
+              <a:rPr lang="en-US"/>
               <a:t>Fifth level</a:t>
             </a:r>
-            <a:endParaRPr lang="en-US"/>
           </a:p>
         </p:txBody>
       </p:sp>
@@ -12415,10 +12382,9 @@
           </a:lstStyle>
           <a:p>
             <a:r>
-              <a:rPr lang="en-US" smtClean="0"/>
+              <a:rPr lang="en-US"/>
               <a:t>Click to edit Master title style</a:t>
             </a:r>
-            <a:endParaRPr lang="en-US"/>
           </a:p>
         </p:txBody>
       </p:sp>
@@ -12481,7 +12447,7 @@
           <a:p>
             <a:pPr lvl="0"/>
             <a:r>
-              <a:rPr lang="en-US" smtClean="0"/>
+              <a:rPr lang="en-US"/>
               <a:t>Click to edit Master text styles</a:t>
             </a:r>
           </a:p>
@@ -12537,38 +12503,37 @@
           <a:p>
             <a:pPr lvl="0"/>
             <a:r>
-              <a:rPr lang="en-US" smtClean="0"/>
+              <a:rPr lang="en-US"/>
               <a:t>Click to edit Master text styles</a:t>
             </a:r>
           </a:p>
           <a:p>
             <a:pPr lvl="1"/>
             <a:r>
-              <a:rPr lang="en-US" smtClean="0"/>
+              <a:rPr lang="en-US"/>
               <a:t>Second level</a:t>
             </a:r>
           </a:p>
           <a:p>
             <a:pPr lvl="2"/>
             <a:r>
-              <a:rPr lang="en-US" smtClean="0"/>
+              <a:rPr lang="en-US"/>
               <a:t>Third level</a:t>
             </a:r>
           </a:p>
           <a:p>
             <a:pPr lvl="3"/>
             <a:r>
-              <a:rPr lang="en-US" smtClean="0"/>
+              <a:rPr lang="en-US"/>
               <a:t>Fourth level</a:t>
             </a:r>
           </a:p>
           <a:p>
             <a:pPr lvl="4"/>
             <a:r>
-              <a:rPr lang="en-US" smtClean="0"/>
+              <a:rPr lang="en-US"/>
               <a:t>Fifth level</a:t>
             </a:r>
-            <a:endParaRPr lang="en-US"/>
           </a:p>
         </p:txBody>
       </p:sp>
@@ -12631,7 +12596,7 @@
           <a:p>
             <a:pPr lvl="0"/>
             <a:r>
-              <a:rPr lang="en-US" smtClean="0"/>
+              <a:rPr lang="en-US"/>
               <a:t>Click to edit Master text styles</a:t>
             </a:r>
           </a:p>
@@ -12687,38 +12652,37 @@
           <a:p>
             <a:pPr lvl="0"/>
             <a:r>
-              <a:rPr lang="en-US" smtClean="0"/>
+              <a:rPr lang="en-US"/>
               <a:t>Click to edit Master text styles</a:t>
             </a:r>
           </a:p>
           <a:p>
             <a:pPr lvl="1"/>
             <a:r>
-              <a:rPr lang="en-US" smtClean="0"/>
+              <a:rPr lang="en-US"/>
               <a:t>Second level</a:t>
             </a:r>
           </a:p>
           <a:p>
             <a:pPr lvl="2"/>
             <a:r>
-              <a:rPr lang="en-US" smtClean="0"/>
+              <a:rPr lang="en-US"/>
               <a:t>Third level</a:t>
             </a:r>
           </a:p>
           <a:p>
             <a:pPr lvl="3"/>
             <a:r>
-              <a:rPr lang="en-US" smtClean="0"/>
+              <a:rPr lang="en-US"/>
               <a:t>Fourth level</a:t>
             </a:r>
           </a:p>
           <a:p>
             <a:pPr lvl="4"/>
             <a:r>
-              <a:rPr lang="en-US" smtClean="0"/>
+              <a:rPr lang="en-US"/>
               <a:t>Fifth level</a:t>
             </a:r>
-            <a:endParaRPr lang="en-US"/>
           </a:p>
         </p:txBody>
       </p:sp>
@@ -12834,10 +12798,9 @@
           <a:lstStyle/>
           <a:p>
             <a:r>
-              <a:rPr lang="en-US" smtClean="0"/>
+              <a:rPr lang="en-US"/>
               <a:t>Click to edit Master title style</a:t>
             </a:r>
-            <a:endParaRPr lang="en-US"/>
           </a:p>
         </p:txBody>
       </p:sp>
@@ -13058,10 +13021,9 @@
           </a:lstStyle>
           <a:p>
             <a:r>
-              <a:rPr lang="en-US" smtClean="0"/>
+              <a:rPr lang="en-US"/>
               <a:t>Click to edit Master title style</a:t>
             </a:r>
-            <a:endParaRPr lang="en-US"/>
           </a:p>
         </p:txBody>
       </p:sp>
@@ -13115,38 +13077,37 @@
           <a:p>
             <a:pPr lvl="0"/>
             <a:r>
-              <a:rPr lang="en-US" smtClean="0"/>
+              <a:rPr lang="en-US"/>
               <a:t>Click to edit Master text styles</a:t>
             </a:r>
           </a:p>
           <a:p>
             <a:pPr lvl="1"/>
             <a:r>
-              <a:rPr lang="en-US" smtClean="0"/>
+              <a:rPr lang="en-US"/>
               <a:t>Second level</a:t>
             </a:r>
           </a:p>
           <a:p>
             <a:pPr lvl="2"/>
             <a:r>
-              <a:rPr lang="en-US" smtClean="0"/>
+              <a:rPr lang="en-US"/>
               <a:t>Third level</a:t>
             </a:r>
           </a:p>
           <a:p>
             <a:pPr lvl="3"/>
             <a:r>
-              <a:rPr lang="en-US" smtClean="0"/>
+              <a:rPr lang="en-US"/>
               <a:t>Fourth level</a:t>
             </a:r>
           </a:p>
           <a:p>
             <a:pPr lvl="4"/>
             <a:r>
-              <a:rPr lang="en-US" smtClean="0"/>
+              <a:rPr lang="en-US"/>
               <a:t>Fifth level</a:t>
             </a:r>
-            <a:endParaRPr lang="en-US"/>
           </a:p>
         </p:txBody>
       </p:sp>
@@ -13209,7 +13170,7 @@
           <a:p>
             <a:pPr lvl="0"/>
             <a:r>
-              <a:rPr lang="en-US" smtClean="0"/>
+              <a:rPr lang="en-US"/>
               <a:t>Click to edit Master text styles</a:t>
             </a:r>
           </a:p>
@@ -13336,10 +13297,9 @@
           </a:lstStyle>
           <a:p>
             <a:r>
-              <a:rPr lang="en-US" smtClean="0"/>
+              <a:rPr lang="en-US"/>
               <a:t>Click to edit Master title style</a:t>
             </a:r>
-            <a:endParaRPr lang="en-US"/>
           </a:p>
         </p:txBody>
       </p:sp>
@@ -13401,7 +13361,7 @@
           </a:lstStyle>
           <a:p>
             <a:pPr lvl="0"/>
-            <a:endParaRPr lang="en-US" noProof="0" dirty="0" smtClean="0"/>
+            <a:endParaRPr lang="en-US" noProof="0" dirty="0"/>
           </a:p>
         </p:txBody>
       </p:sp>
@@ -13464,7 +13424,7 @@
           <a:p>
             <a:pPr lvl="0"/>
             <a:r>
-              <a:rPr lang="en-US" smtClean="0"/>
+              <a:rPr lang="en-US"/>
               <a:t>Click to edit Master text styles</a:t>
             </a:r>
           </a:p>
@@ -13598,14 +13558,14 @@
           </a:ln>
           <a:extLst>
             <a:ext uri="{909E8E84-426E-40dd-AFC4-6F175D3DCCD1}">
-              <a14:hiddenFill xmlns:a14="http://schemas.microsoft.com/office/drawing/2010/main">
+              <a14:hiddenFill xmlns:a14="http://schemas.microsoft.com/office/drawing/2010/main" xmlns="">
                 <a:solidFill>
                   <a:srgbClr val="FFFFFF"/>
                 </a:solidFill>
               </a14:hiddenFill>
             </a:ext>
             <a:ext uri="{91240B29-F687-4f45-9708-019B960494DF}">
-              <a14:hiddenLine xmlns:a14="http://schemas.microsoft.com/office/drawing/2010/main" w="9525">
+              <a14:hiddenLine xmlns:a14="http://schemas.microsoft.com/office/drawing/2010/main" xmlns="" w="9525">
                 <a:solidFill>
                   <a:srgbClr val="000000"/>
                 </a:solidFill>
@@ -13626,7 +13586,7 @@
           <a:p>
             <a:pPr lvl="0"/>
             <a:r>
-              <a:rPr lang="en-US" altLang="en-US" smtClean="0"/>
+              <a:rPr lang="en-US" altLang="en-US"/>
               <a:t>Click to edit Master title style</a:t>
             </a:r>
           </a:p>
@@ -13656,14 +13616,14 @@
           </a:ln>
           <a:extLst>
             <a:ext uri="{909E8E84-426E-40dd-AFC4-6F175D3DCCD1}">
-              <a14:hiddenFill xmlns:a14="http://schemas.microsoft.com/office/drawing/2010/main">
+              <a14:hiddenFill xmlns:a14="http://schemas.microsoft.com/office/drawing/2010/main" xmlns="">
                 <a:solidFill>
                   <a:srgbClr val="FFFFFF"/>
                 </a:solidFill>
               </a14:hiddenFill>
             </a:ext>
             <a:ext uri="{91240B29-F687-4f45-9708-019B960494DF}">
-              <a14:hiddenLine xmlns:a14="http://schemas.microsoft.com/office/drawing/2010/main" w="9525">
+              <a14:hiddenLine xmlns:a14="http://schemas.microsoft.com/office/drawing/2010/main" xmlns="" w="9525">
                 <a:solidFill>
                   <a:srgbClr val="000000"/>
                 </a:solidFill>
@@ -13684,28 +13644,28 @@
           <a:p>
             <a:pPr lvl="0"/>
             <a:r>
-              <a:rPr lang="en-US" altLang="en-US" smtClean="0"/>
+              <a:rPr lang="en-US" altLang="en-US"/>
               <a:t>Click to edit Master text styles</a:t>
             </a:r>
           </a:p>
           <a:p>
             <a:pPr lvl="1"/>
             <a:r>
-              <a:rPr lang="en-US" altLang="en-US" smtClean="0"/>
+              <a:rPr lang="en-US" altLang="en-US"/>
               <a:t>Second level</a:t>
             </a:r>
           </a:p>
           <a:p>
             <a:pPr lvl="2"/>
             <a:r>
-              <a:rPr lang="en-US" altLang="en-US" smtClean="0"/>
+              <a:rPr lang="en-US" altLang="en-US"/>
               <a:t>Third level</a:t>
             </a:r>
           </a:p>
           <a:p>
             <a:pPr lvl="3"/>
             <a:r>
-              <a:rPr lang="en-US" altLang="en-US" smtClean="0"/>
+              <a:rPr lang="en-US" altLang="en-US"/>
               <a:t>Fourth level</a:t>
             </a:r>
           </a:p>
@@ -14262,14 +14222,14 @@
           </a:ln>
           <a:extLst>
             <a:ext uri="{909E8E84-426E-40dd-AFC4-6F175D3DCCD1}">
-              <a14:hiddenFill xmlns:a14="http://schemas.microsoft.com/office/drawing/2010/main">
+              <a14:hiddenFill xmlns:a14="http://schemas.microsoft.com/office/drawing/2010/main" xmlns="">
                 <a:solidFill>
                   <a:srgbClr val="FFFFFF"/>
                 </a:solidFill>
               </a14:hiddenFill>
             </a:ext>
             <a:ext uri="{91240B29-F687-4f45-9708-019B960494DF}">
-              <a14:hiddenLine xmlns:a14="http://schemas.microsoft.com/office/drawing/2010/main" w="9525">
+              <a14:hiddenLine xmlns:a14="http://schemas.microsoft.com/office/drawing/2010/main" xmlns="" w="9525">
                 <a:solidFill>
                   <a:srgbClr val="000000"/>
                 </a:solidFill>
@@ -14290,7 +14250,7 @@
           <a:p>
             <a:pPr lvl="0"/>
             <a:r>
-              <a:rPr lang="en-US" altLang="en-US" smtClean="0"/>
+              <a:rPr lang="en-US" altLang="en-US"/>
               <a:t>Click to edit Master title style</a:t>
             </a:r>
           </a:p>
@@ -14320,14 +14280,14 @@
           </a:ln>
           <a:extLst>
             <a:ext uri="{909E8E84-426E-40dd-AFC4-6F175D3DCCD1}">
-              <a14:hiddenFill xmlns:a14="http://schemas.microsoft.com/office/drawing/2010/main">
+              <a14:hiddenFill xmlns:a14="http://schemas.microsoft.com/office/drawing/2010/main" xmlns="">
                 <a:solidFill>
                   <a:srgbClr val="FFFFFF"/>
                 </a:solidFill>
               </a14:hiddenFill>
             </a:ext>
             <a:ext uri="{91240B29-F687-4f45-9708-019B960494DF}">
-              <a14:hiddenLine xmlns:a14="http://schemas.microsoft.com/office/drawing/2010/main" w="9525">
+              <a14:hiddenLine xmlns:a14="http://schemas.microsoft.com/office/drawing/2010/main" xmlns="" w="9525">
                 <a:solidFill>
                   <a:srgbClr val="000000"/>
                 </a:solidFill>
@@ -14348,28 +14308,28 @@
           <a:p>
             <a:pPr lvl="0"/>
             <a:r>
-              <a:rPr lang="en-US" altLang="en-US" smtClean="0"/>
+              <a:rPr lang="en-US" altLang="en-US"/>
               <a:t>Click to edit Master text styles</a:t>
             </a:r>
           </a:p>
           <a:p>
             <a:pPr lvl="1"/>
             <a:r>
-              <a:rPr lang="en-US" altLang="en-US" smtClean="0"/>
+              <a:rPr lang="en-US" altLang="en-US"/>
               <a:t>Second level</a:t>
             </a:r>
           </a:p>
           <a:p>
             <a:pPr lvl="2"/>
             <a:r>
-              <a:rPr lang="en-US" altLang="en-US" smtClean="0"/>
+              <a:rPr lang="en-US" altLang="en-US"/>
               <a:t>Third level</a:t>
             </a:r>
           </a:p>
           <a:p>
             <a:pPr lvl="3"/>
             <a:r>
-              <a:rPr lang="en-US" altLang="en-US" smtClean="0"/>
+              <a:rPr lang="en-US" altLang="en-US"/>
               <a:t>Fourth level</a:t>
             </a:r>
           </a:p>
@@ -14947,7 +14907,7 @@
           <a:lstStyle/>
           <a:p>
             <a:r>
-              <a:rPr lang="en-US" altLang="en-US" smtClean="0"/>
+              <a:rPr lang="en-US" altLang="en-US"/>
               <a:t>Defining Digital Certificates</a:t>
             </a:r>
           </a:p>
@@ -14969,48 +14929,48 @@
           <a:lstStyle/>
           <a:p>
             <a:r>
-              <a:rPr lang="en-US" altLang="en-US" dirty="0" smtClean="0"/>
+              <a:rPr lang="en-US" altLang="en-US" dirty="0"/>
               <a:t>Digital signature</a:t>
             </a:r>
           </a:p>
           <a:p>
             <a:pPr lvl="1"/>
             <a:r>
-              <a:rPr lang="en-US" altLang="en-US" dirty="0" smtClean="0"/>
+              <a:rPr lang="en-US" altLang="en-US" dirty="0"/>
               <a:t>Used to prove a document originated from a valid sender</a:t>
             </a:r>
           </a:p>
           <a:p>
             <a:pPr lvl="1"/>
-            <a:endParaRPr lang="en-US" altLang="en-US" dirty="0" smtClean="0"/>
-          </a:p>
-          <a:p>
-            <a:r>
-              <a:rPr lang="en-US" altLang="en-US" dirty="0" smtClean="0"/>
+            <a:endParaRPr lang="en-US" altLang="en-US" dirty="0"/>
+          </a:p>
+          <a:p>
+            <a:r>
+              <a:rPr lang="en-US" altLang="en-US" dirty="0"/>
               <a:t>Weakness of using digital signatures</a:t>
             </a:r>
           </a:p>
           <a:p>
             <a:pPr lvl="1"/>
             <a:r>
-              <a:rPr lang="en-US" altLang="en-US" dirty="0" smtClean="0"/>
+              <a:rPr lang="en-US" altLang="en-US" dirty="0"/>
               <a:t>Only shows that the private key was used to encrypt the digital signature</a:t>
             </a:r>
           </a:p>
           <a:p>
             <a:pPr lvl="1"/>
-            <a:endParaRPr lang="en-US" altLang="en-US" dirty="0" smtClean="0"/>
+            <a:endParaRPr lang="en-US" altLang="en-US" dirty="0"/>
           </a:p>
           <a:p>
             <a:pPr lvl="1"/>
             <a:r>
-              <a:rPr lang="en-US" altLang="en-US" dirty="0" smtClean="0"/>
+              <a:rPr lang="en-US" altLang="en-US" dirty="0"/>
               <a:t>Imposter could post a new public key under a sender’s name</a:t>
             </a:r>
           </a:p>
           <a:p>
             <a:pPr lvl="1"/>
-            <a:endParaRPr lang="en-US" altLang="en-US" dirty="0" smtClean="0"/>
+            <a:endParaRPr lang="en-US" altLang="en-US" dirty="0"/>
           </a:p>
         </p:txBody>
       </p:sp>
@@ -15022,7 +14982,7 @@
   <p:timing>
     <p:tnLst>
       <p:par>
-        <p:cTn xmlns:p14="http://schemas.microsoft.com/office/powerpoint/2010/main" id="1" dur="indefinite" restart="never" nodeType="tmRoot">
+        <p:cTn id="1" dur="indefinite" restart="never" nodeType="tmRoot">
           <p:childTnLst>
             <p:seq concurrent="1" nextAc="seek">
               <p:cTn id="2" dur="indefinite" nodeType="mainSeq">
@@ -15330,7 +15290,7 @@
           <a:lstStyle/>
           <a:p>
             <a:r>
-              <a:rPr lang="en-US" altLang="en-US" smtClean="0"/>
+              <a:rPr lang="en-US" altLang="en-US"/>
               <a:t>Managing Digital Certificates</a:t>
             </a:r>
           </a:p>
@@ -15352,57 +15312,57 @@
           <a:lstStyle/>
           <a:p>
             <a:r>
-              <a:rPr lang="en-US" altLang="en-US" dirty="0" smtClean="0"/>
+              <a:rPr lang="en-US" altLang="en-US" dirty="0"/>
               <a:t>Ways that a digital certificate requestor can identify themselves to an RA</a:t>
             </a:r>
           </a:p>
           <a:p>
             <a:pPr lvl="1"/>
             <a:r>
-              <a:rPr lang="en-US" altLang="en-US" dirty="0" smtClean="0"/>
+              <a:rPr lang="en-US" altLang="en-US" dirty="0"/>
               <a:t>E-mail</a:t>
             </a:r>
           </a:p>
           <a:p>
             <a:pPr lvl="2"/>
             <a:r>
-              <a:rPr lang="en-US" altLang="en-US" dirty="0" smtClean="0"/>
+              <a:rPr lang="en-US" altLang="en-US" dirty="0"/>
               <a:t>Insufficient for activities that must be very secure</a:t>
             </a:r>
           </a:p>
           <a:p>
             <a:pPr lvl="1"/>
-            <a:endParaRPr lang="en-US" altLang="en-US" dirty="0" smtClean="0"/>
+            <a:endParaRPr lang="en-US" altLang="en-US" dirty="0"/>
           </a:p>
           <a:p>
             <a:pPr lvl="1"/>
             <a:r>
-              <a:rPr lang="en-US" altLang="en-US" dirty="0" smtClean="0"/>
+              <a:rPr lang="en-US" altLang="en-US" dirty="0"/>
               <a:t>Documents</a:t>
             </a:r>
           </a:p>
           <a:p>
             <a:pPr lvl="2"/>
             <a:r>
-              <a:rPr lang="en-US" altLang="en-US" dirty="0" smtClean="0"/>
+              <a:rPr lang="en-US" altLang="en-US" dirty="0"/>
               <a:t>Birth certificate, employee badge</a:t>
             </a:r>
           </a:p>
           <a:p>
             <a:pPr lvl="1"/>
-            <a:endParaRPr lang="en-US" altLang="en-US" dirty="0" smtClean="0"/>
+            <a:endParaRPr lang="en-US" altLang="en-US" dirty="0"/>
           </a:p>
           <a:p>
             <a:pPr lvl="1"/>
             <a:r>
-              <a:rPr lang="en-US" altLang="en-US" dirty="0" smtClean="0"/>
+              <a:rPr lang="en-US" altLang="en-US" dirty="0"/>
               <a:t>In person</a:t>
             </a:r>
           </a:p>
           <a:p>
             <a:pPr lvl="2"/>
             <a:r>
-              <a:rPr lang="en-US" altLang="en-US" dirty="0" smtClean="0"/>
+              <a:rPr lang="en-US" altLang="en-US" dirty="0"/>
               <a:t>Government-issued passport or driver’s license</a:t>
             </a:r>
           </a:p>
@@ -15416,7 +15376,7 @@
   <p:timing>
     <p:tnLst>
       <p:par>
-        <p:cTn xmlns:p14="http://schemas.microsoft.com/office/powerpoint/2010/main" id="1" dur="indefinite" restart="never" nodeType="tmRoot">
+        <p:cTn id="1" dur="indefinite" restart="never" nodeType="tmRoot">
           <p:childTnLst>
             <p:seq concurrent="1" nextAc="seek">
               <p:cTn id="2" dur="indefinite" nodeType="mainSeq">
@@ -15822,7 +15782,7 @@
           <a:lstStyle/>
           <a:p>
             <a:r>
-              <a:rPr lang="en-US" altLang="en-US" smtClean="0"/>
+              <a:rPr lang="en-US" altLang="en-US"/>
               <a:t>Managing Digital Certificates</a:t>
             </a:r>
           </a:p>
@@ -15844,36 +15804,36 @@
           <a:lstStyle/>
           <a:p>
             <a:r>
-              <a:rPr lang="en-US" altLang="en-US" dirty="0" smtClean="0"/>
+              <a:rPr lang="en-US" altLang="en-US" dirty="0"/>
               <a:t>Certificate Repository (CR)</a:t>
             </a:r>
           </a:p>
           <a:p>
             <a:pPr lvl="1"/>
             <a:r>
-              <a:rPr lang="en-US" altLang="en-US" dirty="0" smtClean="0"/>
+              <a:rPr lang="en-US" altLang="en-US" dirty="0"/>
               <a:t>Publicly accessible central directory of certificates</a:t>
             </a:r>
           </a:p>
           <a:p>
             <a:pPr lvl="1"/>
-            <a:endParaRPr lang="en-US" altLang="en-US" dirty="0" smtClean="0"/>
+            <a:endParaRPr lang="en-US" altLang="en-US" dirty="0"/>
           </a:p>
           <a:p>
             <a:pPr lvl="1"/>
             <a:r>
-              <a:rPr lang="en-US" altLang="en-US" dirty="0" smtClean="0"/>
+              <a:rPr lang="en-US" altLang="en-US" dirty="0"/>
               <a:t>Can view certificate status</a:t>
             </a:r>
           </a:p>
           <a:p>
             <a:pPr lvl="1"/>
-            <a:endParaRPr lang="en-US" altLang="en-US" dirty="0" smtClean="0"/>
+            <a:endParaRPr lang="en-US" altLang="en-US" dirty="0"/>
           </a:p>
           <a:p>
             <a:pPr lvl="1"/>
             <a:r>
-              <a:rPr lang="en-US" altLang="en-US" dirty="0" smtClean="0"/>
+              <a:rPr lang="en-US" altLang="en-US" dirty="0"/>
               <a:t>Can be managed locally by setting it up as a storage area connected to the CA server</a:t>
             </a:r>
           </a:p>
@@ -15887,7 +15847,7 @@
   <p:timing>
     <p:tnLst>
       <p:par>
-        <p:cTn xmlns:p14="http://schemas.microsoft.com/office/powerpoint/2010/main" id="1" dur="indefinite" restart="never" nodeType="tmRoot">
+        <p:cTn id="1" dur="indefinite" restart="never" nodeType="tmRoot">
           <p:childTnLst>
             <p:seq concurrent="1" nextAc="seek">
               <p:cTn id="2" dur="indefinite" nodeType="mainSeq">
@@ -16151,7 +16111,7 @@
           <a:lstStyle/>
           <a:p>
             <a:r>
-              <a:rPr lang="en-US" altLang="en-US" dirty="0" smtClean="0"/>
+              <a:rPr lang="en-US" altLang="en-US" dirty="0"/>
               <a:t>Managing Digital Certificates</a:t>
             </a:r>
           </a:p>
@@ -16178,68 +16138,68 @@
           <a:lstStyle/>
           <a:p>
             <a:r>
-              <a:rPr lang="en-US" altLang="en-US" dirty="0" smtClean="0"/>
+              <a:rPr lang="en-US" altLang="en-US" dirty="0"/>
               <a:t>Certificate Revocation</a:t>
             </a:r>
           </a:p>
           <a:p>
             <a:pPr lvl="1"/>
             <a:r>
-              <a:rPr lang="en-US" altLang="en-US" dirty="0" smtClean="0"/>
+              <a:rPr lang="en-US" altLang="en-US" dirty="0"/>
               <a:t>List of certificates that have been revoked</a:t>
             </a:r>
           </a:p>
           <a:p>
-            <a:endParaRPr lang="en-US" altLang="en-US" dirty="0" smtClean="0"/>
-          </a:p>
-          <a:p>
-            <a:r>
-              <a:rPr lang="en-US" altLang="en-US" dirty="0" smtClean="0"/>
+            <a:endParaRPr lang="en-US" altLang="en-US" dirty="0"/>
+          </a:p>
+          <a:p>
+            <a:r>
+              <a:rPr lang="en-US" altLang="en-US" dirty="0"/>
               <a:t>Reasons a certificate would be revoked</a:t>
             </a:r>
           </a:p>
           <a:p>
             <a:pPr lvl="1"/>
             <a:r>
-              <a:rPr lang="en-US" altLang="en-US" dirty="0" smtClean="0"/>
+              <a:rPr lang="en-US" altLang="en-US" dirty="0"/>
               <a:t>No longer used</a:t>
             </a:r>
           </a:p>
           <a:p>
             <a:pPr lvl="1"/>
             <a:r>
-              <a:rPr lang="en-US" altLang="en-US" dirty="0" smtClean="0"/>
+              <a:rPr lang="en-US" altLang="en-US" dirty="0"/>
               <a:t>Details have changed, such as user’s address</a:t>
             </a:r>
           </a:p>
           <a:p>
             <a:pPr lvl="1"/>
             <a:r>
-              <a:rPr lang="en-US" altLang="en-US" dirty="0" smtClean="0"/>
+              <a:rPr lang="en-US" altLang="en-US" dirty="0"/>
               <a:t>Private key has been lost or exposed</a:t>
             </a:r>
           </a:p>
           <a:p>
             <a:pPr lvl="1"/>
-            <a:endParaRPr lang="en-US" altLang="en-US" dirty="0" smtClean="0"/>
-          </a:p>
-          <a:p>
-            <a:r>
-              <a:rPr lang="en-US" altLang="en-US" dirty="0" smtClean="0"/>
+            <a:endParaRPr lang="en-US" altLang="en-US" dirty="0"/>
+          </a:p>
+          <a:p>
+            <a:r>
+              <a:rPr lang="en-US" altLang="en-US" dirty="0"/>
               <a:t>Certificate Revocation List (CRL) </a:t>
             </a:r>
           </a:p>
           <a:p>
             <a:pPr lvl="1"/>
             <a:r>
-              <a:rPr lang="en-US" altLang="en-US" dirty="0" smtClean="0"/>
+              <a:rPr lang="en-US" altLang="en-US" dirty="0"/>
               <a:t>List of certificate numbers that have been revoked</a:t>
             </a:r>
           </a:p>
           <a:p>
             <a:pPr lvl="1"/>
             <a:r>
-              <a:rPr lang="en-US" altLang="en-US" dirty="0" smtClean="0"/>
+              <a:rPr lang="en-US" altLang="en-US" dirty="0"/>
               <a:t>Searchable over internet</a:t>
             </a:r>
           </a:p>
@@ -16253,7 +16213,7 @@
   <p:timing>
     <p:tnLst>
       <p:par>
-        <p:cTn xmlns:p14="http://schemas.microsoft.com/office/powerpoint/2010/main" id="1" dur="indefinite" restart="never" nodeType="tmRoot">
+        <p:cTn id="1" dur="indefinite" restart="never" nodeType="tmRoot">
           <p:childTnLst>
             <p:seq concurrent="1" nextAc="seek">
               <p:cTn id="2" dur="indefinite" nodeType="mainSeq">
@@ -16762,7 +16722,7 @@
           <a:lstStyle/>
           <a:p>
             <a:r>
-              <a:rPr lang="en-US" altLang="en-US" smtClean="0"/>
+              <a:rPr lang="en-US" altLang="en-US"/>
               <a:t>Managing Digital Certificates</a:t>
             </a:r>
           </a:p>
@@ -16789,55 +16749,55 @@
           <a:lstStyle/>
           <a:p>
             <a:r>
-              <a:rPr lang="en-US" altLang="en-US" dirty="0" smtClean="0"/>
+              <a:rPr lang="en-US" altLang="en-US" dirty="0"/>
               <a:t>Online Certificate Status Protocol (OCSP)</a:t>
             </a:r>
           </a:p>
           <a:p>
             <a:pPr lvl="1"/>
             <a:r>
-              <a:rPr lang="en-US" altLang="en-US" dirty="0" smtClean="0"/>
+              <a:rPr lang="en-US" altLang="en-US" dirty="0"/>
               <a:t>Real-time lookup of a certificate’s status</a:t>
             </a:r>
           </a:p>
           <a:p>
             <a:pPr lvl="1"/>
             <a:r>
-              <a:rPr lang="en-US" altLang="en-US" dirty="0" smtClean="0"/>
+              <a:rPr lang="en-US" altLang="en-US" dirty="0"/>
               <a:t>Called a request-response protocol</a:t>
             </a:r>
           </a:p>
           <a:p>
             <a:pPr lvl="1"/>
             <a:r>
-              <a:rPr lang="en-US" altLang="en-US" dirty="0" smtClean="0"/>
+              <a:rPr lang="en-US" altLang="en-US" dirty="0"/>
               <a:t>Browser sends certificate’s info to a trusted entity known as an OCSP Responder</a:t>
             </a:r>
           </a:p>
           <a:p>
             <a:pPr lvl="1"/>
             <a:r>
-              <a:rPr lang="en-US" altLang="en-US" dirty="0" smtClean="0"/>
+              <a:rPr lang="en-US" altLang="en-US" dirty="0"/>
               <a:t>Responder provides revocation info on certificate</a:t>
             </a:r>
           </a:p>
           <a:p>
             <a:pPr lvl="1"/>
             <a:r>
-              <a:rPr lang="en-US" altLang="en-US" dirty="0" smtClean="0"/>
+              <a:rPr lang="en-US" altLang="en-US" dirty="0"/>
               <a:t>Fails if Responder not available</a:t>
             </a:r>
           </a:p>
           <a:p>
             <a:r>
-              <a:rPr lang="en-US" altLang="en-US" dirty="0" smtClean="0"/>
+              <a:rPr lang="en-US" altLang="en-US" dirty="0"/>
               <a:t>OCSP stapling</a:t>
             </a:r>
           </a:p>
           <a:p>
             <a:pPr lvl="1"/>
             <a:r>
-              <a:rPr lang="en-US" altLang="en-US" dirty="0" smtClean="0"/>
+              <a:rPr lang="en-US" altLang="en-US" dirty="0"/>
               <a:t>Variation of OCSP </a:t>
             </a:r>
           </a:p>
@@ -16845,17 +16805,13 @@
             <a:pPr lvl="2"/>
             <a:r>
               <a:rPr lang="en-US" altLang="en-US" dirty="0"/>
-              <a:t>W</a:t>
-            </a:r>
-            <a:r>
-              <a:rPr lang="en-US" altLang="en-US" dirty="0" smtClean="0"/>
-              <a:t>eb server includes a signed time-stamped OCSP response with certificate</a:t>
+              <a:t>Web server includes a signed time-stamped OCSP response with certificate</a:t>
             </a:r>
           </a:p>
           <a:p>
             <a:pPr lvl="2"/>
             <a:r>
-              <a:rPr lang="en-US" altLang="en-US" dirty="0" smtClean="0"/>
+              <a:rPr lang="en-US" altLang="en-US" dirty="0"/>
               <a:t>Reduces browser work load</a:t>
             </a:r>
           </a:p>
@@ -16869,7 +16825,7 @@
   <p:timing>
     <p:tnLst>
       <p:par>
-        <p:cTn xmlns:p14="http://schemas.microsoft.com/office/powerpoint/2010/main" id="1" dur="indefinite" restart="never" nodeType="tmRoot">
+        <p:cTn id="1" dur="indefinite" restart="never" nodeType="tmRoot">
           <p:childTnLst>
             <p:seq concurrent="1" nextAc="seek">
               <p:cTn id="2" dur="indefinite" nodeType="mainSeq">
@@ -17422,7 +17378,7 @@
           <a:lstStyle/>
           <a:p>
             <a:r>
-              <a:rPr lang="en-US" altLang="en-US" smtClean="0"/>
+              <a:rPr lang="en-US" altLang="en-US"/>
               <a:t>Managing Digital Certificates</a:t>
             </a:r>
           </a:p>
@@ -17457,13 +17413,6 @@
   <p:clrMapOvr>
     <a:masterClrMapping/>
   </p:clrMapOvr>
-  <p:timing>
-    <p:tnLst>
-      <p:par>
-        <p:cTn xmlns:p14="http://schemas.microsoft.com/office/powerpoint/2010/main" id="1" dur="indefinite" restart="never" nodeType="tmRoot"/>
-      </p:par>
-    </p:tnLst>
-  </p:timing>
 </p:sld>
 </file>
 
@@ -17500,7 +17449,7 @@
           <a:lstStyle/>
           <a:p>
             <a:r>
-              <a:rPr lang="en-US" altLang="en-US" smtClean="0"/>
+              <a:rPr lang="en-US" altLang="en-US"/>
               <a:t>Types of Digital Certificates</a:t>
             </a:r>
           </a:p>
@@ -17522,37 +17471,37 @@
           <a:lstStyle/>
           <a:p>
             <a:r>
-              <a:rPr lang="en-US" altLang="en-US" dirty="0" smtClean="0"/>
+              <a:rPr lang="en-US" altLang="en-US" dirty="0"/>
               <a:t>Different categories of digital certificates</a:t>
             </a:r>
           </a:p>
           <a:p>
-            <a:endParaRPr lang="en-US" altLang="en-US" dirty="0" smtClean="0"/>
-          </a:p>
-          <a:p>
-            <a:r>
-              <a:rPr lang="en-US" altLang="en-US" dirty="0" smtClean="0"/>
+            <a:endParaRPr lang="en-US" altLang="en-US" dirty="0"/>
+          </a:p>
+          <a:p>
+            <a:r>
+              <a:rPr lang="en-US" altLang="en-US" dirty="0"/>
               <a:t>The most common categories are:</a:t>
             </a:r>
           </a:p>
           <a:p>
             <a:pPr lvl="1"/>
             <a:r>
-              <a:rPr lang="en-US" altLang="en-US" dirty="0" smtClean="0"/>
+              <a:rPr lang="en-US" altLang="en-US" dirty="0"/>
               <a:t>Personal digital certificates</a:t>
             </a:r>
           </a:p>
           <a:p>
             <a:pPr lvl="1"/>
             <a:r>
-              <a:rPr lang="en-US" altLang="en-US" dirty="0" smtClean="0"/>
+              <a:rPr lang="en-US" altLang="en-US" dirty="0"/>
               <a:t>Server digital certificates</a:t>
             </a:r>
           </a:p>
           <a:p>
             <a:pPr lvl="1"/>
             <a:r>
-              <a:rPr lang="en-US" altLang="en-US" dirty="0" smtClean="0"/>
+              <a:rPr lang="en-US" altLang="en-US" dirty="0"/>
               <a:t>Software publisher digital certificates</a:t>
             </a:r>
           </a:p>
@@ -17566,7 +17515,7 @@
   <p:timing>
     <p:tnLst>
       <p:par>
-        <p:cTn xmlns:p14="http://schemas.microsoft.com/office/powerpoint/2010/main" id="1" dur="indefinite" restart="never" nodeType="tmRoot">
+        <p:cTn id="1" dur="indefinite" restart="never" nodeType="tmRoot">
           <p:childTnLst>
             <p:seq concurrent="1" nextAc="seek">
               <p:cTn id="2" dur="indefinite" nodeType="mainSeq">
@@ -17874,7 +17823,7 @@
           <a:lstStyle/>
           <a:p>
             <a:r>
-              <a:rPr lang="en-US" altLang="en-US" smtClean="0"/>
+              <a:rPr lang="en-US" altLang="en-US"/>
               <a:t>Types of Digital Certificates</a:t>
             </a:r>
           </a:p>
@@ -17896,52 +17845,52 @@
           <a:lstStyle/>
           <a:p>
             <a:r>
-              <a:rPr lang="en-US" altLang="en-US" dirty="0" smtClean="0"/>
+              <a:rPr lang="en-US" altLang="en-US" dirty="0"/>
               <a:t>Class 1: Personal Digital Certificates</a:t>
             </a:r>
           </a:p>
           <a:p>
             <a:pPr lvl="1"/>
             <a:r>
-              <a:rPr lang="en-US" altLang="en-US" dirty="0" smtClean="0"/>
+              <a:rPr lang="en-US" altLang="en-US" dirty="0"/>
               <a:t>Issued by an RA directly to individuals</a:t>
             </a:r>
           </a:p>
           <a:p>
             <a:pPr lvl="1"/>
             <a:r>
-              <a:rPr lang="en-US" altLang="en-US" dirty="0" smtClean="0"/>
+              <a:rPr lang="en-US" altLang="en-US" dirty="0"/>
               <a:t>Frequently used to secure e-mail transmissions</a:t>
             </a:r>
           </a:p>
           <a:p>
             <a:pPr lvl="1"/>
             <a:r>
-              <a:rPr lang="en-US" altLang="en-US" dirty="0" smtClean="0"/>
+              <a:rPr lang="en-US" altLang="en-US" dirty="0"/>
               <a:t>Typically only require name and e-mail address</a:t>
             </a:r>
           </a:p>
           <a:p>
             <a:pPr lvl="1"/>
-            <a:endParaRPr lang="en-US" altLang="en-US" dirty="0" smtClean="0"/>
-          </a:p>
-          <a:p>
-            <a:r>
-              <a:rPr lang="en-US" altLang="en-US" dirty="0" smtClean="0"/>
+            <a:endParaRPr lang="en-US" altLang="en-US" dirty="0"/>
+          </a:p>
+          <a:p>
+            <a:r>
+              <a:rPr lang="en-US" altLang="en-US" dirty="0"/>
               <a:t>Class 2: Server Digital Certificates</a:t>
             </a:r>
           </a:p>
           <a:p>
             <a:pPr lvl="1"/>
             <a:r>
-              <a:rPr lang="en-US" altLang="en-US" dirty="0" smtClean="0"/>
+              <a:rPr lang="en-US" altLang="en-US" dirty="0"/>
               <a:t>Issued from a Web server to a client</a:t>
             </a:r>
           </a:p>
           <a:p>
             <a:pPr lvl="1"/>
             <a:r>
-              <a:rPr lang="en-US" altLang="en-US" dirty="0" smtClean="0"/>
+              <a:rPr lang="en-US" altLang="en-US" dirty="0"/>
               <a:t>Ensure authenticity of the Web server and cryptographic connection to the Web server</a:t>
             </a:r>
           </a:p>
@@ -17955,7 +17904,7 @@
   <p:timing>
     <p:tnLst>
       <p:par>
-        <p:cTn xmlns:p14="http://schemas.microsoft.com/office/powerpoint/2010/main" id="1" dur="indefinite" restart="never" nodeType="tmRoot">
+        <p:cTn id="1" dur="indefinite" restart="never" nodeType="tmRoot">
           <p:childTnLst>
             <p:seq concurrent="1" nextAc="seek">
               <p:cTn id="2" dur="indefinite" nodeType="mainSeq">
@@ -18361,7 +18310,7 @@
           <a:lstStyle/>
           <a:p>
             <a:r>
-              <a:rPr lang="en-US" altLang="en-US" smtClean="0"/>
+              <a:rPr lang="en-US" altLang="en-US"/>
               <a:t>Types of Digital Certificates</a:t>
             </a:r>
           </a:p>
@@ -18396,13 +18345,6 @@
   <p:clrMapOvr>
     <a:masterClrMapping/>
   </p:clrMapOvr>
-  <p:timing>
-    <p:tnLst>
-      <p:par>
-        <p:cTn xmlns:p14="http://schemas.microsoft.com/office/powerpoint/2010/main" id="1" dur="indefinite" restart="never" nodeType="tmRoot"/>
-      </p:par>
-    </p:tnLst>
-  </p:timing>
 </p:sld>
 </file>
 
@@ -18439,7 +18381,7 @@
           <a:lstStyle/>
           <a:p>
             <a:r>
-              <a:rPr lang="en-US" altLang="en-US" smtClean="0"/>
+              <a:rPr lang="en-US" altLang="en-US"/>
               <a:t>Types of Digital Certificates</a:t>
             </a:r>
           </a:p>
@@ -18461,45 +18403,45 @@
           <a:lstStyle/>
           <a:p>
             <a:r>
-              <a:rPr lang="en-US" altLang="en-US" dirty="0" smtClean="0"/>
+              <a:rPr lang="en-US" altLang="en-US" dirty="0"/>
               <a:t>Class 2: server digital certificates (cont’d.)</a:t>
             </a:r>
           </a:p>
           <a:p>
             <a:pPr lvl="1"/>
             <a:r>
-              <a:rPr lang="en-US" altLang="en-US" dirty="0" smtClean="0"/>
+              <a:rPr lang="en-US" altLang="en-US" dirty="0"/>
               <a:t>Server authentication and secure communication can be combined into one certificate</a:t>
             </a:r>
           </a:p>
           <a:p>
             <a:pPr lvl="2"/>
             <a:r>
-              <a:rPr lang="en-US" altLang="en-US" dirty="0" smtClean="0"/>
+              <a:rPr lang="en-US" altLang="en-US" dirty="0"/>
               <a:t>Displays padlock icon in the Web browser</a:t>
             </a:r>
           </a:p>
           <a:p>
             <a:pPr lvl="2"/>
             <a:r>
-              <a:rPr lang="en-US" altLang="en-US" dirty="0" smtClean="0"/>
+              <a:rPr lang="en-US" altLang="en-US" dirty="0"/>
               <a:t>Click icon to display info about the certificate</a:t>
             </a:r>
           </a:p>
           <a:p>
             <a:pPr lvl="2"/>
-            <a:endParaRPr lang="en-US" altLang="en-US" dirty="0" smtClean="0"/>
-          </a:p>
-          <a:p>
-            <a:r>
-              <a:rPr lang="en-US" altLang="en-US" dirty="0" smtClean="0"/>
+            <a:endParaRPr lang="en-US" altLang="en-US" dirty="0"/>
+          </a:p>
+          <a:p>
+            <a:r>
+              <a:rPr lang="en-US" altLang="en-US" dirty="0"/>
               <a:t>Extended Validation SSL Certificate (EV SSL)</a:t>
             </a:r>
           </a:p>
           <a:p>
             <a:pPr lvl="1"/>
             <a:r>
-              <a:rPr lang="en-US" altLang="en-US" dirty="0" smtClean="0"/>
+              <a:rPr lang="en-US" altLang="en-US" dirty="0"/>
               <a:t>More extensive verification of legitimacy of the business</a:t>
             </a:r>
           </a:p>
@@ -18513,7 +18455,7 @@
   <p:timing>
     <p:tnLst>
       <p:par>
-        <p:cTn xmlns:p14="http://schemas.microsoft.com/office/powerpoint/2010/main" id="1" dur="indefinite" restart="never" nodeType="tmRoot">
+        <p:cTn id="1" dur="indefinite" restart="never" nodeType="tmRoot">
           <p:childTnLst>
             <p:seq concurrent="1" nextAc="seek">
               <p:cTn id="2" dur="indefinite" nodeType="mainSeq">
@@ -18870,7 +18812,7 @@
           <a:lstStyle/>
           <a:p>
             <a:r>
-              <a:rPr lang="en-US" altLang="en-US" smtClean="0"/>
+              <a:rPr lang="en-US" altLang="en-US"/>
               <a:t>Types of Digital Certificates</a:t>
             </a:r>
           </a:p>
@@ -18905,13 +18847,6 @@
   <p:clrMapOvr>
     <a:masterClrMapping/>
   </p:clrMapOvr>
-  <p:timing>
-    <p:tnLst>
-      <p:par>
-        <p:cTn xmlns:p14="http://schemas.microsoft.com/office/powerpoint/2010/main" id="1" dur="indefinite" restart="never" nodeType="tmRoot"/>
-      </p:par>
-    </p:tnLst>
-  </p:timing>
 </p:sld>
 </file>
 
@@ -18948,7 +18883,7 @@
           <a:lstStyle/>
           <a:p>
             <a:r>
-              <a:rPr lang="en-US" altLang="en-US" smtClean="0"/>
+              <a:rPr lang="en-US" altLang="en-US"/>
               <a:t>Defining Digital Certificates</a:t>
             </a:r>
           </a:p>
@@ -18983,13 +18918,6 @@
   <p:clrMapOvr>
     <a:masterClrMapping/>
   </p:clrMapOvr>
-  <p:timing>
-    <p:tnLst>
-      <p:par>
-        <p:cTn xmlns:p14="http://schemas.microsoft.com/office/powerpoint/2010/main" id="1" dur="indefinite" restart="never" nodeType="tmRoot"/>
-      </p:par>
-    </p:tnLst>
-  </p:timing>
 </p:sld>
 </file>
 
@@ -19026,7 +18954,7 @@
           <a:lstStyle/>
           <a:p>
             <a:r>
-              <a:rPr lang="en-US" altLang="en-US" smtClean="0"/>
+              <a:rPr lang="en-US" altLang="en-US"/>
               <a:t>Types of Digital Certificates</a:t>
             </a:r>
           </a:p>
@@ -19053,52 +18981,52 @@
           <a:lstStyle/>
           <a:p>
             <a:r>
-              <a:rPr lang="en-US" altLang="en-US" dirty="0" smtClean="0"/>
+              <a:rPr lang="en-US" altLang="en-US" dirty="0"/>
               <a:t>Class 3: Software Publisher Digital Certificates</a:t>
             </a:r>
           </a:p>
           <a:p>
             <a:pPr lvl="1"/>
             <a:r>
-              <a:rPr lang="en-US" altLang="en-US" dirty="0" smtClean="0"/>
+              <a:rPr lang="en-US" altLang="en-US" dirty="0"/>
               <a:t>Provided by software publishers</a:t>
             </a:r>
           </a:p>
           <a:p>
             <a:pPr lvl="1"/>
             <a:r>
-              <a:rPr lang="en-US" altLang="en-US" dirty="0" smtClean="0"/>
+              <a:rPr lang="en-US" altLang="en-US" dirty="0"/>
               <a:t>Purpose: Verify programs are secure and have not been tampered with</a:t>
             </a:r>
           </a:p>
           <a:p>
             <a:pPr lvl="1"/>
-            <a:endParaRPr lang="en-US" altLang="en-US" dirty="0" smtClean="0"/>
-          </a:p>
-          <a:p>
-            <a:r>
-              <a:rPr lang="en-US" altLang="en-US" dirty="0" smtClean="0"/>
+            <a:endParaRPr lang="en-US" altLang="en-US" dirty="0"/>
+          </a:p>
+          <a:p>
+            <a:r>
+              <a:rPr lang="en-US" altLang="en-US" dirty="0"/>
               <a:t>X.509 digital certificates</a:t>
             </a:r>
           </a:p>
           <a:p>
             <a:pPr lvl="1"/>
             <a:r>
-              <a:rPr lang="en-US" altLang="en-US" dirty="0" smtClean="0"/>
+              <a:rPr lang="en-US" altLang="en-US" dirty="0"/>
               <a:t>Standard - most widely accepted format for certificates</a:t>
             </a:r>
           </a:p>
           <a:p>
             <a:pPr lvl="1"/>
             <a:r>
-              <a:rPr lang="en-US" altLang="en-US" dirty="0" smtClean="0"/>
+              <a:rPr lang="en-US" altLang="en-US" dirty="0"/>
               <a:t>Certificates following standard can be read or written by any application that follows X.</a:t>
             </a:r>
             <a:r>
-              <a:rPr lang="en-US" altLang="en-US" i="1" dirty="0" smtClean="0"/>
+              <a:rPr lang="en-US" altLang="en-US" i="1" dirty="0"/>
               <a:t>509</a:t>
             </a:r>
-            <a:endParaRPr lang="en-US" altLang="en-US" dirty="0" smtClean="0"/>
+            <a:endParaRPr lang="en-US" altLang="en-US" dirty="0"/>
           </a:p>
         </p:txBody>
       </p:sp>
@@ -19110,7 +19038,7 @@
   <p:timing>
     <p:tnLst>
       <p:par>
-        <p:cTn xmlns:p14="http://schemas.microsoft.com/office/powerpoint/2010/main" id="1" dur="indefinite" restart="never" nodeType="tmRoot">
+        <p:cTn id="1" dur="indefinite" restart="never" nodeType="tmRoot">
           <p:childTnLst>
             <p:seq concurrent="1" nextAc="seek">
               <p:cTn id="2" dur="indefinite" nodeType="mainSeq">
@@ -19467,7 +19395,7 @@
           <a:lstStyle/>
           <a:p>
             <a:r>
-              <a:rPr lang="en-US" altLang="en-US" dirty="0" smtClean="0"/>
+              <a:rPr lang="en-US" altLang="en-US" dirty="0"/>
               <a:t>X.509 Certificate Fields</a:t>
             </a:r>
           </a:p>
@@ -19502,13 +19430,6 @@
   <p:clrMapOvr>
     <a:masterClrMapping/>
   </p:clrMapOvr>
-  <p:timing>
-    <p:tnLst>
-      <p:par>
-        <p:cTn xmlns:p14="http://schemas.microsoft.com/office/powerpoint/2010/main" id="1" dur="indefinite" restart="never" nodeType="tmRoot"/>
-      </p:par>
-    </p:tnLst>
-  </p:timing>
 </p:sld>
 </file>
 
@@ -19545,7 +19466,7 @@
           <a:lstStyle/>
           <a:p>
             <a:r>
-              <a:rPr lang="en-US" altLang="en-US" smtClean="0"/>
+              <a:rPr lang="en-US" altLang="en-US"/>
               <a:t>Public Key Infrastructure (PKI)</a:t>
             </a:r>
           </a:p>
@@ -19567,52 +19488,52 @@
           <a:lstStyle/>
           <a:p>
             <a:r>
-              <a:rPr lang="en-US" altLang="en-US" dirty="0" smtClean="0"/>
+              <a:rPr lang="en-US" altLang="en-US" dirty="0"/>
               <a:t>Important management tool for the use of:</a:t>
             </a:r>
           </a:p>
           <a:p>
             <a:pPr lvl="1"/>
             <a:r>
-              <a:rPr lang="en-US" altLang="en-US" dirty="0" smtClean="0"/>
+              <a:rPr lang="en-US" altLang="en-US" dirty="0"/>
               <a:t>Digital certificates:</a:t>
             </a:r>
           </a:p>
           <a:p>
             <a:pPr lvl="1"/>
             <a:r>
-              <a:rPr lang="en-US" altLang="en-US" dirty="0" smtClean="0"/>
+              <a:rPr lang="en-US" altLang="en-US" dirty="0"/>
               <a:t>Asymmetric cryptography</a:t>
             </a:r>
           </a:p>
           <a:p>
             <a:pPr lvl="1"/>
-            <a:endParaRPr lang="en-US" altLang="en-US" dirty="0" smtClean="0"/>
-          </a:p>
-          <a:p>
-            <a:r>
-              <a:rPr lang="en-US" altLang="en-US" dirty="0" smtClean="0"/>
+            <a:endParaRPr lang="en-US" altLang="en-US" dirty="0"/>
+          </a:p>
+          <a:p>
+            <a:r>
+              <a:rPr lang="en-US" altLang="en-US" dirty="0"/>
               <a:t>Aspects of PKI</a:t>
             </a:r>
           </a:p>
           <a:p>
             <a:pPr lvl="1"/>
             <a:r>
-              <a:rPr lang="en-US" altLang="en-US" dirty="0" smtClean="0"/>
+              <a:rPr lang="en-US" altLang="en-US" dirty="0"/>
               <a:t>Public-key cryptography standards</a:t>
             </a:r>
           </a:p>
           <a:p>
             <a:pPr lvl="1"/>
             <a:r>
-              <a:rPr lang="en-US" altLang="en-US" dirty="0" smtClean="0"/>
+              <a:rPr lang="en-US" altLang="en-US" dirty="0"/>
               <a:t>Trust models</a:t>
             </a:r>
           </a:p>
           <a:p>
             <a:pPr lvl="1"/>
             <a:r>
-              <a:rPr lang="en-US" altLang="en-US" dirty="0" smtClean="0"/>
+              <a:rPr lang="en-US" altLang="en-US" dirty="0"/>
               <a:t>Managing PKI</a:t>
             </a:r>
           </a:p>
@@ -19626,7 +19547,7 @@
   <p:timing>
     <p:tnLst>
       <p:par>
-        <p:cTn xmlns:p14="http://schemas.microsoft.com/office/powerpoint/2010/main" id="1" dur="indefinite" restart="never" nodeType="tmRoot">
+        <p:cTn id="1" dur="indefinite" restart="never" nodeType="tmRoot">
           <p:childTnLst>
             <p:seq concurrent="1" nextAc="seek">
               <p:cTn id="2" dur="indefinite" nodeType="mainSeq">
@@ -20032,7 +19953,7 @@
           <a:lstStyle/>
           <a:p>
             <a:r>
-              <a:rPr lang="en-US" altLang="en-US" smtClean="0"/>
+              <a:rPr lang="en-US" altLang="en-US"/>
               <a:t>What is Public Key Infrastructure?</a:t>
             </a:r>
           </a:p>
@@ -20054,54 +19975,54 @@
           <a:lstStyle/>
           <a:p>
             <a:r>
-              <a:rPr lang="en-US" altLang="en-US" dirty="0" smtClean="0"/>
+              <a:rPr lang="en-US" altLang="en-US" dirty="0"/>
               <a:t>Guidelines for a consistent way to manage digital certificates</a:t>
             </a:r>
           </a:p>
           <a:p>
-            <a:endParaRPr lang="en-US" altLang="en-US" dirty="0" smtClean="0"/>
-          </a:p>
-          <a:p>
-            <a:r>
-              <a:rPr lang="en-US" altLang="en-US" b="1" dirty="0" smtClean="0"/>
+            <a:endParaRPr lang="en-US" altLang="en-US" dirty="0"/>
+          </a:p>
+          <a:p>
+            <a:r>
+              <a:rPr lang="en-US" altLang="en-US" b="1" dirty="0"/>
               <a:t>Public key infrastructure (PKI) </a:t>
             </a:r>
             <a:r>
-              <a:rPr lang="en-US" altLang="en-US" dirty="0" smtClean="0"/>
+              <a:rPr lang="en-US" altLang="en-US" dirty="0"/>
               <a:t>- framework for all entities involved in digital certificates</a:t>
             </a:r>
           </a:p>
           <a:p>
             <a:r>
-              <a:rPr lang="en-US" altLang="en-US" dirty="0" smtClean="0"/>
+              <a:rPr lang="en-US" altLang="en-US" dirty="0"/>
               <a:t>Certificate management actions facilitated by PKI</a:t>
             </a:r>
           </a:p>
           <a:p>
             <a:pPr lvl="1"/>
             <a:r>
-              <a:rPr lang="en-US" altLang="en-US" dirty="0" smtClean="0"/>
+              <a:rPr lang="en-US" altLang="en-US" dirty="0"/>
               <a:t>Create</a:t>
             </a:r>
           </a:p>
           <a:p>
             <a:pPr lvl="1"/>
             <a:r>
-              <a:rPr lang="en-US" altLang="en-US" dirty="0" smtClean="0"/>
+              <a:rPr lang="en-US" altLang="en-US" dirty="0"/>
               <a:t>Store</a:t>
             </a:r>
           </a:p>
           <a:p>
             <a:pPr lvl="1"/>
             <a:r>
-              <a:rPr lang="en-US" altLang="en-US" dirty="0" smtClean="0"/>
+              <a:rPr lang="en-US" altLang="en-US" dirty="0"/>
               <a:t>Distribute</a:t>
             </a:r>
           </a:p>
           <a:p>
             <a:pPr lvl="1"/>
             <a:r>
-              <a:rPr lang="en-US" altLang="en-US" dirty="0" smtClean="0"/>
+              <a:rPr lang="en-US" altLang="en-US" dirty="0"/>
               <a:t>Revoke</a:t>
             </a:r>
           </a:p>
@@ -20115,7 +20036,7 @@
   <p:timing>
     <p:tnLst>
       <p:par>
-        <p:cTn xmlns:p14="http://schemas.microsoft.com/office/powerpoint/2010/main" id="1" dur="indefinite" restart="never" nodeType="tmRoot">
+        <p:cTn id="1" dur="indefinite" restart="never" nodeType="tmRoot">
           <p:childTnLst>
             <p:seq concurrent="1" nextAc="seek">
               <p:cTn id="2" dur="indefinite" nodeType="mainSeq">
@@ -20521,7 +20442,7 @@
           <a:lstStyle/>
           <a:p>
             <a:r>
-              <a:rPr lang="en-US" altLang="en-US" smtClean="0"/>
+              <a:rPr lang="en-US" altLang="en-US"/>
               <a:t>Public-Key Cryptographic Standards (PKCS)</a:t>
             </a:r>
           </a:p>
@@ -20543,7 +20464,7 @@
           <a:lstStyle/>
           <a:p>
             <a:r>
-              <a:rPr lang="en-US" altLang="en-US" dirty="0" smtClean="0"/>
+              <a:rPr lang="en-US" altLang="en-US" dirty="0"/>
               <a:t>PKCS - A set of </a:t>
             </a:r>
           </a:p>
@@ -20554,40 +20475,40 @@
           <a:p>
             <a:pPr lvl="1"/>
             <a:r>
-              <a:rPr lang="en-US" altLang="en-US" dirty="0" smtClean="0"/>
+              <a:rPr lang="en-US" altLang="en-US" dirty="0"/>
               <a:t>standards defined by the RSA Corporation</a:t>
             </a:r>
           </a:p>
           <a:p>
             <a:pPr lvl="1"/>
-            <a:endParaRPr lang="en-US" altLang="en-US" dirty="0" smtClean="0"/>
+            <a:endParaRPr lang="en-US" altLang="en-US" dirty="0"/>
           </a:p>
           <a:p>
             <a:pPr lvl="1"/>
             <a:r>
-              <a:rPr lang="en-US" altLang="en-US" dirty="0" smtClean="0"/>
+              <a:rPr lang="en-US" altLang="en-US" dirty="0"/>
               <a:t>Widely accepted in the industry</a:t>
             </a:r>
           </a:p>
           <a:p>
             <a:pPr lvl="1"/>
-            <a:endParaRPr lang="en-US" altLang="en-US" dirty="0" smtClean="0"/>
+            <a:endParaRPr lang="en-US" altLang="en-US" dirty="0"/>
           </a:p>
           <a:p>
             <a:pPr lvl="1"/>
             <a:r>
-              <a:rPr lang="en-US" altLang="en-US" dirty="0" smtClean="0"/>
+              <a:rPr lang="en-US" altLang="en-US" dirty="0"/>
               <a:t>Based on the RSA public-key algorithm</a:t>
             </a:r>
           </a:p>
           <a:p>
             <a:pPr lvl="1"/>
-            <a:endParaRPr lang="en-US" altLang="en-US" dirty="0" smtClean="0"/>
+            <a:endParaRPr lang="en-US" altLang="en-US" dirty="0"/>
           </a:p>
           <a:p>
             <a:pPr lvl="1"/>
             <a:r>
-              <a:rPr lang="en-US" altLang="en-US" dirty="0" smtClean="0"/>
+              <a:rPr lang="en-US" altLang="en-US" dirty="0"/>
               <a:t>Composed of the 15 standards detailed in Table 6-3 on page 241 of the text</a:t>
             </a:r>
           </a:p>
@@ -20601,7 +20522,7 @@
   <p:timing>
     <p:tnLst>
       <p:par>
-        <p:cTn xmlns:p14="http://schemas.microsoft.com/office/powerpoint/2010/main" id="1" dur="indefinite" restart="never" nodeType="tmRoot">
+        <p:cTn id="1" dur="indefinite" restart="never" nodeType="tmRoot">
           <p:childTnLst>
             <p:seq concurrent="1" nextAc="seek">
               <p:cTn id="2" dur="indefinite" nodeType="mainSeq">
@@ -20909,7 +20830,7 @@
           <a:lstStyle/>
           <a:p>
             <a:r>
-              <a:rPr lang="en-US" altLang="en-US" smtClean="0"/>
+              <a:rPr lang="en-US" altLang="en-US"/>
               <a:t>Trust Models</a:t>
             </a:r>
           </a:p>
@@ -20936,33 +20857,33 @@
           <a:lstStyle/>
           <a:p>
             <a:r>
-              <a:rPr lang="en-US" altLang="en-US" dirty="0" smtClean="0"/>
+              <a:rPr lang="en-US" altLang="en-US" dirty="0"/>
               <a:t>Trust</a:t>
             </a:r>
           </a:p>
           <a:p>
             <a:pPr lvl="1"/>
             <a:r>
-              <a:rPr lang="en-US" altLang="en-US" dirty="0" smtClean="0"/>
+              <a:rPr lang="en-US" altLang="en-US" dirty="0"/>
               <a:t>Confidence in or reliance on another person or entity</a:t>
             </a:r>
           </a:p>
           <a:p>
             <a:r>
-              <a:rPr lang="en-US" altLang="en-US" dirty="0" smtClean="0"/>
+              <a:rPr lang="en-US" altLang="en-US" dirty="0"/>
               <a:t>Trust model</a:t>
             </a:r>
           </a:p>
           <a:p>
             <a:pPr lvl="1"/>
             <a:r>
-              <a:rPr lang="en-US" altLang="en-US" dirty="0" smtClean="0"/>
+              <a:rPr lang="en-US" altLang="en-US" dirty="0"/>
               <a:t>The type of trust relationship that can exist between individuals and entities</a:t>
             </a:r>
           </a:p>
           <a:p>
             <a:r>
-              <a:rPr lang="en-US" altLang="en-US" dirty="0" smtClean="0"/>
+              <a:rPr lang="en-US" altLang="en-US" dirty="0"/>
               <a:t>Direct trust</a:t>
             </a:r>
           </a:p>
@@ -20970,23 +20891,19 @@
             <a:pPr lvl="1"/>
             <a:r>
               <a:rPr lang="en-US" altLang="en-US" dirty="0"/>
-              <a:t>T</a:t>
-            </a:r>
-            <a:r>
-              <a:rPr lang="en-US" altLang="en-US" dirty="0" smtClean="0"/>
-              <a:t>rust model where a person knows the other person</a:t>
-            </a:r>
-          </a:p>
-          <a:p>
-            <a:r>
-              <a:rPr lang="en-US" altLang="en-US" dirty="0" smtClean="0"/>
+              <a:t>Trust model where a person knows the other person</a:t>
+            </a:r>
+          </a:p>
+          <a:p>
+            <a:r>
+              <a:rPr lang="en-US" altLang="en-US" dirty="0"/>
               <a:t>Third-party trust</a:t>
             </a:r>
           </a:p>
           <a:p>
             <a:pPr lvl="1"/>
             <a:r>
-              <a:rPr lang="en-US" altLang="en-US" dirty="0" smtClean="0"/>
+              <a:rPr lang="en-US" altLang="en-US" dirty="0"/>
               <a:t>Individuals trust each other because each trusts a third party</a:t>
             </a:r>
           </a:p>
@@ -21000,7 +20917,7 @@
   <p:timing>
     <p:tnLst>
       <p:par>
-        <p:cTn xmlns:p14="http://schemas.microsoft.com/office/powerpoint/2010/main" id="1" dur="indefinite" restart="never" nodeType="tmRoot">
+        <p:cTn id="1" dur="indefinite" restart="never" nodeType="tmRoot">
           <p:childTnLst>
             <p:seq concurrent="1" nextAc="seek">
               <p:cTn id="2" dur="indefinite" nodeType="mainSeq">
@@ -21455,7 +21372,7 @@
           <a:lstStyle/>
           <a:p>
             <a:r>
-              <a:rPr lang="en-US" altLang="en-US" smtClean="0"/>
+              <a:rPr lang="en-US" altLang="en-US"/>
               <a:t>Trust Models</a:t>
             </a:r>
           </a:p>
@@ -21477,45 +21394,45 @@
           <a:lstStyle/>
           <a:p>
             <a:r>
-              <a:rPr lang="en-US" altLang="en-US" dirty="0" smtClean="0"/>
+              <a:rPr lang="en-US" altLang="en-US" dirty="0"/>
               <a:t>Hierarchical Trust Model</a:t>
             </a:r>
           </a:p>
           <a:p>
             <a:pPr lvl="1"/>
             <a:r>
-              <a:rPr lang="en-US" altLang="en-US" dirty="0" smtClean="0"/>
+              <a:rPr lang="en-US" altLang="en-US" dirty="0"/>
               <a:t>Assigns a single hierarchy with one master CA called the </a:t>
             </a:r>
             <a:r>
-              <a:rPr lang="en-US" altLang="en-US" i="1" dirty="0" smtClean="0"/>
+              <a:rPr lang="en-US" altLang="en-US" i="1" dirty="0"/>
               <a:t>root</a:t>
             </a:r>
           </a:p>
           <a:p>
             <a:pPr lvl="1"/>
             <a:r>
-              <a:rPr lang="en-US" altLang="en-US" dirty="0" smtClean="0"/>
+              <a:rPr lang="en-US" altLang="en-US" dirty="0"/>
               <a:t>Root signs all digital certificate authorities with a single key</a:t>
             </a:r>
           </a:p>
           <a:p>
             <a:pPr lvl="1"/>
             <a:r>
-              <a:rPr lang="en-US" altLang="en-US" dirty="0" smtClean="0"/>
+              <a:rPr lang="en-US" altLang="en-US" dirty="0"/>
               <a:t>Can be used in an organization where one CA is responsible for only that organization’s digital certificates</a:t>
             </a:r>
           </a:p>
           <a:p>
             <a:r>
-              <a:rPr lang="en-US" altLang="en-US" dirty="0" smtClean="0"/>
+              <a:rPr lang="en-US" altLang="en-US" dirty="0"/>
               <a:t>Limitation:</a:t>
             </a:r>
           </a:p>
           <a:p>
             <a:pPr lvl="1"/>
             <a:r>
-              <a:rPr lang="en-US" altLang="en-US" dirty="0" smtClean="0"/>
+              <a:rPr lang="en-US" altLang="en-US" dirty="0"/>
               <a:t>A single CA private key may be compromised rendering all certificates worthless</a:t>
             </a:r>
           </a:p>
@@ -21529,7 +21446,7 @@
   <p:timing>
     <p:tnLst>
       <p:par>
-        <p:cTn xmlns:p14="http://schemas.microsoft.com/office/powerpoint/2010/main" id="1" dur="indefinite" restart="never" nodeType="tmRoot">
+        <p:cTn id="1" dur="indefinite" restart="never" nodeType="tmRoot">
           <p:childTnLst>
             <p:seq concurrent="1" nextAc="seek">
               <p:cTn id="2" dur="indefinite" nodeType="mainSeq">
@@ -21886,7 +21803,7 @@
           <a:lstStyle/>
           <a:p>
             <a:r>
-              <a:rPr lang="en-US" altLang="en-US" smtClean="0"/>
+              <a:rPr lang="en-US" altLang="en-US"/>
               <a:t>Trust Models</a:t>
             </a:r>
           </a:p>
@@ -21921,13 +21838,6 @@
   <p:clrMapOvr>
     <a:masterClrMapping/>
   </p:clrMapOvr>
-  <p:timing>
-    <p:tnLst>
-      <p:par>
-        <p:cTn xmlns:p14="http://schemas.microsoft.com/office/powerpoint/2010/main" id="1" dur="indefinite" restart="never" nodeType="tmRoot"/>
-      </p:par>
-    </p:tnLst>
-  </p:timing>
 </p:sld>
 </file>
 
@@ -21964,7 +21874,7 @@
           <a:lstStyle/>
           <a:p>
             <a:r>
-              <a:rPr lang="en-US" altLang="en-US" smtClean="0"/>
+              <a:rPr lang="en-US" altLang="en-US"/>
               <a:t>Trust Models</a:t>
             </a:r>
           </a:p>
@@ -21986,52 +21896,52 @@
           <a:lstStyle/>
           <a:p>
             <a:r>
-              <a:rPr lang="en-US" altLang="en-US" dirty="0" smtClean="0"/>
+              <a:rPr lang="en-US" altLang="en-US" dirty="0"/>
               <a:t>Distributed Trust Model</a:t>
             </a:r>
           </a:p>
           <a:p>
             <a:pPr lvl="1"/>
             <a:r>
-              <a:rPr lang="en-US" altLang="en-US" dirty="0" smtClean="0"/>
+              <a:rPr lang="en-US" altLang="en-US" dirty="0"/>
               <a:t>Multiple CAs sign digital certificates</a:t>
             </a:r>
           </a:p>
           <a:p>
             <a:pPr lvl="1"/>
             <a:r>
-              <a:rPr lang="en-US" altLang="en-US" dirty="0" smtClean="0"/>
+              <a:rPr lang="en-US" altLang="en-US" dirty="0"/>
               <a:t>Eliminates limitations of hierarchical trust model</a:t>
             </a:r>
           </a:p>
           <a:p>
             <a:pPr lvl="1"/>
-            <a:endParaRPr lang="en-US" altLang="en-US" dirty="0" smtClean="0"/>
-          </a:p>
-          <a:p>
-            <a:r>
-              <a:rPr lang="en-US" altLang="en-US" dirty="0" smtClean="0"/>
+            <a:endParaRPr lang="en-US" altLang="en-US" dirty="0"/>
+          </a:p>
+          <a:p>
+            <a:r>
+              <a:rPr lang="en-US" altLang="en-US" dirty="0"/>
               <a:t>Bridge Trust Model</a:t>
             </a:r>
           </a:p>
           <a:p>
             <a:pPr lvl="1"/>
             <a:r>
-              <a:rPr lang="en-US" altLang="en-US" dirty="0" smtClean="0"/>
+              <a:rPr lang="en-US" altLang="en-US" dirty="0"/>
               <a:t>One CA acts as facilitator to interconnect other CAs</a:t>
             </a:r>
           </a:p>
           <a:p>
             <a:pPr lvl="1"/>
             <a:r>
-              <a:rPr lang="en-US" altLang="en-US" dirty="0" smtClean="0"/>
+              <a:rPr lang="en-US" altLang="en-US" dirty="0"/>
               <a:t>Facilitator CA does not issue digital certificates, instead it acts as hub between hierarchical and distributed trust model</a:t>
             </a:r>
           </a:p>
           <a:p>
             <a:pPr lvl="1"/>
             <a:r>
-              <a:rPr lang="en-US" altLang="en-US" dirty="0" smtClean="0"/>
+              <a:rPr lang="en-US" altLang="en-US" dirty="0"/>
               <a:t>Allows the different models to be linked</a:t>
             </a:r>
           </a:p>
@@ -22045,7 +21955,7 @@
   <p:timing>
     <p:tnLst>
       <p:par>
-        <p:cTn xmlns:p14="http://schemas.microsoft.com/office/powerpoint/2010/main" id="1" dur="indefinite" restart="never" nodeType="tmRoot">
+        <p:cTn id="1" dur="indefinite" restart="never" nodeType="tmRoot">
           <p:childTnLst>
             <p:seq concurrent="1" nextAc="seek">
               <p:cTn id="2" dur="indefinite" nodeType="mainSeq">
@@ -22451,7 +22361,7 @@
           <a:lstStyle/>
           <a:p>
             <a:r>
-              <a:rPr lang="en-US" altLang="en-US" smtClean="0"/>
+              <a:rPr lang="en-US" altLang="en-US"/>
               <a:t>Trust Models</a:t>
             </a:r>
           </a:p>
@@ -22486,13 +22396,6 @@
   <p:clrMapOvr>
     <a:masterClrMapping/>
   </p:clrMapOvr>
-  <p:timing>
-    <p:tnLst>
-      <p:par>
-        <p:cTn xmlns:p14="http://schemas.microsoft.com/office/powerpoint/2010/main" id="1" dur="indefinite" restart="never" nodeType="tmRoot"/>
-      </p:par>
-    </p:tnLst>
-  </p:timing>
 </p:sld>
 </file>
 
@@ -22529,7 +22432,7 @@
           <a:lstStyle/>
           <a:p>
             <a:r>
-              <a:rPr lang="en-US" altLang="en-US" smtClean="0"/>
+              <a:rPr lang="en-US" altLang="en-US"/>
               <a:t>Defining Digital Certificates</a:t>
             </a:r>
           </a:p>
@@ -22551,59 +22454,59 @@
           <a:lstStyle/>
           <a:p>
             <a:r>
-              <a:rPr lang="en-US" altLang="en-US" i="1" dirty="0" smtClean="0"/>
+              <a:rPr lang="en-US" altLang="en-US" i="1" dirty="0"/>
               <a:t>Trusted third party</a:t>
             </a:r>
           </a:p>
           <a:p>
             <a:pPr lvl="1"/>
             <a:r>
-              <a:rPr lang="en-US" altLang="en-US" dirty="0" smtClean="0"/>
+              <a:rPr lang="en-US" altLang="en-US" dirty="0"/>
               <a:t>Helps solve the problem of verifying identity</a:t>
             </a:r>
           </a:p>
           <a:p>
             <a:pPr lvl="1"/>
             <a:r>
-              <a:rPr lang="en-US" altLang="en-US" dirty="0" smtClean="0"/>
+              <a:rPr lang="en-US" altLang="en-US" dirty="0"/>
               <a:t>Verifies owner IS who owns that public key</a:t>
             </a:r>
           </a:p>
           <a:p>
             <a:pPr lvl="1"/>
             <a:r>
-              <a:rPr lang="en-US" altLang="en-US" dirty="0" smtClean="0"/>
+              <a:rPr lang="en-US" altLang="en-US" dirty="0"/>
               <a:t>Helps prevent man-in-the-middle attack that impersonates owner of public key</a:t>
             </a:r>
           </a:p>
           <a:p>
             <a:pPr lvl="1"/>
-            <a:endParaRPr lang="en-US" altLang="en-US" dirty="0" smtClean="0"/>
-          </a:p>
-          <a:p>
-            <a:r>
-              <a:rPr lang="en-US" altLang="en-US" dirty="0" smtClean="0"/>
+            <a:endParaRPr lang="en-US" altLang="en-US" dirty="0"/>
+          </a:p>
+          <a:p>
+            <a:r>
+              <a:rPr lang="en-US" altLang="en-US" dirty="0"/>
               <a:t>A </a:t>
             </a:r>
             <a:r>
-              <a:rPr lang="en-US" altLang="en-US" b="1" dirty="0" smtClean="0"/>
+              <a:rPr lang="en-US" altLang="en-US" b="1" dirty="0"/>
               <a:t>digital certificate </a:t>
             </a:r>
             <a:r>
-              <a:rPr lang="en-US" altLang="en-US" dirty="0" smtClean="0"/>
+              <a:rPr lang="en-US" altLang="en-US" dirty="0"/>
               <a:t>is used to associate user’s identity to a public key </a:t>
             </a:r>
           </a:p>
           <a:p>
             <a:pPr lvl="1"/>
             <a:r>
-              <a:rPr lang="en-US" altLang="en-US" dirty="0" smtClean="0"/>
+              <a:rPr lang="en-US" altLang="en-US" dirty="0"/>
               <a:t>“digitally signed” by a trusted third party</a:t>
             </a:r>
           </a:p>
           <a:p>
             <a:pPr lvl="1"/>
-            <a:endParaRPr lang="en-US" altLang="en-US" dirty="0" smtClean="0"/>
+            <a:endParaRPr lang="en-US" altLang="en-US" dirty="0"/>
           </a:p>
         </p:txBody>
       </p:sp>
@@ -22615,7 +22518,7 @@
   <p:timing>
     <p:tnLst>
       <p:par>
-        <p:cTn xmlns:p14="http://schemas.microsoft.com/office/powerpoint/2010/main" id="1" dur="indefinite" restart="never" nodeType="tmRoot">
+        <p:cTn id="1" dur="indefinite" restart="never" nodeType="tmRoot">
           <p:childTnLst>
             <p:seq concurrent="1" nextAc="seek">
               <p:cTn id="2" dur="indefinite" nodeType="mainSeq">
@@ -22972,7 +22875,7 @@
           <a:lstStyle/>
           <a:p>
             <a:r>
-              <a:rPr lang="en-US" altLang="en-US" smtClean="0"/>
+              <a:rPr lang="en-US" altLang="en-US"/>
               <a:t>Trust Models</a:t>
             </a:r>
           </a:p>
@@ -23007,13 +22910,6 @@
   <p:clrMapOvr>
     <a:masterClrMapping/>
   </p:clrMapOvr>
-  <p:timing>
-    <p:tnLst>
-      <p:par>
-        <p:cTn xmlns:p14="http://schemas.microsoft.com/office/powerpoint/2010/main" id="1" dur="indefinite" restart="never" nodeType="tmRoot"/>
-      </p:par>
-    </p:tnLst>
-  </p:timing>
 </p:sld>
 </file>
 
@@ -23050,7 +22946,7 @@
           <a:lstStyle/>
           <a:p>
             <a:r>
-              <a:rPr lang="en-US" altLang="en-US" smtClean="0"/>
+              <a:rPr lang="en-US" altLang="en-US"/>
               <a:t>Managing PKI</a:t>
             </a:r>
           </a:p>
@@ -23072,45 +22968,45 @@
           <a:lstStyle/>
           <a:p>
             <a:r>
-              <a:rPr lang="en-US" altLang="en-US" dirty="0" smtClean="0"/>
+              <a:rPr lang="en-US" altLang="en-US" dirty="0"/>
               <a:t>Certificate Policy (CP)</a:t>
             </a:r>
           </a:p>
           <a:p>
             <a:pPr lvl="1"/>
             <a:r>
-              <a:rPr lang="en-US" altLang="en-US" sz="2300" dirty="0" smtClean="0"/>
+              <a:rPr lang="en-US" altLang="en-US" sz="2300" dirty="0"/>
               <a:t>Published set of rules governing operation of a PKI</a:t>
             </a:r>
           </a:p>
           <a:p>
             <a:pPr lvl="1"/>
             <a:r>
-              <a:rPr lang="en-US" altLang="en-US" sz="2300" dirty="0" smtClean="0"/>
+              <a:rPr lang="en-US" altLang="en-US" sz="2300" dirty="0"/>
               <a:t>Recommends base security requirements for use and operation of CA, RA, and other PKI components</a:t>
             </a:r>
           </a:p>
           <a:p>
             <a:pPr lvl="1"/>
-            <a:endParaRPr lang="en-US" altLang="en-US" sz="2300" dirty="0" smtClean="0"/>
-          </a:p>
-          <a:p>
-            <a:r>
-              <a:rPr lang="en-US" altLang="en-US" dirty="0" smtClean="0"/>
+            <a:endParaRPr lang="en-US" altLang="en-US" sz="2300" dirty="0"/>
+          </a:p>
+          <a:p>
+            <a:r>
+              <a:rPr lang="en-US" altLang="en-US" dirty="0"/>
               <a:t>Certificate Practice Statement (CPS)</a:t>
             </a:r>
           </a:p>
           <a:p>
             <a:pPr lvl="1"/>
             <a:r>
-              <a:rPr lang="en-US" altLang="en-US" sz="2300" dirty="0" smtClean="0"/>
+              <a:rPr lang="en-US" altLang="en-US" sz="2300" dirty="0"/>
               <a:t>Document describing how the CA uses and manages certificates</a:t>
             </a:r>
           </a:p>
           <a:p>
             <a:pPr lvl="1"/>
             <a:r>
-              <a:rPr lang="en-US" altLang="en-US" sz="2300" dirty="0" smtClean="0"/>
+              <a:rPr lang="en-US" altLang="en-US" sz="2300" dirty="0"/>
               <a:t>Covers how to register for, how to issue, when to revoke, procedural controls and key pair management</a:t>
             </a:r>
           </a:p>
@@ -23124,7 +23020,7 @@
   <p:timing>
     <p:tnLst>
       <p:par>
-        <p:cTn xmlns:p14="http://schemas.microsoft.com/office/powerpoint/2010/main" id="1" dur="indefinite" restart="never" nodeType="tmRoot">
+        <p:cTn id="1" dur="indefinite" restart="never" nodeType="tmRoot">
           <p:childTnLst>
             <p:seq concurrent="1" nextAc="seek">
               <p:cTn id="2" dur="indefinite" nodeType="mainSeq">
@@ -23481,7 +23377,7 @@
           <a:lstStyle/>
           <a:p>
             <a:r>
-              <a:rPr lang="en-US" altLang="en-US" smtClean="0"/>
+              <a:rPr lang="en-US" altLang="en-US"/>
               <a:t>Managing PKI</a:t>
             </a:r>
           </a:p>
@@ -23503,63 +23399,63 @@
           <a:lstStyle/>
           <a:p>
             <a:r>
-              <a:rPr lang="en-US" altLang="en-US" dirty="0" smtClean="0"/>
+              <a:rPr lang="en-US" altLang="en-US" dirty="0"/>
               <a:t>Certificate life cycle</a:t>
             </a:r>
           </a:p>
           <a:p>
             <a:pPr lvl="1"/>
             <a:r>
-              <a:rPr lang="en-US" altLang="en-US" i="1" dirty="0" smtClean="0"/>
+              <a:rPr lang="en-US" altLang="en-US" i="1" dirty="0"/>
               <a:t>Creation</a:t>
             </a:r>
           </a:p>
           <a:p>
             <a:pPr lvl="2"/>
             <a:r>
-              <a:rPr lang="en-US" altLang="en-US" dirty="0" smtClean="0"/>
+              <a:rPr lang="en-US" altLang="en-US" dirty="0"/>
               <a:t>Occurs after user is positively identified</a:t>
             </a:r>
           </a:p>
           <a:p>
             <a:pPr lvl="1"/>
             <a:r>
-              <a:rPr lang="en-US" altLang="en-US" i="1" dirty="0" smtClean="0"/>
+              <a:rPr lang="en-US" altLang="en-US" i="1" dirty="0"/>
               <a:t>Suspension</a:t>
             </a:r>
           </a:p>
           <a:p>
             <a:pPr lvl="2"/>
             <a:r>
-              <a:rPr lang="en-US" altLang="en-US" dirty="0" smtClean="0"/>
+              <a:rPr lang="en-US" altLang="en-US" dirty="0"/>
               <a:t>May occur when employee on leave of absence</a:t>
             </a:r>
           </a:p>
           <a:p>
             <a:pPr lvl="1"/>
             <a:r>
-              <a:rPr lang="en-US" altLang="en-US" i="1" dirty="0" smtClean="0"/>
+              <a:rPr lang="en-US" altLang="en-US" i="1" dirty="0"/>
               <a:t>Revocation</a:t>
             </a:r>
           </a:p>
           <a:p>
             <a:pPr lvl="2"/>
             <a:r>
-              <a:rPr lang="en-US" altLang="en-US" dirty="0" smtClean="0"/>
+              <a:rPr lang="en-US" altLang="en-US" dirty="0"/>
               <a:t>Certificate no longer valid</a:t>
             </a:r>
           </a:p>
           <a:p>
             <a:pPr lvl="1"/>
             <a:r>
-              <a:rPr lang="en-US" altLang="en-US" i="1" dirty="0" smtClean="0"/>
+              <a:rPr lang="en-US" altLang="en-US" i="1" dirty="0"/>
               <a:t>Expiration</a:t>
             </a:r>
           </a:p>
           <a:p>
             <a:pPr lvl="2"/>
             <a:r>
-              <a:rPr lang="en-US" altLang="en-US" dirty="0" smtClean="0"/>
+              <a:rPr lang="en-US" altLang="en-US" dirty="0"/>
               <a:t>Key can no longer be used</a:t>
             </a:r>
           </a:p>
@@ -23573,7 +23469,7 @@
   <p:timing>
     <p:tnLst>
       <p:par>
-        <p:cTn xmlns:p14="http://schemas.microsoft.com/office/powerpoint/2010/main" id="1" dur="indefinite" restart="never" nodeType="tmRoot">
+        <p:cTn id="1" dur="indefinite" restart="never" nodeType="tmRoot">
           <p:childTnLst>
             <p:seq concurrent="1" nextAc="seek">
               <p:cTn id="2" dur="indefinite" nodeType="mainSeq">
@@ -24077,7 +23973,7 @@
           <a:lstStyle/>
           <a:p>
             <a:r>
-              <a:rPr lang="en-US" altLang="en-US" smtClean="0"/>
+              <a:rPr lang="en-US" altLang="en-US"/>
               <a:t>Key Storage</a:t>
             </a:r>
           </a:p>
@@ -24099,63 +23995,63 @@
           <a:lstStyle/>
           <a:p>
             <a:r>
-              <a:rPr lang="en-US" altLang="en-US" dirty="0" smtClean="0"/>
+              <a:rPr lang="en-US" altLang="en-US" dirty="0"/>
               <a:t>Means of public key storage</a:t>
             </a:r>
           </a:p>
           <a:p>
             <a:pPr lvl="1"/>
             <a:r>
-              <a:rPr lang="en-US" altLang="en-US" dirty="0" smtClean="0"/>
+              <a:rPr lang="en-US" altLang="en-US" dirty="0"/>
               <a:t>Embedding within digital certificates</a:t>
             </a:r>
           </a:p>
           <a:p>
             <a:r>
-              <a:rPr lang="en-US" altLang="en-US" dirty="0" smtClean="0"/>
+              <a:rPr lang="en-US" altLang="en-US" dirty="0"/>
               <a:t>Means of private key storage</a:t>
             </a:r>
           </a:p>
           <a:p>
             <a:pPr lvl="1"/>
             <a:r>
-              <a:rPr lang="en-US" altLang="en-US" dirty="0" smtClean="0"/>
+              <a:rPr lang="en-US" altLang="en-US" dirty="0"/>
               <a:t>Stored on user’s local system</a:t>
             </a:r>
           </a:p>
           <a:p>
             <a:pPr lvl="1"/>
-            <a:endParaRPr lang="en-US" altLang="en-US" dirty="0" smtClean="0"/>
+            <a:endParaRPr lang="en-US" altLang="en-US" dirty="0"/>
           </a:p>
           <a:p>
             <a:pPr lvl="1"/>
             <a:r>
-              <a:rPr lang="en-US" altLang="en-US" dirty="0" smtClean="0"/>
+              <a:rPr lang="en-US" altLang="en-US" dirty="0"/>
               <a:t>Software-based storage may expose keys to attackers</a:t>
             </a:r>
           </a:p>
           <a:p>
             <a:pPr lvl="1"/>
-            <a:endParaRPr lang="en-US" altLang="en-US" dirty="0" smtClean="0"/>
+            <a:endParaRPr lang="en-US" altLang="en-US" dirty="0"/>
           </a:p>
           <a:p>
             <a:pPr lvl="1"/>
             <a:r>
-              <a:rPr lang="en-US" altLang="en-US" dirty="0" smtClean="0"/>
+              <a:rPr lang="en-US" altLang="en-US" dirty="0"/>
               <a:t>Alternative: storing keys in hardware</a:t>
             </a:r>
           </a:p>
           <a:p>
             <a:pPr lvl="2"/>
             <a:r>
-              <a:rPr lang="en-US" altLang="en-US" dirty="0" smtClean="0"/>
+              <a:rPr lang="en-US" altLang="en-US" dirty="0"/>
               <a:t>Smart-cards</a:t>
             </a:r>
           </a:p>
           <a:p>
             <a:pPr lvl="2"/>
             <a:r>
-              <a:rPr lang="en-US" altLang="en-US" dirty="0" smtClean="0"/>
+              <a:rPr lang="en-US" altLang="en-US" dirty="0"/>
               <a:t>Tokens</a:t>
             </a:r>
           </a:p>
@@ -24169,7 +24065,7 @@
   <p:timing>
     <p:tnLst>
       <p:par>
-        <p:cTn xmlns:p14="http://schemas.microsoft.com/office/powerpoint/2010/main" id="1" dur="indefinite" restart="never" nodeType="tmRoot">
+        <p:cTn id="1" dur="indefinite" restart="never" nodeType="tmRoot">
           <p:childTnLst>
             <p:seq concurrent="1" nextAc="seek">
               <p:cTn id="2" dur="indefinite" nodeType="mainSeq">
@@ -24624,7 +24520,7 @@
           <a:lstStyle/>
           <a:p>
             <a:r>
-              <a:rPr lang="en-US" altLang="en-US" smtClean="0"/>
+              <a:rPr lang="en-US" altLang="en-US"/>
               <a:t>Key Usage</a:t>
             </a:r>
           </a:p>
@@ -24646,50 +24542,50 @@
           <a:lstStyle/>
           <a:p>
             <a:r>
-              <a:rPr lang="en-US" altLang="en-US" dirty="0" smtClean="0"/>
+              <a:rPr lang="en-US" altLang="en-US" dirty="0"/>
               <a:t>Multiple pairs of dual keys can be created</a:t>
             </a:r>
           </a:p>
           <a:p>
             <a:pPr lvl="1"/>
             <a:r>
-              <a:rPr lang="en-US" altLang="en-US" dirty="0" smtClean="0"/>
+              <a:rPr lang="en-US" altLang="en-US" dirty="0"/>
               <a:t>If more security is needed than a single set of public/private keys</a:t>
             </a:r>
           </a:p>
           <a:p>
             <a:pPr lvl="1"/>
-            <a:endParaRPr lang="en-US" altLang="en-US" dirty="0" smtClean="0"/>
+            <a:endParaRPr lang="en-US" altLang="en-US" dirty="0"/>
           </a:p>
           <a:p>
             <a:pPr lvl="1"/>
             <a:r>
-              <a:rPr lang="en-US" altLang="en-US" dirty="0" smtClean="0"/>
+              <a:rPr lang="en-US" altLang="en-US" dirty="0"/>
               <a:t>One pair used to encrypt information</a:t>
             </a:r>
           </a:p>
           <a:p>
             <a:pPr lvl="2"/>
             <a:r>
-              <a:rPr lang="en-US" altLang="en-US" dirty="0" smtClean="0"/>
+              <a:rPr lang="en-US" altLang="en-US" dirty="0"/>
               <a:t>Public key backed up in another location</a:t>
             </a:r>
           </a:p>
           <a:p>
             <a:pPr lvl="1"/>
-            <a:endParaRPr lang="en-US" altLang="en-US" dirty="0" smtClean="0"/>
+            <a:endParaRPr lang="en-US" altLang="en-US" dirty="0"/>
           </a:p>
           <a:p>
             <a:pPr lvl="1"/>
             <a:r>
-              <a:rPr lang="en-US" altLang="en-US" dirty="0" smtClean="0"/>
+              <a:rPr lang="en-US" altLang="en-US" dirty="0"/>
               <a:t>Second pair used only for digital signatures</a:t>
             </a:r>
           </a:p>
           <a:p>
             <a:pPr lvl="2"/>
             <a:r>
-              <a:rPr lang="en-US" altLang="en-US" dirty="0" smtClean="0"/>
+              <a:rPr lang="en-US" altLang="en-US" dirty="0"/>
               <a:t>Public key in that pair would never be backed up</a:t>
             </a:r>
           </a:p>
@@ -24703,7 +24599,7 @@
   <p:timing>
     <p:tnLst>
       <p:par>
-        <p:cTn xmlns:p14="http://schemas.microsoft.com/office/powerpoint/2010/main" id="1" dur="indefinite" restart="never" nodeType="tmRoot">
+        <p:cTn id="1" dur="indefinite" restart="never" nodeType="tmRoot">
           <p:childTnLst>
             <p:seq concurrent="1" nextAc="seek">
               <p:cTn id="2" dur="indefinite" nodeType="mainSeq">
@@ -25060,7 +24956,7 @@
           <a:lstStyle/>
           <a:p>
             <a:r>
-              <a:rPr lang="en-US" altLang="en-US" smtClean="0"/>
+              <a:rPr lang="en-US" altLang="en-US"/>
               <a:t>Key-Handling Procedures</a:t>
             </a:r>
           </a:p>
@@ -25082,52 +24978,52 @@
           <a:lstStyle/>
           <a:p>
             <a:r>
-              <a:rPr lang="en-US" altLang="en-US" dirty="0" smtClean="0"/>
+              <a:rPr lang="en-US" altLang="en-US" dirty="0"/>
               <a:t>Key escrow</a:t>
             </a:r>
           </a:p>
           <a:p>
             <a:pPr lvl="1"/>
             <a:r>
-              <a:rPr lang="en-US" altLang="en-US" dirty="0" smtClean="0"/>
+              <a:rPr lang="en-US" altLang="en-US" dirty="0"/>
               <a:t>Keys managed by a third party, such as a trusted CA</a:t>
             </a:r>
           </a:p>
           <a:p>
             <a:pPr lvl="1"/>
             <a:r>
-              <a:rPr lang="en-US" altLang="en-US" dirty="0" smtClean="0"/>
+              <a:rPr lang="en-US" altLang="en-US" dirty="0"/>
               <a:t>Private key is split and each half is encrypted</a:t>
             </a:r>
           </a:p>
           <a:p>
             <a:pPr lvl="1"/>
             <a:r>
-              <a:rPr lang="en-US" altLang="en-US" dirty="0" smtClean="0"/>
+              <a:rPr lang="en-US" altLang="en-US" dirty="0"/>
               <a:t>Halves sent to third party, stored in separate locations</a:t>
             </a:r>
           </a:p>
           <a:p>
             <a:pPr lvl="1"/>
             <a:r>
-              <a:rPr lang="en-US" altLang="en-US" dirty="0" smtClean="0"/>
+              <a:rPr lang="en-US" altLang="en-US" dirty="0"/>
               <a:t>User can retrieve and combine two halves of key for use as needed</a:t>
             </a:r>
           </a:p>
           <a:p>
             <a:pPr lvl="1"/>
-            <a:endParaRPr lang="en-US" altLang="en-US" dirty="0" smtClean="0"/>
-          </a:p>
-          <a:p>
-            <a:r>
-              <a:rPr lang="en-US" altLang="en-US" dirty="0" smtClean="0"/>
+            <a:endParaRPr lang="en-US" altLang="en-US" dirty="0"/>
+          </a:p>
+          <a:p>
+            <a:r>
+              <a:rPr lang="en-US" altLang="en-US" dirty="0"/>
               <a:t>Expiration</a:t>
             </a:r>
           </a:p>
           <a:p>
             <a:pPr lvl="1"/>
             <a:r>
-              <a:rPr lang="en-US" altLang="en-US" dirty="0" smtClean="0"/>
+              <a:rPr lang="en-US" altLang="en-US" dirty="0"/>
               <a:t>Keys expire after a set period of time</a:t>
             </a:r>
           </a:p>
@@ -25141,7 +25037,7 @@
   <p:timing>
     <p:tnLst>
       <p:par>
-        <p:cTn xmlns:p14="http://schemas.microsoft.com/office/powerpoint/2010/main" id="1" dur="indefinite" restart="never" nodeType="tmRoot">
+        <p:cTn id="1" dur="indefinite" restart="never" nodeType="tmRoot">
           <p:childTnLst>
             <p:seq concurrent="1" nextAc="seek">
               <p:cTn id="2" dur="indefinite" nodeType="mainSeq">
@@ -25552,7 +25448,7 @@
           <a:lstStyle/>
           <a:p>
             <a:r>
-              <a:rPr lang="en-US" altLang="en-US" smtClean="0"/>
+              <a:rPr lang="en-US" altLang="en-US"/>
               <a:t>Key-Handling Procedures</a:t>
             </a:r>
           </a:p>
@@ -25579,75 +25475,75 @@
           <a:lstStyle/>
           <a:p>
             <a:r>
-              <a:rPr lang="en-US" altLang="en-US" dirty="0" smtClean="0"/>
+              <a:rPr lang="en-US" altLang="en-US" dirty="0"/>
               <a:t>Renewal</a:t>
             </a:r>
           </a:p>
           <a:p>
             <a:pPr lvl="1"/>
             <a:r>
-              <a:rPr lang="en-US" altLang="en-US" dirty="0" smtClean="0"/>
+              <a:rPr lang="en-US" altLang="en-US" dirty="0"/>
               <a:t>Existing key can be renewed</a:t>
             </a:r>
           </a:p>
           <a:p>
             <a:pPr lvl="1"/>
             <a:r>
-              <a:rPr lang="en-US" altLang="en-US" dirty="0" smtClean="0"/>
+              <a:rPr lang="en-US" altLang="en-US" dirty="0"/>
               <a:t>A bit more vulnerable</a:t>
             </a:r>
           </a:p>
           <a:p>
             <a:r>
-              <a:rPr lang="en-US" altLang="en-US" dirty="0" smtClean="0"/>
+              <a:rPr lang="en-US" altLang="en-US" dirty="0"/>
               <a:t>Revocation</a:t>
             </a:r>
           </a:p>
           <a:p>
             <a:pPr lvl="1"/>
             <a:r>
-              <a:rPr lang="en-US" altLang="en-US" dirty="0" smtClean="0"/>
+              <a:rPr lang="en-US" altLang="en-US" dirty="0"/>
               <a:t>Keys can be revoked prior to expiration date</a:t>
             </a:r>
           </a:p>
           <a:p>
             <a:pPr lvl="1"/>
             <a:r>
-              <a:rPr lang="en-US" altLang="en-US" dirty="0" smtClean="0"/>
+              <a:rPr lang="en-US" altLang="en-US" dirty="0"/>
               <a:t>Revoked keys may not be reinstated</a:t>
             </a:r>
           </a:p>
           <a:p>
             <a:r>
-              <a:rPr lang="en-US" altLang="en-US" dirty="0" smtClean="0"/>
+              <a:rPr lang="en-US" altLang="en-US" dirty="0"/>
               <a:t>Recovery</a:t>
             </a:r>
           </a:p>
           <a:p>
             <a:pPr lvl="1"/>
             <a:r>
-              <a:rPr lang="en-US" altLang="en-US" dirty="0" smtClean="0"/>
+              <a:rPr lang="en-US" altLang="en-US" dirty="0"/>
               <a:t>Example:  recover keys of an employee hospitalized for extended period</a:t>
             </a:r>
           </a:p>
           <a:p>
             <a:pPr lvl="1"/>
             <a:r>
-              <a:rPr lang="en-US" altLang="en-US" dirty="0" smtClean="0"/>
+              <a:rPr lang="en-US" altLang="en-US" dirty="0"/>
               <a:t>Key recovery agent (KRA) may be used </a:t>
             </a:r>
           </a:p>
           <a:p>
             <a:pPr lvl="2"/>
             <a:r>
-              <a:rPr lang="en-US" altLang="en-US" dirty="0" smtClean="0"/>
+              <a:rPr lang="en-US" altLang="en-US" dirty="0"/>
               <a:t>(trusted person can request the keys of others)</a:t>
             </a:r>
           </a:p>
           <a:p>
             <a:pPr lvl="1"/>
             <a:r>
-              <a:rPr lang="en-US" altLang="en-US" dirty="0" smtClean="0"/>
+              <a:rPr lang="en-US" altLang="en-US" dirty="0"/>
               <a:t>Group of people may be used (M-of-N control)</a:t>
             </a:r>
           </a:p>
@@ -25661,7 +25557,7 @@
   <p:timing>
     <p:tnLst>
       <p:par>
-        <p:cTn xmlns:p14="http://schemas.microsoft.com/office/powerpoint/2010/main" id="1" dur="indefinite" restart="never" nodeType="tmRoot">
+        <p:cTn id="1" dur="indefinite" restart="never" nodeType="tmRoot">
           <p:childTnLst>
             <p:seq concurrent="1" nextAc="seek">
               <p:cTn id="2" dur="indefinite" nodeType="mainSeq">
@@ -26263,7 +26159,7 @@
           <a:lstStyle/>
           <a:p>
             <a:r>
-              <a:rPr lang="en-US" altLang="en-US" smtClean="0"/>
+              <a:rPr lang="en-US" altLang="en-US"/>
               <a:t>Key-Handling Procedures</a:t>
             </a:r>
           </a:p>
@@ -26298,13 +26194,6 @@
   <p:clrMapOvr>
     <a:masterClrMapping/>
   </p:clrMapOvr>
-  <p:timing>
-    <p:tnLst>
-      <p:par>
-        <p:cTn xmlns:p14="http://schemas.microsoft.com/office/powerpoint/2010/main" id="1" dur="indefinite" restart="never" nodeType="tmRoot"/>
-      </p:par>
-    </p:tnLst>
-  </p:timing>
 </p:sld>
 </file>
 
@@ -26341,7 +26230,7 @@
           <a:lstStyle/>
           <a:p>
             <a:r>
-              <a:rPr lang="en-US" altLang="en-US" smtClean="0"/>
+              <a:rPr lang="en-US" altLang="en-US"/>
               <a:t>Key-Handling Procedures</a:t>
             </a:r>
           </a:p>
@@ -26363,31 +26252,31 @@
           <a:lstStyle/>
           <a:p>
             <a:r>
-              <a:rPr lang="en-US" altLang="en-US" dirty="0" smtClean="0"/>
+              <a:rPr lang="en-US" altLang="en-US" dirty="0"/>
               <a:t>Suspension</a:t>
             </a:r>
           </a:p>
           <a:p>
             <a:pPr lvl="1"/>
             <a:r>
-              <a:rPr lang="en-US" altLang="en-US" dirty="0" smtClean="0"/>
+              <a:rPr lang="en-US" altLang="en-US" dirty="0"/>
               <a:t>Suspended for a set period of time and then reinstated</a:t>
             </a:r>
           </a:p>
           <a:p>
             <a:pPr lvl="1"/>
-            <a:endParaRPr lang="en-US" altLang="en-US" dirty="0" smtClean="0"/>
-          </a:p>
-          <a:p>
-            <a:r>
-              <a:rPr lang="en-US" altLang="en-US" dirty="0" smtClean="0"/>
+            <a:endParaRPr lang="en-US" altLang="en-US" dirty="0"/>
+          </a:p>
+          <a:p>
+            <a:r>
+              <a:rPr lang="en-US" altLang="en-US" dirty="0"/>
               <a:t>Destruction</a:t>
             </a:r>
           </a:p>
           <a:p>
             <a:pPr lvl="1"/>
             <a:r>
-              <a:rPr lang="en-US" altLang="en-US" dirty="0" smtClean="0"/>
+              <a:rPr lang="en-US" altLang="en-US" dirty="0"/>
               <a:t>Removes all public and private keys and user’s identification from the CA</a:t>
             </a:r>
           </a:p>
@@ -26401,7 +26290,7 @@
   <p:timing>
     <p:tnLst>
       <p:par>
-        <p:cTn xmlns:p14="http://schemas.microsoft.com/office/powerpoint/2010/main" id="1" dur="indefinite" restart="never" nodeType="tmRoot">
+        <p:cTn id="1" dur="indefinite" restart="never" nodeType="tmRoot">
           <p:childTnLst>
             <p:seq concurrent="1" nextAc="seek">
               <p:cTn id="2" dur="indefinite" nodeType="mainSeq">
@@ -26660,7 +26549,7 @@
           <a:lstStyle/>
           <a:p>
             <a:r>
-              <a:rPr lang="en-US" altLang="en-US" smtClean="0"/>
+              <a:rPr lang="en-US" altLang="en-US"/>
               <a:t>Cryptographic Transport Protocols</a:t>
             </a:r>
           </a:p>
@@ -26685,7 +26574,7 @@
               <a:defRPr/>
             </a:pPr>
             <a:r>
-              <a:rPr lang="en-US" altLang="en-US" dirty="0" smtClean="0"/>
+              <a:rPr lang="en-US" altLang="en-US" dirty="0"/>
               <a:t>Secure Sockets Layer (SSL)</a:t>
             </a:r>
           </a:p>
@@ -26694,7 +26583,7 @@
               <a:defRPr/>
             </a:pPr>
             <a:r>
-              <a:rPr lang="en-US" altLang="en-US" dirty="0" smtClean="0"/>
+              <a:rPr lang="en-US" altLang="en-US" dirty="0"/>
               <a:t>One of the most common transport algorithms</a:t>
             </a:r>
           </a:p>
@@ -26703,7 +26592,7 @@
               <a:defRPr/>
             </a:pPr>
             <a:r>
-              <a:rPr lang="en-US" altLang="en-US" dirty="0" smtClean="0"/>
+              <a:rPr lang="en-US" altLang="en-US" dirty="0"/>
               <a:t>Developed by Netscape</a:t>
             </a:r>
           </a:p>
@@ -26712,7 +26601,7 @@
               <a:defRPr/>
             </a:pPr>
             <a:r>
-              <a:rPr lang="en-US" altLang="en-US" dirty="0" smtClean="0"/>
+              <a:rPr lang="en-US" altLang="en-US" dirty="0"/>
               <a:t>Design goal was to create an encrypted data path between a client and a server</a:t>
             </a:r>
           </a:p>
@@ -26720,14 +26609,14 @@
             <a:pPr lvl="1">
               <a:defRPr/>
             </a:pPr>
-            <a:endParaRPr lang="en-US" altLang="en-US" dirty="0" smtClean="0"/>
+            <a:endParaRPr lang="en-US" altLang="en-US" dirty="0"/>
           </a:p>
           <a:p>
             <a:pPr>
               <a:defRPr/>
             </a:pPr>
             <a:r>
-              <a:rPr lang="en-US" altLang="en-US" dirty="0" smtClean="0"/>
+              <a:rPr lang="en-US" altLang="en-US" dirty="0"/>
               <a:t>Transport Layer Security (TLS)</a:t>
             </a:r>
           </a:p>
@@ -26736,7 +26625,7 @@
               <a:defRPr/>
             </a:pPr>
             <a:r>
-              <a:rPr lang="en-US" altLang="en-US" dirty="0" smtClean="0"/>
+              <a:rPr lang="en-US" altLang="en-US" dirty="0"/>
               <a:t>Versions starting with v1.1 are significantly more secure than SSL v3.0 </a:t>
             </a:r>
           </a:p>
@@ -26746,13 +26635,13 @@
               <a:buNone/>
               <a:defRPr/>
             </a:pPr>
-            <a:endParaRPr lang="en-US" altLang="en-US" dirty="0" smtClean="0"/>
+            <a:endParaRPr lang="en-US" altLang="en-US" dirty="0"/>
           </a:p>
           <a:p>
             <a:pPr lvl="1">
               <a:defRPr/>
             </a:pPr>
-            <a:endParaRPr lang="en-US" altLang="en-US" dirty="0" smtClean="0"/>
+            <a:endParaRPr lang="en-US" altLang="en-US" dirty="0"/>
           </a:p>
         </p:txBody>
       </p:sp>
@@ -26764,7 +26653,7 @@
   <p:timing>
     <p:tnLst>
       <p:par>
-        <p:cTn xmlns:p14="http://schemas.microsoft.com/office/powerpoint/2010/main" id="1" dur="indefinite" restart="never" nodeType="tmRoot">
+        <p:cTn id="1" dur="indefinite" restart="never" nodeType="tmRoot">
           <p:childTnLst>
             <p:seq concurrent="1" nextAc="seek">
               <p:cTn id="2" dur="indefinite" nodeType="mainSeq">
@@ -27121,7 +27010,7 @@
           <a:lstStyle/>
           <a:p>
             <a:r>
-              <a:rPr lang="en-US" altLang="en-US" smtClean="0"/>
+              <a:rPr lang="en-US" altLang="en-US"/>
               <a:t>Defining Digital Certificates</a:t>
             </a:r>
           </a:p>
@@ -27143,55 +27032,55 @@
           <a:lstStyle/>
           <a:p>
             <a:r>
-              <a:rPr lang="en-US" altLang="en-US" dirty="0" smtClean="0"/>
+              <a:rPr lang="en-US" altLang="en-US" dirty="0"/>
               <a:t>Information contained in a digital certificate</a:t>
             </a:r>
           </a:p>
           <a:p>
             <a:pPr lvl="1"/>
             <a:r>
-              <a:rPr lang="en-US" altLang="en-US" dirty="0" smtClean="0"/>
+              <a:rPr lang="en-US" altLang="en-US" dirty="0"/>
               <a:t>Owner’s name or alias</a:t>
             </a:r>
           </a:p>
           <a:p>
             <a:pPr lvl="1"/>
             <a:r>
-              <a:rPr lang="en-US" altLang="en-US" dirty="0" smtClean="0"/>
+              <a:rPr lang="en-US" altLang="en-US" dirty="0"/>
               <a:t>Owner’s public key</a:t>
             </a:r>
           </a:p>
           <a:p>
             <a:pPr lvl="1"/>
             <a:r>
-              <a:rPr lang="en-US" altLang="en-US" dirty="0" smtClean="0"/>
+              <a:rPr lang="en-US" altLang="en-US" dirty="0"/>
               <a:t>Issuer’s name</a:t>
             </a:r>
           </a:p>
           <a:p>
             <a:pPr lvl="1"/>
             <a:r>
-              <a:rPr lang="en-US" altLang="en-US" dirty="0" smtClean="0"/>
+              <a:rPr lang="en-US" altLang="en-US" dirty="0"/>
               <a:t>Issuer’s digital signature</a:t>
             </a:r>
           </a:p>
           <a:p>
             <a:pPr lvl="1"/>
             <a:r>
-              <a:rPr lang="en-US" altLang="en-US" dirty="0" smtClean="0"/>
+              <a:rPr lang="en-US" altLang="en-US" dirty="0"/>
               <a:t>Digital certificate’s serial number</a:t>
             </a:r>
           </a:p>
           <a:p>
             <a:pPr lvl="1"/>
             <a:r>
-              <a:rPr lang="en-US" altLang="en-US" dirty="0" smtClean="0"/>
+              <a:rPr lang="en-US" altLang="en-US" dirty="0"/>
               <a:t>Expiration date of the public key</a:t>
             </a:r>
           </a:p>
           <a:p>
             <a:pPr lvl="1"/>
-            <a:endParaRPr lang="en-US" altLang="en-US" dirty="0" smtClean="0"/>
+            <a:endParaRPr lang="en-US" altLang="en-US" dirty="0"/>
           </a:p>
         </p:txBody>
       </p:sp>
@@ -27203,7 +27092,7 @@
   <p:timing>
     <p:tnLst>
       <p:par>
-        <p:cTn xmlns:p14="http://schemas.microsoft.com/office/powerpoint/2010/main" id="1" dur="indefinite" restart="never" nodeType="tmRoot">
+        <p:cTn id="1" dur="indefinite" restart="never" nodeType="tmRoot">
           <p:childTnLst>
             <p:seq concurrent="1" nextAc="seek">
               <p:cTn id="2" dur="indefinite" nodeType="mainSeq">
@@ -27609,7 +27498,7 @@
           <a:lstStyle/>
           <a:p>
             <a:r>
-              <a:rPr lang="en-US" altLang="en-US" smtClean="0"/>
+              <a:rPr lang="en-US" altLang="en-US"/>
               <a:t>Cryptographic Transport Protocols</a:t>
             </a:r>
           </a:p>
@@ -27631,51 +27520,51 @@
           <a:lstStyle/>
           <a:p>
             <a:r>
-              <a:rPr lang="en-US" altLang="en-US" dirty="0" smtClean="0"/>
+              <a:rPr lang="en-US" altLang="en-US" dirty="0"/>
               <a:t>Cipher suite</a:t>
             </a:r>
           </a:p>
           <a:p>
             <a:pPr lvl="1"/>
             <a:r>
-              <a:rPr lang="en-US" altLang="en-US" dirty="0" smtClean="0"/>
+              <a:rPr lang="en-US" altLang="en-US" dirty="0"/>
               <a:t>A named combination of the encryption, authentication, and message authentication code (MAC) algorithms that are used with SSL and TLS</a:t>
             </a:r>
           </a:p>
           <a:p>
             <a:pPr lvl="1"/>
-            <a:endParaRPr lang="en-US" altLang="en-US" dirty="0" smtClean="0"/>
-          </a:p>
-          <a:p>
-            <a:r>
-              <a:rPr lang="en-US" altLang="en-US" dirty="0" smtClean="0"/>
+            <a:endParaRPr lang="en-US" altLang="en-US" dirty="0"/>
+          </a:p>
+          <a:p>
+            <a:r>
+              <a:rPr lang="en-US" altLang="en-US" dirty="0"/>
               <a:t>Length of keys - a factor in determining the overall security of a transmission</a:t>
             </a:r>
           </a:p>
           <a:p>
             <a:pPr lvl="1"/>
             <a:r>
-              <a:rPr lang="en-US" altLang="en-US" dirty="0" smtClean="0"/>
+              <a:rPr lang="en-US" altLang="en-US" dirty="0"/>
               <a:t>Keys less than 2048 bits are considered weak</a:t>
             </a:r>
           </a:p>
           <a:p>
             <a:pPr lvl="1"/>
             <a:r>
-              <a:rPr lang="en-US" altLang="en-US" dirty="0" smtClean="0"/>
+              <a:rPr lang="en-US" altLang="en-US" dirty="0"/>
               <a:t>Keys 2048 bits are considered good</a:t>
             </a:r>
           </a:p>
           <a:p>
             <a:pPr lvl="1"/>
             <a:r>
-              <a:rPr lang="en-US" altLang="en-US" dirty="0" smtClean="0"/>
+              <a:rPr lang="en-US" altLang="en-US" dirty="0"/>
               <a:t>Keys 4096 bits are strong</a:t>
             </a:r>
           </a:p>
           <a:p>
             <a:pPr lvl="1"/>
-            <a:endParaRPr lang="en-US" altLang="en-US" dirty="0" smtClean="0"/>
+            <a:endParaRPr lang="en-US" altLang="en-US" dirty="0"/>
           </a:p>
         </p:txBody>
       </p:sp>
@@ -27687,7 +27576,7 @@
   <p:timing>
     <p:tnLst>
       <p:par>
-        <p:cTn xmlns:p14="http://schemas.microsoft.com/office/powerpoint/2010/main" id="1" dur="indefinite" restart="never" nodeType="tmRoot">
+        <p:cTn id="1" dur="indefinite" restart="never" nodeType="tmRoot">
           <p:childTnLst>
             <p:seq concurrent="1" nextAc="seek">
               <p:cTn id="2" dur="indefinite" nodeType="mainSeq">
@@ -28044,7 +27933,7 @@
           <a:lstStyle/>
           <a:p>
             <a:r>
-              <a:rPr lang="en-US" altLang="en-US" smtClean="0"/>
+              <a:rPr lang="en-US" altLang="en-US"/>
               <a:t>Secure Shell (SSH)</a:t>
             </a:r>
           </a:p>
@@ -28066,25 +27955,25 @@
           <a:lstStyle/>
           <a:p>
             <a:r>
-              <a:rPr lang="en-US" altLang="en-US" dirty="0" smtClean="0"/>
+              <a:rPr lang="en-US" altLang="en-US" dirty="0"/>
               <a:t>Encrypted alternative to Telnet protocol used to access remote computers</a:t>
             </a:r>
           </a:p>
           <a:p>
-            <a:endParaRPr lang="en-US" altLang="en-US" dirty="0" smtClean="0"/>
-          </a:p>
-          <a:p>
-            <a:r>
-              <a:rPr lang="en-US" altLang="en-US" dirty="0" smtClean="0"/>
+            <a:endParaRPr lang="en-US" altLang="en-US" dirty="0"/>
+          </a:p>
+          <a:p>
+            <a:r>
+              <a:rPr lang="en-US" altLang="en-US" dirty="0"/>
               <a:t>A Linux/UNIX command interface and protocol</a:t>
             </a:r>
           </a:p>
           <a:p>
-            <a:endParaRPr lang="en-US" altLang="en-US" dirty="0" smtClean="0"/>
-          </a:p>
-          <a:p>
-            <a:r>
-              <a:rPr lang="en-US" altLang="en-US" dirty="0" smtClean="0"/>
+            <a:endParaRPr lang="en-US" altLang="en-US" dirty="0"/>
+          </a:p>
+          <a:p>
+            <a:r>
+              <a:rPr lang="en-US" altLang="en-US" dirty="0"/>
               <a:t>Client and server are authenticated using a digital certificate and passwords are encrypted</a:t>
             </a:r>
           </a:p>
@@ -28098,7 +27987,7 @@
   <p:timing>
     <p:tnLst>
       <p:par>
-        <p:cTn xmlns:p14="http://schemas.microsoft.com/office/powerpoint/2010/main" id="1" dur="indefinite" restart="never" nodeType="tmRoot">
+        <p:cTn id="1" dur="indefinite" restart="never" nodeType="tmRoot">
           <p:childTnLst>
             <p:seq concurrent="1" nextAc="seek">
               <p:cTn id="2" dur="indefinite" nodeType="mainSeq">
@@ -28308,7 +28197,7 @@
           <a:lstStyle/>
           <a:p>
             <a:r>
-              <a:rPr lang="en-US" altLang="en-US" smtClean="0"/>
+              <a:rPr lang="en-US" altLang="en-US"/>
               <a:t>Secure Shell (SSH)</a:t>
             </a:r>
           </a:p>
@@ -28343,13 +28232,6 @@
   <p:clrMapOvr>
     <a:masterClrMapping/>
   </p:clrMapOvr>
-  <p:timing>
-    <p:tnLst>
-      <p:par>
-        <p:cTn xmlns:p14="http://schemas.microsoft.com/office/powerpoint/2010/main" id="1" dur="indefinite" restart="never" nodeType="tmRoot"/>
-      </p:par>
-    </p:tnLst>
-  </p:timing>
 </p:sld>
 </file>
 
@@ -28386,7 +28268,7 @@
           <a:lstStyle/>
           <a:p>
             <a:r>
-              <a:rPr lang="en-US" altLang="en-US" smtClean="0"/>
+              <a:rPr lang="en-US" altLang="en-US"/>
               <a:t>Hypertext Transport Protocol Secure (HTTPS)</a:t>
             </a:r>
           </a:p>
@@ -28408,47 +28290,47 @@
           <a:lstStyle/>
           <a:p>
             <a:r>
-              <a:rPr lang="en-US" altLang="en-US" dirty="0" smtClean="0"/>
+              <a:rPr lang="en-US" altLang="en-US" dirty="0"/>
               <a:t>A common use of TLS and SSL:</a:t>
             </a:r>
           </a:p>
           <a:p>
             <a:pPr lvl="1"/>
             <a:r>
-              <a:rPr lang="en-US" altLang="en-US" dirty="0" smtClean="0"/>
+              <a:rPr lang="en-US" altLang="en-US" dirty="0"/>
               <a:t>To secure Hypertext Transport Protocol (HTTP) communications between browser and Web server</a:t>
             </a:r>
           </a:p>
           <a:p>
             <a:pPr lvl="1"/>
-            <a:endParaRPr lang="en-US" altLang="en-US" dirty="0" smtClean="0"/>
+            <a:endParaRPr lang="en-US" altLang="en-US" dirty="0"/>
           </a:p>
           <a:p>
             <a:pPr lvl="1"/>
             <a:r>
-              <a:rPr lang="en-US" altLang="en-US" dirty="0" smtClean="0"/>
+              <a:rPr lang="en-US" altLang="en-US" dirty="0"/>
               <a:t>The secure version is actually “plain” HTTP sent over SSL or TLS</a:t>
             </a:r>
           </a:p>
           <a:p>
             <a:pPr lvl="1"/>
-            <a:endParaRPr lang="en-US" altLang="en-US" dirty="0" smtClean="0"/>
+            <a:endParaRPr lang="en-US" altLang="en-US" dirty="0"/>
           </a:p>
           <a:p>
             <a:pPr lvl="1"/>
             <a:r>
-              <a:rPr lang="en-US" altLang="en-US" dirty="0" smtClean="0"/>
+              <a:rPr lang="en-US" altLang="en-US" dirty="0"/>
               <a:t>Called Hypertext Transport Protocol Secure (HTTPS) uses port 443 instead of HTTP’s port 80</a:t>
             </a:r>
           </a:p>
           <a:p>
             <a:pPr lvl="1"/>
-            <a:endParaRPr lang="en-US" altLang="en-US" dirty="0" smtClean="0"/>
+            <a:endParaRPr lang="en-US" altLang="en-US" dirty="0"/>
           </a:p>
           <a:p>
             <a:pPr lvl="1"/>
             <a:r>
-              <a:rPr lang="en-US" altLang="en-US" dirty="0" smtClean="0"/>
+              <a:rPr lang="en-US" altLang="en-US" dirty="0"/>
               <a:t>Users must enter URLs with https://</a:t>
             </a:r>
           </a:p>
@@ -28462,7 +28344,7 @@
   <p:timing>
     <p:tnLst>
       <p:par>
-        <p:cTn xmlns:p14="http://schemas.microsoft.com/office/powerpoint/2010/main" id="1" dur="indefinite" restart="never" nodeType="tmRoot">
+        <p:cTn id="1" dur="indefinite" restart="never" nodeType="tmRoot">
           <p:childTnLst>
             <p:seq concurrent="1" nextAc="seek">
               <p:cTn id="2" dur="indefinite" nodeType="mainSeq">
@@ -28770,7 +28652,7 @@
           <a:lstStyle/>
           <a:p>
             <a:r>
-              <a:rPr lang="en-US" altLang="en-US" smtClean="0"/>
+              <a:rPr lang="en-US" altLang="en-US"/>
               <a:t>IP Security (IPsec)</a:t>
             </a:r>
           </a:p>
@@ -28792,21 +28674,21 @@
           <a:lstStyle/>
           <a:p>
             <a:r>
-              <a:rPr lang="en-US" altLang="en-US" dirty="0" smtClean="0"/>
+              <a:rPr lang="en-US" altLang="en-US" dirty="0"/>
               <a:t>Internet Protocol Security </a:t>
             </a:r>
           </a:p>
           <a:p>
             <a:pPr lvl="1"/>
             <a:r>
-              <a:rPr lang="en-US" altLang="en-US" dirty="0" smtClean="0"/>
+              <a:rPr lang="en-US" altLang="en-US" dirty="0"/>
               <a:t>A suite of protocols for securing IP communications</a:t>
             </a:r>
           </a:p>
           <a:p>
             <a:pPr lvl="1"/>
             <a:r>
-              <a:rPr lang="en-US" altLang="en-US" dirty="0" smtClean="0"/>
+              <a:rPr lang="en-US" altLang="en-US" dirty="0"/>
               <a:t>Encrypts and authenticates each packet of a session between hosts or networks</a:t>
             </a:r>
           </a:p>
@@ -28820,35 +28702,35 @@
           <a:p>
             <a:pPr lvl="1"/>
             <a:r>
-              <a:rPr lang="en-US" altLang="en-US" dirty="0" smtClean="0"/>
+              <a:rPr lang="en-US" altLang="en-US" dirty="0"/>
               <a:t>considered to be a transparent protocol</a:t>
             </a:r>
           </a:p>
           <a:p>
             <a:pPr lvl="1"/>
             <a:r>
-              <a:rPr lang="en-US" altLang="en-US" dirty="0" smtClean="0"/>
+              <a:rPr lang="en-US" altLang="en-US" dirty="0"/>
               <a:t>It is transparent to the following:</a:t>
             </a:r>
           </a:p>
           <a:p>
             <a:pPr lvl="2"/>
             <a:r>
-              <a:rPr lang="en-US" altLang="en-US" dirty="0" smtClean="0"/>
+              <a:rPr lang="en-US" altLang="en-US" dirty="0"/>
               <a:t>Applications</a:t>
             </a:r>
           </a:p>
           <a:p>
             <a:pPr lvl="2"/>
             <a:r>
-              <a:rPr lang="en-US" altLang="en-US" dirty="0" smtClean="0"/>
+              <a:rPr lang="en-US" altLang="en-US" dirty="0"/>
               <a:t>Users</a:t>
             </a:r>
           </a:p>
           <a:p>
             <a:pPr lvl="2"/>
             <a:r>
-              <a:rPr lang="en-US" altLang="en-US" dirty="0" smtClean="0"/>
+              <a:rPr lang="en-US" altLang="en-US" dirty="0"/>
               <a:t>Software</a:t>
             </a:r>
           </a:p>
@@ -28862,7 +28744,7 @@
   <p:timing>
     <p:tnLst>
       <p:par>
-        <p:cTn xmlns:p14="http://schemas.microsoft.com/office/powerpoint/2010/main" id="1" dur="indefinite" restart="never" nodeType="tmRoot">
+        <p:cTn id="1" dur="indefinite" restart="never" nodeType="tmRoot">
           <p:childTnLst>
             <p:seq concurrent="1" nextAc="seek">
               <p:cTn id="2" dur="indefinite" nodeType="mainSeq">
@@ -29366,7 +29248,7 @@
           <a:lstStyle/>
           <a:p>
             <a:r>
-              <a:rPr lang="en-US" altLang="en-US" smtClean="0"/>
+              <a:rPr lang="en-US" altLang="en-US"/>
               <a:t>IP Security (IPsec)</a:t>
             </a:r>
           </a:p>
@@ -29388,48 +29270,48 @@
           <a:lstStyle/>
           <a:p>
             <a:r>
-              <a:rPr lang="en-US" altLang="en-US" dirty="0" smtClean="0"/>
+              <a:rPr lang="en-US" altLang="en-US" dirty="0"/>
               <a:t>Provides three areas of protection that correspond to three IPsec protocols:</a:t>
             </a:r>
           </a:p>
           <a:p>
             <a:pPr lvl="1"/>
             <a:r>
-              <a:rPr lang="en-US" altLang="en-US" dirty="0" smtClean="0"/>
+              <a:rPr lang="en-US" altLang="en-US" dirty="0"/>
               <a:t>Authentication</a:t>
             </a:r>
           </a:p>
           <a:p>
             <a:pPr lvl="1"/>
             <a:r>
-              <a:rPr lang="en-US" altLang="en-US" dirty="0" smtClean="0"/>
+              <a:rPr lang="en-US" altLang="en-US" dirty="0"/>
               <a:t>Confidentiality</a:t>
             </a:r>
           </a:p>
           <a:p>
             <a:pPr lvl="1"/>
             <a:r>
-              <a:rPr lang="en-US" altLang="en-US" dirty="0" smtClean="0"/>
+              <a:rPr lang="en-US" altLang="en-US" dirty="0"/>
               <a:t>Key management</a:t>
             </a:r>
           </a:p>
           <a:p>
             <a:r>
-              <a:rPr lang="en-US" altLang="en-US" dirty="0" smtClean="0"/>
+              <a:rPr lang="en-US" altLang="en-US" dirty="0"/>
               <a:t>Supports two encryption modes: </a:t>
             </a:r>
           </a:p>
           <a:p>
             <a:pPr lvl="1"/>
             <a:r>
-              <a:rPr lang="en-US" altLang="en-US" dirty="0" smtClean="0"/>
+              <a:rPr lang="en-US" altLang="en-US" dirty="0"/>
               <a:t>Transport - encrypts only the data portion of each packet and leaves the header unencrypted</a:t>
             </a:r>
           </a:p>
           <a:p>
             <a:pPr lvl="1"/>
             <a:r>
-              <a:rPr lang="en-US" altLang="en-US" dirty="0" smtClean="0"/>
+              <a:rPr lang="en-US" altLang="en-US" dirty="0"/>
               <a:t>Tunnel - encrypts both the header and the data portion</a:t>
             </a:r>
           </a:p>
@@ -29443,7 +29325,7 @@
   <p:timing>
     <p:tnLst>
       <p:par>
-        <p:cTn xmlns:p14="http://schemas.microsoft.com/office/powerpoint/2010/main" id="1" dur="indefinite" restart="never" nodeType="tmRoot">
+        <p:cTn id="1" dur="indefinite" restart="never" nodeType="tmRoot">
           <p:childTnLst>
             <p:seq concurrent="1" nextAc="seek">
               <p:cTn id="2" dur="indefinite" nodeType="mainSeq">
@@ -29849,7 +29731,7 @@
           <a:lstStyle/>
           <a:p>
             <a:r>
-              <a:rPr lang="en-US" altLang="en-US" smtClean="0"/>
+              <a:rPr lang="en-US" altLang="en-US"/>
               <a:t>IP Security (IPsec)</a:t>
             </a:r>
           </a:p>
@@ -29884,13 +29766,6 @@
   <p:clrMapOvr>
     <a:masterClrMapping/>
   </p:clrMapOvr>
-  <p:timing>
-    <p:tnLst>
-      <p:par>
-        <p:cTn xmlns:p14="http://schemas.microsoft.com/office/powerpoint/2010/main" id="1" dur="indefinite" restart="never" nodeType="tmRoot"/>
-      </p:par>
-    </p:tnLst>
-  </p:timing>
 </p:sld>
 </file>
 
@@ -29927,7 +29802,7 @@
           <a:lstStyle/>
           <a:p>
             <a:r>
-              <a:rPr lang="en-US" altLang="en-US" smtClean="0"/>
+              <a:rPr lang="en-US" altLang="en-US"/>
               <a:t>Managing Digital Certificates</a:t>
             </a:r>
           </a:p>
@@ -29949,59 +29824,59 @@
           <a:lstStyle/>
           <a:p>
             <a:r>
-              <a:rPr lang="en-US" altLang="en-US" dirty="0" smtClean="0"/>
+              <a:rPr lang="en-US" altLang="en-US" dirty="0"/>
               <a:t>Technologies used for managing digital certificates</a:t>
             </a:r>
           </a:p>
           <a:p>
             <a:pPr lvl="1"/>
             <a:r>
-              <a:rPr lang="en-US" altLang="en-US" dirty="0" smtClean="0"/>
+              <a:rPr lang="en-US" altLang="en-US" dirty="0"/>
               <a:t>Certificate Authority (CA)</a:t>
             </a:r>
           </a:p>
           <a:p>
             <a:pPr lvl="1"/>
             <a:r>
-              <a:rPr lang="en-US" altLang="en-US" dirty="0" smtClean="0"/>
+              <a:rPr lang="en-US" altLang="en-US" dirty="0"/>
               <a:t>Registration Authority (RA)</a:t>
             </a:r>
           </a:p>
           <a:p>
             <a:pPr lvl="1"/>
             <a:r>
-              <a:rPr lang="en-US" altLang="en-US" dirty="0" smtClean="0"/>
+              <a:rPr lang="en-US" altLang="en-US" dirty="0"/>
               <a:t>Certificate Repository (CR)</a:t>
             </a:r>
           </a:p>
           <a:p>
             <a:pPr lvl="1"/>
-            <a:endParaRPr lang="en-US" altLang="en-US" dirty="0" smtClean="0"/>
-          </a:p>
-          <a:p>
-            <a:r>
-              <a:rPr lang="en-US" altLang="en-US" dirty="0" smtClean="0"/>
+            <a:endParaRPr lang="en-US" altLang="en-US" dirty="0"/>
+          </a:p>
+          <a:p>
+            <a:r>
+              <a:rPr lang="en-US" altLang="en-US" dirty="0"/>
               <a:t>Certificate Authority (CA)</a:t>
             </a:r>
           </a:p>
           <a:p>
             <a:pPr lvl="1"/>
             <a:r>
-              <a:rPr lang="en-US" altLang="en-US" dirty="0" smtClean="0"/>
+              <a:rPr lang="en-US" altLang="en-US" dirty="0"/>
               <a:t>The trusted third party agency</a:t>
             </a:r>
           </a:p>
           <a:p>
             <a:pPr lvl="1"/>
             <a:r>
-              <a:rPr lang="en-US" altLang="en-US" dirty="0" smtClean="0"/>
+              <a:rPr lang="en-US" altLang="en-US" dirty="0"/>
               <a:t>Issues digital certificates</a:t>
             </a:r>
           </a:p>
           <a:p>
             <a:pPr lvl="1"/>
             <a:r>
-              <a:rPr lang="en-US" altLang="en-US" dirty="0" smtClean="0"/>
+              <a:rPr lang="en-US" altLang="en-US" dirty="0"/>
               <a:t>Can be internal or external to an organization</a:t>
             </a:r>
           </a:p>
@@ -30010,7 +29885,7 @@
               <a:buFontTx/>
               <a:buNone/>
             </a:pPr>
-            <a:endParaRPr lang="en-US" altLang="en-US" dirty="0" smtClean="0"/>
+            <a:endParaRPr lang="en-US" altLang="en-US" dirty="0"/>
           </a:p>
         </p:txBody>
       </p:sp>
@@ -30022,7 +29897,7 @@
   <p:timing>
     <p:tnLst>
       <p:par>
-        <p:cTn xmlns:p14="http://schemas.microsoft.com/office/powerpoint/2010/main" id="1" dur="indefinite" restart="never" nodeType="tmRoot">
+        <p:cTn id="1" dur="indefinite" restart="never" nodeType="tmRoot">
           <p:childTnLst>
             <p:seq concurrent="1" nextAc="seek">
               <p:cTn id="2" dur="indefinite" nodeType="mainSeq">
@@ -30477,7 +30352,7 @@
           <a:lstStyle/>
           <a:p>
             <a:r>
-              <a:rPr lang="en-US" altLang="en-US" smtClean="0"/>
+              <a:rPr lang="en-US" altLang="en-US"/>
               <a:t>Managing Digital Certificates</a:t>
             </a:r>
           </a:p>
@@ -30499,49 +30374,49 @@
           <a:lstStyle/>
           <a:p>
             <a:r>
-              <a:rPr lang="en-US" altLang="en-US" dirty="0" smtClean="0"/>
+              <a:rPr lang="en-US" altLang="en-US" dirty="0"/>
               <a:t>Duties of a CA</a:t>
             </a:r>
           </a:p>
           <a:p>
             <a:pPr lvl="1"/>
             <a:r>
-              <a:rPr lang="en-US" altLang="en-US" dirty="0" smtClean="0"/>
+              <a:rPr lang="en-US" altLang="en-US" dirty="0"/>
               <a:t>Generate, issue, an distribute public key certificates</a:t>
             </a:r>
           </a:p>
           <a:p>
             <a:pPr lvl="1"/>
             <a:r>
-              <a:rPr lang="en-US" altLang="en-US" dirty="0" smtClean="0"/>
+              <a:rPr lang="en-US" altLang="en-US" dirty="0"/>
               <a:t>Distribute CA certificates</a:t>
             </a:r>
           </a:p>
           <a:p>
             <a:pPr lvl="1"/>
             <a:r>
-              <a:rPr lang="en-US" altLang="en-US" dirty="0" smtClean="0"/>
+              <a:rPr lang="en-US" altLang="en-US" dirty="0"/>
               <a:t>Generate and publish certificate status information</a:t>
             </a:r>
           </a:p>
           <a:p>
             <a:pPr lvl="1"/>
             <a:r>
-              <a:rPr lang="en-US" altLang="en-US" dirty="0" smtClean="0"/>
+              <a:rPr lang="en-US" altLang="en-US" dirty="0"/>
               <a:t>Provide a means for subscribers to request revocation</a:t>
             </a:r>
           </a:p>
           <a:p>
             <a:pPr lvl="1"/>
             <a:r>
-              <a:rPr lang="en-US" altLang="en-US" dirty="0" smtClean="0"/>
+              <a:rPr lang="en-US" altLang="en-US" dirty="0"/>
               <a:t>Revoke public-key certificates</a:t>
             </a:r>
           </a:p>
           <a:p>
             <a:pPr lvl="1"/>
             <a:r>
-              <a:rPr lang="en-US" altLang="en-US" dirty="0" smtClean="0"/>
+              <a:rPr lang="en-US" altLang="en-US" dirty="0"/>
               <a:t>Maintain security, availability, and continuity of certificate issuance signing functions</a:t>
             </a:r>
           </a:p>
@@ -30555,7 +30430,7 @@
   <p:timing>
     <p:tnLst>
       <p:par>
-        <p:cTn xmlns:p14="http://schemas.microsoft.com/office/powerpoint/2010/main" id="1" dur="indefinite" restart="never" nodeType="tmRoot">
+        <p:cTn id="1" dur="indefinite" restart="never" nodeType="tmRoot">
           <p:childTnLst>
             <p:seq concurrent="1" nextAc="seek">
               <p:cTn id="2" dur="indefinite" nodeType="mainSeq">
@@ -30961,7 +30836,7 @@
           <a:lstStyle/>
           <a:p>
             <a:r>
-              <a:rPr lang="en-US" altLang="en-US" smtClean="0"/>
+              <a:rPr lang="en-US" altLang="en-US"/>
               <a:t>Managing Digital Certificates</a:t>
             </a:r>
           </a:p>
@@ -30983,54 +30858,54 @@
           <a:lstStyle/>
           <a:p>
             <a:r>
-              <a:rPr lang="en-US" altLang="en-US" dirty="0" smtClean="0"/>
+              <a:rPr lang="en-US" altLang="en-US" dirty="0"/>
               <a:t>A subscriber requesting a digital certificate</a:t>
             </a:r>
           </a:p>
           <a:p>
             <a:pPr lvl="1"/>
             <a:r>
-              <a:rPr lang="en-US" altLang="en-US" dirty="0" smtClean="0"/>
+              <a:rPr lang="en-US" altLang="en-US" dirty="0"/>
               <a:t>Generates public and private keys</a:t>
             </a:r>
           </a:p>
           <a:p>
             <a:pPr lvl="1"/>
-            <a:endParaRPr lang="en-US" altLang="en-US" dirty="0" smtClean="0"/>
+            <a:endParaRPr lang="en-US" altLang="en-US" dirty="0"/>
           </a:p>
           <a:p>
             <a:pPr lvl="1"/>
             <a:r>
-              <a:rPr lang="en-US" altLang="en-US" dirty="0" smtClean="0"/>
+              <a:rPr lang="en-US" altLang="en-US" dirty="0"/>
               <a:t>Generates a Certificate Signing Request (CSR)</a:t>
             </a:r>
           </a:p>
           <a:p>
             <a:pPr lvl="2"/>
             <a:r>
-              <a:rPr lang="en-US" altLang="en-US" dirty="0" smtClean="0"/>
+              <a:rPr lang="en-US" altLang="en-US" dirty="0"/>
               <a:t>Specifically formatted encrypted message that validates the information the CA requires to issue a digital certificate</a:t>
             </a:r>
           </a:p>
           <a:p>
             <a:pPr lvl="2"/>
-            <a:endParaRPr lang="en-US" altLang="en-US" dirty="0" smtClean="0"/>
+            <a:endParaRPr lang="en-US" altLang="en-US" dirty="0"/>
           </a:p>
           <a:p>
             <a:pPr lvl="1"/>
             <a:r>
-              <a:rPr lang="en-US" altLang="en-US" dirty="0" smtClean="0"/>
+              <a:rPr lang="en-US" altLang="en-US" dirty="0"/>
               <a:t>CA inserts public key into certificate</a:t>
             </a:r>
           </a:p>
           <a:p>
             <a:pPr lvl="1"/>
-            <a:endParaRPr lang="en-US" altLang="en-US" dirty="0" smtClean="0"/>
+            <a:endParaRPr lang="en-US" altLang="en-US" dirty="0"/>
           </a:p>
           <a:p>
             <a:pPr lvl="1"/>
             <a:r>
-              <a:rPr lang="en-US" altLang="en-US" dirty="0" smtClean="0"/>
+              <a:rPr lang="en-US" altLang="en-US" dirty="0"/>
               <a:t>Certificate digitally signed with private key of CA</a:t>
             </a:r>
           </a:p>
@@ -31044,7 +30919,7 @@
   <p:timing>
     <p:tnLst>
       <p:par>
-        <p:cTn xmlns:p14="http://schemas.microsoft.com/office/powerpoint/2010/main" id="1" dur="indefinite" restart="never" nodeType="tmRoot">
+        <p:cTn id="1" dur="indefinite" restart="never" nodeType="tmRoot">
           <p:childTnLst>
             <p:seq concurrent="1" nextAc="seek">
               <p:cTn id="2" dur="indefinite" nodeType="mainSeq">
@@ -31401,7 +31276,7 @@
           <a:lstStyle/>
           <a:p>
             <a:r>
-              <a:rPr lang="en-US" altLang="en-US" smtClean="0"/>
+              <a:rPr lang="en-US" altLang="en-US"/>
               <a:t>Managing Digital Certificates</a:t>
             </a:r>
           </a:p>
@@ -31423,49 +31298,49 @@
           <a:lstStyle/>
           <a:p>
             <a:r>
-              <a:rPr lang="en-US" altLang="en-US" dirty="0" smtClean="0"/>
+              <a:rPr lang="en-US" altLang="en-US" dirty="0"/>
               <a:t>Registration Authority (RA)</a:t>
             </a:r>
           </a:p>
           <a:p>
             <a:pPr lvl="1"/>
             <a:r>
-              <a:rPr lang="en-US" altLang="en-US" dirty="0" smtClean="0"/>
+              <a:rPr lang="en-US" altLang="en-US" dirty="0"/>
               <a:t>Subordinate entity handles specific CA tasks</a:t>
             </a:r>
           </a:p>
           <a:p>
             <a:pPr lvl="2"/>
             <a:r>
-              <a:rPr lang="en-US" altLang="en-US" dirty="0" smtClean="0"/>
+              <a:rPr lang="en-US" altLang="en-US" dirty="0"/>
               <a:t>Creates improved workflow for CA</a:t>
             </a:r>
           </a:p>
           <a:p>
             <a:pPr lvl="2"/>
-            <a:endParaRPr lang="en-US" altLang="en-US" dirty="0" smtClean="0"/>
-          </a:p>
-          <a:p>
-            <a:r>
-              <a:rPr lang="en-US" altLang="en-US" dirty="0" smtClean="0"/>
+            <a:endParaRPr lang="en-US" altLang="en-US" dirty="0"/>
+          </a:p>
+          <a:p>
+            <a:r>
+              <a:rPr lang="en-US" altLang="en-US" dirty="0"/>
               <a:t>General duties of an RA</a:t>
             </a:r>
           </a:p>
           <a:p>
             <a:pPr lvl="1"/>
             <a:r>
-              <a:rPr lang="en-US" altLang="en-US" dirty="0" smtClean="0"/>
+              <a:rPr lang="en-US" altLang="en-US" dirty="0"/>
               <a:t>Receive, authenticate, and process certificate revocation requests</a:t>
             </a:r>
           </a:p>
           <a:p>
             <a:pPr lvl="1"/>
-            <a:endParaRPr lang="en-US" altLang="en-US" dirty="0" smtClean="0"/>
+            <a:endParaRPr lang="en-US" altLang="en-US" dirty="0"/>
           </a:p>
           <a:p>
             <a:pPr lvl="1"/>
             <a:r>
-              <a:rPr lang="en-US" altLang="en-US" dirty="0" smtClean="0"/>
+              <a:rPr lang="en-US" altLang="en-US" dirty="0"/>
               <a:t>Identify and authenticate subscribers</a:t>
             </a:r>
           </a:p>
@@ -31479,7 +31354,7 @@
   <p:timing>
     <p:tnLst>
       <p:par>
-        <p:cTn xmlns:p14="http://schemas.microsoft.com/office/powerpoint/2010/main" id="1" dur="indefinite" restart="never" nodeType="tmRoot">
+        <p:cTn id="1" dur="indefinite" restart="never" nodeType="tmRoot">
           <p:childTnLst>
             <p:seq concurrent="1" nextAc="seek">
               <p:cTn id="2" dur="indefinite" nodeType="mainSeq">
@@ -31836,7 +31711,7 @@
           <a:lstStyle/>
           <a:p>
             <a:r>
-              <a:rPr lang="en-US" altLang="en-US" smtClean="0"/>
+              <a:rPr lang="en-US" altLang="en-US"/>
               <a:t>Managing Digital Certificates</a:t>
             </a:r>
           </a:p>
@@ -31858,42 +31733,42 @@
           <a:lstStyle/>
           <a:p>
             <a:r>
-              <a:rPr lang="en-US" altLang="en-US" dirty="0" smtClean="0"/>
+              <a:rPr lang="en-US" altLang="en-US" dirty="0"/>
               <a:t>General duties of an RA (cont’d.)</a:t>
             </a:r>
           </a:p>
           <a:p>
             <a:pPr lvl="1"/>
             <a:r>
-              <a:rPr lang="en-US" altLang="en-US" dirty="0" smtClean="0"/>
+              <a:rPr lang="en-US" altLang="en-US" dirty="0"/>
               <a:t>Obtain a public key from the subscriber</a:t>
             </a:r>
           </a:p>
           <a:p>
             <a:pPr lvl="1"/>
-            <a:endParaRPr lang="en-US" altLang="en-US" dirty="0" smtClean="0"/>
+            <a:endParaRPr lang="en-US" altLang="en-US" dirty="0"/>
           </a:p>
           <a:p>
             <a:pPr lvl="1"/>
             <a:r>
-              <a:rPr lang="en-US" altLang="en-US" dirty="0" smtClean="0"/>
+              <a:rPr lang="en-US" altLang="en-US" dirty="0"/>
               <a:t>Verify that the subscriber possesses the private key corresponding to the public key</a:t>
             </a:r>
           </a:p>
           <a:p>
             <a:pPr lvl="1"/>
-            <a:endParaRPr lang="en-US" altLang="en-US" dirty="0" smtClean="0"/>
-          </a:p>
-          <a:p>
-            <a:r>
-              <a:rPr lang="en-US" altLang="en-US" dirty="0" smtClean="0"/>
+            <a:endParaRPr lang="en-US" altLang="en-US" dirty="0"/>
+          </a:p>
+          <a:p>
+            <a:r>
+              <a:rPr lang="en-US" altLang="en-US" dirty="0"/>
               <a:t>Primary function of an RA</a:t>
             </a:r>
           </a:p>
           <a:p>
             <a:pPr lvl="1"/>
             <a:r>
-              <a:rPr lang="en-US" altLang="en-US" dirty="0" smtClean="0"/>
+              <a:rPr lang="en-US" altLang="en-US" dirty="0"/>
               <a:t>Verify identity of an individual</a:t>
             </a:r>
           </a:p>
@@ -31907,7 +31782,7 @@
   <p:timing>
     <p:tnLst>
       <p:par>
-        <p:cTn xmlns:p14="http://schemas.microsoft.com/office/powerpoint/2010/main" id="1" dur="indefinite" restart="never" nodeType="tmRoot">
+        <p:cTn id="1" dur="indefinite" restart="never" nodeType="tmRoot">
           <p:childTnLst>
             <p:seq concurrent="1" nextAc="seek">
               <p:cTn id="2" dur="indefinite" nodeType="mainSeq">
